--- a/review2-zurich/WP4-ReviewM18.pptx
+++ b/review2-zurich/WP4-ReviewM18.pptx
@@ -5,29 +5,30 @@
     <p:sldMasterId id="2147483648" r:id="rId1"/>
   </p:sldMasterIdLst>
   <p:notesMasterIdLst>
-    <p:notesMasterId r:id="rId19"/>
+    <p:notesMasterId r:id="rId20"/>
   </p:notesMasterIdLst>
   <p:handoutMasterIdLst>
-    <p:handoutMasterId r:id="rId20"/>
+    <p:handoutMasterId r:id="rId21"/>
   </p:handoutMasterIdLst>
   <p:sldIdLst>
     <p:sldId id="298" r:id="rId2"/>
     <p:sldId id="299" r:id="rId3"/>
-    <p:sldId id="300" r:id="rId4"/>
-    <p:sldId id="301" r:id="rId5"/>
-    <p:sldId id="302" r:id="rId6"/>
-    <p:sldId id="303" r:id="rId7"/>
-    <p:sldId id="304" r:id="rId8"/>
-    <p:sldId id="305" r:id="rId9"/>
-    <p:sldId id="306" r:id="rId10"/>
-    <p:sldId id="307" r:id="rId11"/>
+    <p:sldId id="303" r:id="rId4"/>
+    <p:sldId id="304" r:id="rId5"/>
+    <p:sldId id="316" r:id="rId6"/>
+    <p:sldId id="305" r:id="rId7"/>
+    <p:sldId id="317" r:id="rId8"/>
+    <p:sldId id="306" r:id="rId9"/>
+    <p:sldId id="307" r:id="rId10"/>
+    <p:sldId id="318" r:id="rId11"/>
     <p:sldId id="308" r:id="rId12"/>
     <p:sldId id="309" r:id="rId13"/>
-    <p:sldId id="310" r:id="rId14"/>
-    <p:sldId id="311" r:id="rId15"/>
-    <p:sldId id="312" r:id="rId16"/>
-    <p:sldId id="313" r:id="rId17"/>
-    <p:sldId id="315" r:id="rId18"/>
+    <p:sldId id="319" r:id="rId14"/>
+    <p:sldId id="310" r:id="rId15"/>
+    <p:sldId id="311" r:id="rId16"/>
+    <p:sldId id="312" r:id="rId17"/>
+    <p:sldId id="313" r:id="rId18"/>
+    <p:sldId id="315" r:id="rId19"/>
   </p:sldIdLst>
   <p:sldSz cx="13004800" cy="9753600"/>
   <p:notesSz cx="6858000" cy="9144000"/>
@@ -274,7 +275,7 @@
           <a:p>
             <a:fld id="{38AEA946-BE12-485E-8CED-EB49F79C0D9F}" type="datetimeFigureOut">
               <a:rPr lang="de-CH" smtClean="0"/>
-              <a:t>26.09.17</a:t>
+              <a:t>01.10.2017</a:t>
             </a:fld>
             <a:endParaRPr lang="de-CH"/>
           </a:p>
@@ -340,7 +341,7 @@
           <a:p>
             <a:fld id="{AB7FCD5B-4957-4027-8017-EFFEE2DC5C01}" type="slidenum">
               <a:rPr lang="de-CH" smtClean="0"/>
-              <a:t>‹#›</a:t>
+              <a:t>‹Nr.›</a:t>
             </a:fld>
             <a:endParaRPr lang="de-CH"/>
           </a:p>
@@ -1450,7 +1451,7 @@
             <a:fld id="{CA36C8A0-BAEB-42C3-A2D9-B1F0D6FD294D}" type="slidenum">
               <a:rPr lang="de-CH" smtClean="0"/>
               <a:pPr/>
-              <a:t>‹#›</a:t>
+              <a:t>‹Nr.›</a:t>
             </a:fld>
             <a:endParaRPr lang="de-CH" dirty="0" smtClean="0"/>
           </a:p>
@@ -2688,7 +2689,7 @@
             <a:fld id="{CA36C8A0-BAEB-42C3-A2D9-B1F0D6FD294D}" type="slidenum">
               <a:rPr lang="de-CH" smtClean="0"/>
               <a:pPr/>
-              <a:t>‹#›</a:t>
+              <a:t>‹Nr.›</a:t>
             </a:fld>
             <a:endParaRPr lang="de-CH" dirty="0" smtClean="0"/>
           </a:p>
@@ -3125,7 +3126,7 @@
             <a:fld id="{CA36C8A0-BAEB-42C3-A2D9-B1F0D6FD294D}" type="slidenum">
               <a:rPr lang="de-CH" smtClean="0"/>
               <a:pPr/>
-              <a:t>‹#›</a:t>
+              <a:t>‹Nr.›</a:t>
             </a:fld>
             <a:endParaRPr lang="de-CH" dirty="0" smtClean="0"/>
           </a:p>
@@ -3562,7 +3563,7 @@
             <a:fld id="{CA36C8A0-BAEB-42C3-A2D9-B1F0D6FD294D}" type="slidenum">
               <a:rPr lang="de-CH" smtClean="0"/>
               <a:pPr/>
-              <a:t>‹#›</a:t>
+              <a:t>‹Nr.›</a:t>
             </a:fld>
             <a:endParaRPr lang="de-CH" dirty="0" smtClean="0"/>
           </a:p>
@@ -5223,7 +5224,7 @@
           </a:ln>
           <a:extLst>
             <a:ext uri="{C572A759-6A51-4108-AA02-DFA0A04FC94B}">
-              <ma14:wrappingTextBoxFlag xmlns:ma14="http://schemas.microsoft.com/office/mac/drawingml/2011/main" val="1"/>
+              <ma14:wrappingTextBoxFlag xmlns:ma14="http://schemas.microsoft.com/office/mac/drawingml/2011/main" xmlns="" val="1"/>
             </a:ext>
           </a:extLst>
         </p:spPr>
@@ -5345,7 +5346,7 @@
             <a:fld id="{CA36C8A0-BAEB-42C3-A2D9-B1F0D6FD294D}" type="slidenum">
               <a:rPr lang="de-CH" smtClean="0"/>
               <a:pPr/>
-              <a:t>‹#›</a:t>
+              <a:t>‹Nr.›</a:t>
             </a:fld>
             <a:endParaRPr lang="de-CH" dirty="0" smtClean="0"/>
           </a:p>
@@ -5985,7 +5986,7 @@
       </p:grpSpPr>
       <p:sp>
         <p:nvSpPr>
-          <p:cNvPr id="7" name="Titel 6"/>
+          <p:cNvPr id="2" name="Titel 1"/>
           <p:cNvSpPr>
             <a:spLocks noGrp="1"/>
           </p:cNvSpPr>
@@ -5993,27 +5994,26 @@
             <p:ph type="title"/>
           </p:nvPr>
         </p:nvSpPr>
-        <p:spPr>
-          <a:xfrm>
-            <a:off x="460586" y="882793"/>
-            <a:ext cx="10362294" cy="1382401"/>
-          </a:xfrm>
-        </p:spPr>
+        <p:spPr/>
         <p:txBody>
           <a:bodyPr/>
           <a:lstStyle/>
           <a:p>
             <a:r>
-              <a:rPr lang="en-GB" sz="3600" dirty="0" smtClean="0"/>
-              <a:t>Standardisation Activities on Transport Interfaces and Security</a:t>
-            </a:r>
-            <a:endParaRPr lang="en-GB" sz="3600" dirty="0"/>
+              <a:rPr lang="en-GB" sz="4000" dirty="0"/>
+              <a:t>Standardisation Activities on Transport Interfaces and </a:t>
+            </a:r>
+            <a:r>
+              <a:rPr lang="en-GB" sz="4000" dirty="0" smtClean="0"/>
+              <a:t>Security - Documents</a:t>
+            </a:r>
+            <a:endParaRPr lang="en-US" dirty="0"/>
           </a:p>
         </p:txBody>
       </p:sp>
       <p:sp>
         <p:nvSpPr>
-          <p:cNvPr id="8" name="Textplatzhalter 7"/>
+          <p:cNvPr id="3" name="Textplatzhalter 2"/>
           <p:cNvSpPr>
             <a:spLocks noGrp="1"/>
           </p:cNvSpPr>
@@ -6023,94 +6023,12 @@
         </p:nvSpPr>
         <p:spPr/>
         <p:txBody>
-          <a:bodyPr>
-            <a:normAutofit fontScale="62500" lnSpcReduction="20000"/>
-          </a:bodyPr>
+          <a:bodyPr/>
           <a:lstStyle/>
           <a:p>
+            <a:pPr lvl="1"/>
             <a:r>
               <a:rPr lang="en-GB" dirty="0"/>
-              <a:t>I</a:t>
-            </a:r>
-            <a:r>
-              <a:rPr lang="en-GB" dirty="0" smtClean="0"/>
-              <a:t>nteroperability of the MAMI FTL (Flexible </a:t>
-            </a:r>
-            <a:r>
-              <a:rPr lang="en-GB" dirty="0"/>
-              <a:t>Transport </a:t>
-            </a:r>
-            <a:r>
-              <a:rPr lang="en-GB" dirty="0" smtClean="0"/>
-              <a:t>Layer) with </a:t>
-            </a:r>
-            <a:r>
-              <a:rPr lang="en-GB" dirty="0"/>
-              <a:t>the TAPS </a:t>
-            </a:r>
-            <a:r>
-              <a:rPr lang="en-GB" dirty="0" smtClean="0"/>
-              <a:t>facility</a:t>
-            </a:r>
-          </a:p>
-          <a:p>
-            <a:pPr lvl="1"/>
-            <a:r>
-              <a:rPr lang="en-GB" dirty="0" smtClean="0"/>
-              <a:t>First RFC produced by the project</a:t>
-            </a:r>
-          </a:p>
-          <a:p>
-            <a:r>
-              <a:rPr lang="en-GB" dirty="0" smtClean="0"/>
-              <a:t>Consolidation of the STAR approach within the ACME WG</a:t>
-            </a:r>
-          </a:p>
-          <a:p>
-            <a:pPr lvl="1"/>
-            <a:r>
-              <a:rPr lang="en-GB" dirty="0" smtClean="0"/>
-              <a:t>Automated management of </a:t>
-            </a:r>
-            <a:r>
-              <a:rPr lang="en-GB" i="1" dirty="0" smtClean="0"/>
-              <a:t>delegated </a:t>
-            </a:r>
-            <a:r>
-              <a:rPr lang="en-GB" dirty="0" smtClean="0"/>
-              <a:t>certificates</a:t>
-            </a:r>
-          </a:p>
-          <a:p>
-            <a:pPr lvl="1"/>
-            <a:r>
-              <a:rPr lang="en-GB" dirty="0" smtClean="0"/>
-              <a:t>In the spirit of the original LURK proposal</a:t>
-            </a:r>
-          </a:p>
-          <a:p>
-            <a:r>
-              <a:rPr lang="en-GB" dirty="0" smtClean="0"/>
-              <a:t>Monitoring multi-context security activities</a:t>
-            </a:r>
-          </a:p>
-          <a:p>
-            <a:pPr lvl="1"/>
-            <a:r>
-              <a:rPr lang="en-GB" dirty="0" smtClean="0"/>
-              <a:t>Including recent discussion in the TLS WG</a:t>
-            </a:r>
-          </a:p>
-          <a:p>
-            <a:r>
-              <a:rPr lang="en-GB" dirty="0" smtClean="0"/>
-              <a:t>IETF related documents</a:t>
-            </a:r>
-          </a:p>
-          <a:p>
-            <a:pPr lvl="1"/>
-            <a:r>
-              <a:rPr lang="en-GB" dirty="0" smtClean="0"/>
               <a:t>RFC 8095</a:t>
             </a:r>
           </a:p>
@@ -6126,11 +6044,15 @@
             </a:r>
             <a:r>
               <a:rPr lang="en-GB" dirty="0"/>
-              <a:t>-taps-post-sockets </a:t>
-            </a:r>
-            <a:r>
-              <a:rPr lang="en-GB" dirty="0" smtClean="0"/>
-              <a:t>		draft-</a:t>
+              <a:t>-taps-post-sockets 		</a:t>
+            </a:r>
+            <a:endParaRPr lang="en-GB" dirty="0" smtClean="0"/>
+          </a:p>
+          <a:p>
+            <a:pPr lvl="1"/>
+            <a:r>
+              <a:rPr lang="en-GB" dirty="0" smtClean="0"/>
+              <a:t>draft-</a:t>
             </a:r>
             <a:r>
               <a:rPr lang="en-GB" dirty="0" err="1" smtClean="0"/>
@@ -6153,16 +6075,24 @@
           <a:p>
             <a:pPr lvl="1"/>
             <a:r>
-              <a:rPr lang="en-GB" dirty="0" smtClean="0"/>
+              <a:rPr lang="en-GB" dirty="0"/>
               <a:t>draft-</a:t>
             </a:r>
             <a:r>
-              <a:rPr lang="en-GB" dirty="0" err="1" smtClean="0"/>
+              <a:rPr lang="en-GB" dirty="0" err="1"/>
               <a:t>ietf</a:t>
             </a:r>
             <a:r>
-              <a:rPr lang="en-GB" dirty="0" smtClean="0"/>
-              <a:t>-acme-star						draft-</a:t>
+              <a:rPr lang="en-GB" dirty="0"/>
+              <a:t>-acme-star						</a:t>
+            </a:r>
+            <a:endParaRPr lang="en-GB" dirty="0" smtClean="0"/>
+          </a:p>
+          <a:p>
+            <a:pPr lvl="1"/>
+            <a:r>
+              <a:rPr lang="en-GB" dirty="0" smtClean="0"/>
+              <a:t>draft-</a:t>
             </a:r>
             <a:r>
               <a:rPr lang="en-GB" dirty="0" err="1" smtClean="0"/>
@@ -6172,60 +6102,36 @@
               <a:rPr lang="en-GB" dirty="0" smtClean="0"/>
               <a:t>-acme-star-request</a:t>
             </a:r>
+            <a:endParaRPr lang="en-GB" dirty="0"/>
           </a:p>
           <a:p>
             <a:pPr lvl="1"/>
             <a:r>
-              <a:rPr lang="en-GB" dirty="0" smtClean="0"/>
+              <a:rPr lang="en-GB" dirty="0"/>
               <a:t>draft-</a:t>
             </a:r>
             <a:r>
-              <a:rPr lang="en-GB" dirty="0" err="1" smtClean="0"/>
+              <a:rPr lang="en-GB" dirty="0" err="1"/>
               <a:t>mavrogiannopoulos</a:t>
             </a:r>
             <a:r>
-              <a:rPr lang="en-GB" dirty="0" smtClean="0"/>
+              <a:rPr lang="en-GB" dirty="0"/>
               <a:t>-</a:t>
             </a:r>
             <a:r>
-              <a:rPr lang="en-GB" dirty="0" err="1" smtClean="0"/>
+              <a:rPr lang="en-GB" dirty="0" err="1"/>
               <a:t>tls-cid</a:t>
             </a:r>
             <a:endParaRPr lang="en-GB" dirty="0"/>
           </a:p>
           <a:p>
-            <a:r>
-              <a:rPr lang="en-GB" dirty="0" smtClean="0"/>
-              <a:t>Contributing and monitoring other bodies</a:t>
-            </a:r>
-          </a:p>
-          <a:p>
-            <a:pPr lvl="1"/>
-            <a:r>
-              <a:rPr lang="en-GB" dirty="0" smtClean="0"/>
-              <a:t>ETSI NFV SEC</a:t>
-            </a:r>
-          </a:p>
-          <a:p>
-            <a:pPr lvl="1"/>
-            <a:r>
-              <a:rPr lang="en-GB" dirty="0" smtClean="0"/>
-              <a:t>ETSI TC CYBER</a:t>
-            </a:r>
-          </a:p>
-          <a:p>
-            <a:pPr lvl="1"/>
-            <a:r>
-              <a:rPr lang="en-GB" dirty="0" smtClean="0"/>
-              <a:t>IEEE ETI WG</a:t>
-            </a:r>
-            <a:endParaRPr lang="en-GB" dirty="0"/>
+            <a:endParaRPr lang="en-US" dirty="0"/>
           </a:p>
         </p:txBody>
       </p:sp>
       <p:sp>
         <p:nvSpPr>
-          <p:cNvPr id="5" name="Foliennummernplatzhalter 4"/>
+          <p:cNvPr id="4" name="Foliennummernplatzhalter 3"/>
           <p:cNvSpPr>
             <a:spLocks noGrp="1"/>
           </p:cNvSpPr>
@@ -6239,18 +6145,41 @@
           <a:lstStyle/>
           <a:p>
             <a:fld id="{CA36C8A0-BAEB-42C3-A2D9-B1F0D6FD294D}" type="slidenum">
-              <a:rPr lang="en-GB" smtClean="0"/>
+              <a:rPr lang="de-CH" smtClean="0"/>
               <a:pPr/>
               <a:t>10</a:t>
             </a:fld>
-            <a:endParaRPr lang="en-GB" dirty="0" smtClean="0"/>
+            <a:endParaRPr lang="de-CH" dirty="0" smtClean="0"/>
+          </a:p>
+        </p:txBody>
+      </p:sp>
+      <p:sp>
+        <p:nvSpPr>
+          <p:cNvPr id="5" name="Datumsplatzhalter 4"/>
+          <p:cNvSpPr>
+            <a:spLocks noGrp="1"/>
+          </p:cNvSpPr>
+          <p:nvPr>
+            <p:ph type="dt" sz="half" idx="14"/>
+          </p:nvPr>
+        </p:nvSpPr>
+        <p:spPr/>
+        <p:txBody>
+          <a:bodyPr/>
+          <a:lstStyle/>
+          <a:p>
+            <a:r>
+              <a:rPr lang="de-DE" smtClean="0"/>
+              <a:t>29.01.2016</a:t>
+            </a:r>
+            <a:endParaRPr lang="en-US" dirty="0"/>
           </a:p>
         </p:txBody>
       </p:sp>
     </p:spTree>
     <p:extLst>
       <p:ext uri="{BB962C8B-B14F-4D97-AF65-F5344CB8AC3E}">
-        <p14:creationId xmlns:p14="http://schemas.microsoft.com/office/powerpoint/2010/main" val="662093381"/>
+        <p14:creationId xmlns:p14="http://schemas.microsoft.com/office/powerpoint/2010/main" val="1791389422"/>
       </p:ext>
     </p:extLst>
   </p:cSld>
@@ -6258,13 +6187,6 @@
     <a:masterClrMapping/>
   </p:clrMapOvr>
   <p:transition spd="med"/>
-  <p:timing>
-    <p:tnLst>
-      <p:par>
-        <p:cTn id="1" dur="indefinite" restart="never" nodeType="tmRoot"/>
-      </p:par>
-    </p:tnLst>
-  </p:timing>
 </p:sld>
 </file>
 
@@ -6343,8 +6265,13 @@
           <a:p>
             <a:r>
               <a:rPr lang="en-US" dirty="0" smtClean="0"/>
-              <a:t>Joint workshop with the MONROE project</a:t>
-            </a:r>
+              <a:t>Joint workshop with the MONROE </a:t>
+            </a:r>
+            <a:r>
+              <a:rPr lang="en-US" dirty="0" smtClean="0"/>
+              <a:t>project (MS6)</a:t>
+            </a:r>
+            <a:endParaRPr lang="en-US" dirty="0" smtClean="0"/>
           </a:p>
           <a:p>
             <a:pPr lvl="1"/>
@@ -6577,7 +6504,18 @@
           <a:p>
             <a:r>
               <a:rPr lang="en-GB" dirty="0" smtClean="0"/>
-              <a:t>Industrial Exploitation</a:t>
+              <a:t>Industrial </a:t>
+            </a:r>
+            <a:r>
+              <a:rPr lang="en-GB" dirty="0" smtClean="0"/>
+              <a:t>Exploitation</a:t>
+            </a:r>
+            <a:br>
+              <a:rPr lang="en-GB" dirty="0" smtClean="0"/>
+            </a:br>
+            <a:r>
+              <a:rPr lang="en-GB" dirty="0" smtClean="0"/>
+              <a:t>TID</a:t>
             </a:r>
             <a:endParaRPr lang="en-GB" dirty="0"/>
           </a:p>
@@ -6596,7 +6534,7 @@
         <p:spPr/>
         <p:txBody>
           <a:bodyPr>
-            <a:normAutofit fontScale="62500" lnSpcReduction="20000"/>
+            <a:normAutofit fontScale="85000" lnSpcReduction="20000"/>
           </a:bodyPr>
           <a:lstStyle/>
           <a:p>
@@ -6670,15 +6608,7 @@
           <a:p>
             <a:r>
               <a:rPr lang="en-GB" dirty="0" smtClean="0"/>
-              <a:t>MCP-based </a:t>
-            </a:r>
-            <a:r>
-              <a:rPr lang="en-GB" dirty="0" smtClean="0"/>
-              <a:t>signalling to be applied to </a:t>
-            </a:r>
-            <a:r>
-              <a:rPr lang="en-GB" dirty="0" smtClean="0"/>
-              <a:t>UNICA, Telefonica’s NFVI</a:t>
+              <a:t>MCP-based signalling to be applied to UNICA, Telefonica’s NFVI</a:t>
             </a:r>
           </a:p>
           <a:p>
@@ -6715,15 +6645,7 @@
             </a:r>
             <a:r>
               <a:rPr lang="en-GB" dirty="0" smtClean="0"/>
-              <a:t> </a:t>
-            </a:r>
-            <a:r>
-              <a:rPr lang="en-GB" dirty="0" smtClean="0"/>
-              <a:t>is a Telefonica anonymization and optimisation service </a:t>
-            </a:r>
-            <a:r>
-              <a:rPr lang="en-GB" dirty="0" smtClean="0"/>
-              <a:t>being deployed on UNICA</a:t>
+              <a:t> is a Telefonica anonymization and optimisation service being deployed on UNICA</a:t>
             </a:r>
           </a:p>
           <a:p>
@@ -6739,7 +6661,6 @@
               <a:rPr lang="en-GB" dirty="0" smtClean="0"/>
               <a:t> (virtualised Home Environments)</a:t>
             </a:r>
-            <a:endParaRPr lang="en-GB" dirty="0" smtClean="0"/>
           </a:p>
           <a:p>
             <a:pPr lvl="1"/>
@@ -6751,151 +6672,12 @@
           <a:p>
             <a:r>
               <a:rPr lang="en-GB" dirty="0" smtClean="0"/>
-              <a:t>Considering the support for measurement facilities deployed on the NFVI</a:t>
-            </a:r>
-            <a:endParaRPr lang="en-GB" dirty="0" smtClean="0"/>
-          </a:p>
-          <a:p>
-            <a:r>
-              <a:rPr lang="en-GB" dirty="0"/>
-              <a:t>Nokia investigates to integrate MAMI results into the </a:t>
-            </a:r>
-            <a:r>
-              <a:rPr lang="en-GB" dirty="0" err="1"/>
-              <a:t>Velocix</a:t>
-            </a:r>
-            <a:r>
-              <a:rPr lang="en-GB" dirty="0"/>
-              <a:t> product </a:t>
-            </a:r>
-            <a:r>
-              <a:rPr lang="en-GB" dirty="0" smtClean="0"/>
-              <a:t>line</a:t>
-            </a:r>
-          </a:p>
-          <a:p>
-            <a:pPr lvl="1"/>
-            <a:r>
-              <a:rPr lang="en-GB" dirty="0" smtClean="0"/>
-              <a:t>CDN, </a:t>
-            </a:r>
-            <a:r>
-              <a:rPr lang="en-GB" dirty="0" err="1" smtClean="0"/>
-              <a:t>mABR</a:t>
-            </a:r>
-            <a:r>
-              <a:rPr lang="en-GB" dirty="0" smtClean="0"/>
-              <a:t>, and </a:t>
-            </a:r>
-            <a:r>
-              <a:rPr lang="en-GB" dirty="0"/>
-              <a:t>Personalisation </a:t>
-            </a:r>
-            <a:r>
-              <a:rPr lang="en-GB" dirty="0" smtClean="0"/>
-              <a:t>Platform</a:t>
-            </a:r>
-            <a:endParaRPr lang="en-GB" dirty="0"/>
-          </a:p>
-          <a:p>
-            <a:pPr lvl="1"/>
-            <a:r>
-              <a:rPr lang="en-GB" dirty="0"/>
-              <a:t>E</a:t>
-            </a:r>
-            <a:r>
-              <a:rPr lang="en-GB" dirty="0" smtClean="0"/>
-              <a:t>nhanced </a:t>
-            </a:r>
-            <a:r>
-              <a:rPr lang="en-GB" dirty="0"/>
-              <a:t>cooperation with the mobile </a:t>
-            </a:r>
-            <a:r>
-              <a:rPr lang="en-GB" dirty="0" smtClean="0"/>
-              <a:t>network, better </a:t>
-            </a:r>
-            <a:r>
-              <a:rPr lang="en-GB" dirty="0" err="1" smtClean="0"/>
-              <a:t>QoE</a:t>
-            </a:r>
-            <a:r>
-              <a:rPr lang="en-GB" dirty="0" smtClean="0"/>
-              <a:t>, and expanded personalisation </a:t>
-            </a:r>
-            <a:r>
-              <a:rPr lang="en-GB" dirty="0"/>
-              <a:t>functionality for </a:t>
-            </a:r>
-            <a:r>
-              <a:rPr lang="en-GB" dirty="0" smtClean="0"/>
-              <a:t>OTT </a:t>
-            </a:r>
-            <a:r>
-              <a:rPr lang="en-GB" dirty="0"/>
-              <a:t>video delivery </a:t>
-            </a:r>
-            <a:endParaRPr lang="en-GB" dirty="0" smtClean="0"/>
-          </a:p>
-          <a:p>
-            <a:r>
-              <a:rPr lang="en-GB" dirty="0"/>
-              <a:t>I</a:t>
-            </a:r>
-            <a:r>
-              <a:rPr lang="en-GB" dirty="0" smtClean="0"/>
-              <a:t>nitial experiments in the radio segments, both for </a:t>
-            </a:r>
-            <a:r>
-              <a:rPr lang="en-GB" dirty="0" err="1" smtClean="0"/>
-              <a:t>eNodeB</a:t>
-            </a:r>
-            <a:r>
-              <a:rPr lang="en-GB" dirty="0" smtClean="0"/>
-              <a:t> and terminal equipment</a:t>
-            </a:r>
-          </a:p>
-          <a:p>
-            <a:pPr lvl="1"/>
-            <a:r>
-              <a:rPr lang="en-GB" dirty="0"/>
-              <a:t>V</a:t>
-            </a:r>
-            <a:r>
-              <a:rPr lang="en-GB" dirty="0" smtClean="0"/>
-              <a:t>erify </a:t>
-            </a:r>
-            <a:r>
-              <a:rPr lang="en-GB" dirty="0"/>
-              <a:t>the hypothesis that explicit packet markings are </a:t>
-            </a:r>
-            <a:r>
-              <a:rPr lang="en-GB" dirty="0" smtClean="0"/>
-              <a:t>beneficial</a:t>
-            </a:r>
-          </a:p>
-          <a:p>
-            <a:pPr lvl="1"/>
-            <a:r>
-              <a:rPr lang="en-GB" dirty="0"/>
-              <a:t>E</a:t>
-            </a:r>
-            <a:r>
-              <a:rPr lang="en-GB" dirty="0" smtClean="0"/>
-              <a:t>valuate </a:t>
-            </a:r>
-            <a:r>
-              <a:rPr lang="en-GB" dirty="0"/>
-              <a:t>energy and scheduling </a:t>
-            </a:r>
-            <a:r>
-              <a:rPr lang="en-GB" dirty="0" smtClean="0"/>
-              <a:t>efficiency</a:t>
-            </a:r>
-            <a:endParaRPr lang="en-GB" dirty="0"/>
-          </a:p>
-          <a:p>
-            <a:pPr lvl="1"/>
+              <a:t>Considering the support for measurement facilities deployed on the </a:t>
+            </a:r>
+            <a:r>
+              <a:rPr lang="en-GB" dirty="0" smtClean="0"/>
+              <a:t>NFVI</a:t>
+            </a:r>
             <a:endParaRPr lang="en-GB" dirty="0"/>
           </a:p>
           <a:p>
@@ -6967,7 +6749,7 @@
       </p:grpSpPr>
       <p:sp>
         <p:nvSpPr>
-          <p:cNvPr id="7" name="Titel 6"/>
+          <p:cNvPr id="2" name="Titel 1"/>
           <p:cNvSpPr>
             <a:spLocks noGrp="1"/>
           </p:cNvSpPr>
@@ -6981,16 +6763,27 @@
           <a:lstStyle/>
           <a:p>
             <a:r>
-              <a:rPr lang="en-GB" dirty="0" smtClean="0"/>
-              <a:t>Industrial Contacts and Dissemination</a:t>
-            </a:r>
-            <a:endParaRPr lang="en-GB" dirty="0"/>
+              <a:rPr lang="en-GB" dirty="0"/>
+              <a:t>Industrial </a:t>
+            </a:r>
+            <a:r>
+              <a:rPr lang="en-GB" dirty="0" smtClean="0"/>
+              <a:t>Exploitation</a:t>
+            </a:r>
+            <a:br>
+              <a:rPr lang="en-GB" dirty="0" smtClean="0"/>
+            </a:br>
+            <a:r>
+              <a:rPr lang="en-GB" dirty="0" smtClean="0"/>
+              <a:t>Nokia</a:t>
+            </a:r>
+            <a:endParaRPr lang="en-US" dirty="0"/>
           </a:p>
         </p:txBody>
       </p:sp>
       <p:sp>
         <p:nvSpPr>
-          <p:cNvPr id="8" name="Textplatzhalter 7"/>
+          <p:cNvPr id="3" name="Textplatzhalter 2"/>
           <p:cNvSpPr>
             <a:spLocks noGrp="1"/>
           </p:cNvSpPr>
@@ -7000,211 +6793,91 @@
         </p:nvSpPr>
         <p:spPr/>
         <p:txBody>
-          <a:bodyPr>
-            <a:normAutofit fontScale="77500" lnSpcReduction="20000"/>
-          </a:bodyPr>
+          <a:bodyPr/>
           <a:lstStyle/>
           <a:p>
             <a:r>
-              <a:rPr lang="en-GB" dirty="0" smtClean="0"/>
-              <a:t>Active collaboration with GSMA</a:t>
+              <a:rPr lang="en-GB" dirty="0"/>
+              <a:t>Nokia investigates to integrate MAMI results into the </a:t>
+            </a:r>
+            <a:r>
+              <a:rPr lang="en-GB" dirty="0" err="1"/>
+              <a:t>Velocix</a:t>
+            </a:r>
+            <a:r>
+              <a:rPr lang="en-GB" dirty="0"/>
+              <a:t> product line</a:t>
             </a:r>
           </a:p>
           <a:p>
             <a:pPr lvl="1"/>
             <a:r>
-              <a:rPr lang="en-GB" dirty="0" smtClean="0"/>
-              <a:t>In the framework of GSMA’s POP </a:t>
-            </a:r>
-            <a:r>
-              <a:rPr lang="en-GB" dirty="0" smtClean="0"/>
-              <a:t>Internet WG</a:t>
-            </a:r>
-            <a:endParaRPr lang="en-GB" dirty="0"/>
+              <a:rPr lang="en-GB" dirty="0"/>
+              <a:t>CDN, </a:t>
+            </a:r>
+            <a:r>
+              <a:rPr lang="en-GB" dirty="0" err="1"/>
+              <a:t>mABR</a:t>
+            </a:r>
+            <a:r>
+              <a:rPr lang="en-GB" dirty="0"/>
+              <a:t>, and Personalisation Platform</a:t>
+            </a:r>
           </a:p>
           <a:p>
             <a:pPr lvl="1"/>
             <a:r>
-              <a:rPr lang="en-GB" dirty="0" smtClean="0"/>
-              <a:t>Experiments </a:t>
-            </a:r>
-            <a:r>
               <a:rPr lang="en-GB" dirty="0"/>
-              <a:t>to evaluate the </a:t>
-            </a:r>
-            <a:r>
-              <a:rPr lang="en-GB" dirty="0" smtClean="0"/>
-              <a:t>application of </a:t>
-            </a:r>
-            <a:r>
-              <a:rPr lang="en-GB" dirty="0" err="1" smtClean="0"/>
-              <a:t>LoLa</a:t>
-            </a:r>
-            <a:r>
-              <a:rPr lang="en-GB" dirty="0" smtClean="0"/>
-              <a:t> </a:t>
+              <a:t>Enhanced cooperation with the mobile network, better </a:t>
+            </a:r>
+            <a:r>
+              <a:rPr lang="en-GB" dirty="0" err="1"/>
+              <a:t>QoE</a:t>
             </a:r>
             <a:r>
               <a:rPr lang="en-GB" dirty="0"/>
-              <a:t>(Loss vs Latency) classification schemes </a:t>
-            </a:r>
-            <a:r>
-              <a:rPr lang="en-GB" dirty="0" smtClean="0"/>
-              <a:t>in mobile networks</a:t>
+              <a:t>, and expanded personalisation functionality for OTT video delivery </a:t>
+            </a:r>
+          </a:p>
+          <a:p>
+            <a:r>
+              <a:rPr lang="en-GB" dirty="0"/>
+              <a:t>Initial experiments in the radio segments, both for </a:t>
+            </a:r>
+            <a:r>
+              <a:rPr lang="en-GB" dirty="0" err="1"/>
+              <a:t>eNodeB</a:t>
+            </a:r>
+            <a:r>
+              <a:rPr lang="en-GB" dirty="0"/>
+              <a:t> and terminal equipment</a:t>
             </a:r>
           </a:p>
           <a:p>
             <a:pPr lvl="1"/>
             <a:r>
-              <a:rPr lang="en-GB" dirty="0" smtClean="0"/>
-              <a:t>Chairing </a:t>
-            </a:r>
-            <a:r>
               <a:rPr lang="en-GB" dirty="0"/>
-              <a:t>the Content Classification project </a:t>
-            </a:r>
-            <a:r>
-              <a:rPr lang="en-GB" dirty="0" smtClean="0"/>
-              <a:t>, </a:t>
-            </a:r>
-            <a:r>
-              <a:rPr lang="en-GB" dirty="0" err="1" smtClean="0"/>
-              <a:t>fousing</a:t>
-            </a:r>
-            <a:r>
-              <a:rPr lang="en-GB" dirty="0" smtClean="0"/>
-              <a:t> </a:t>
-            </a:r>
+              <a:t>Verify the hypothesis that explicit packet markings are beneficial</a:t>
+            </a:r>
+          </a:p>
+          <a:p>
+            <a:pPr lvl="1"/>
             <a:r>
               <a:rPr lang="en-GB" dirty="0"/>
-              <a:t>on defining and executing the “1-bit </a:t>
-            </a:r>
-            <a:r>
-              <a:rPr lang="en-GB" dirty="0" smtClean="0"/>
-              <a:t>Experiment”</a:t>
-            </a:r>
-          </a:p>
-          <a:p>
-            <a:pPr lvl="1"/>
-            <a:r>
-              <a:rPr lang="en-GB" dirty="0" smtClean="0"/>
-              <a:t>This </a:t>
-            </a:r>
-            <a:r>
-              <a:rPr lang="en-GB" dirty="0"/>
-              <a:t>collaboration will eventually translate in a public report and the availability of open-source software to obtain additional evidence from </a:t>
-            </a:r>
-            <a:r>
-              <a:rPr lang="en-GB" dirty="0" smtClean="0"/>
-              <a:t>independent </a:t>
-            </a:r>
-            <a:r>
-              <a:rPr lang="en-GB" dirty="0"/>
-              <a:t>experiments. </a:t>
-            </a:r>
-            <a:endParaRPr lang="en-GB" dirty="0" smtClean="0"/>
-          </a:p>
-          <a:p>
-            <a:pPr lvl="1"/>
-            <a:r>
-              <a:rPr lang="en-GB" dirty="0" smtClean="0"/>
-              <a:t>Alignment of observatory data collection and access</a:t>
-            </a:r>
-          </a:p>
-          <a:p>
-            <a:pPr lvl="1"/>
-            <a:r>
-              <a:rPr lang="en-GB" dirty="0" smtClean="0"/>
-              <a:t>Two-way coordination </a:t>
-            </a:r>
-            <a:r>
-              <a:rPr lang="en-GB" dirty="0" smtClean="0"/>
-              <a:t>on </a:t>
-            </a:r>
-            <a:r>
-              <a:rPr lang="en-GB" dirty="0" smtClean="0"/>
-              <a:t>other MCP-related initiatives</a:t>
-            </a:r>
-            <a:endParaRPr lang="en-GB" dirty="0"/>
-          </a:p>
-          <a:p>
-            <a:r>
-              <a:rPr lang="en-GB" dirty="0" smtClean="0"/>
-              <a:t>Introducing MAMI at the SDN World </a:t>
-            </a:r>
-            <a:r>
-              <a:rPr lang="en-GB" dirty="0" smtClean="0"/>
-              <a:t>Congress</a:t>
-            </a:r>
-          </a:p>
-          <a:p>
-            <a:pPr lvl="1"/>
-            <a:r>
-              <a:rPr lang="en-GB" dirty="0" smtClean="0"/>
-              <a:t>The Hague, October 2016 </a:t>
-            </a:r>
-            <a:r>
-              <a:rPr lang="en-GB" dirty="0"/>
-              <a:t>- </a:t>
-            </a:r>
-            <a:r>
-              <a:rPr lang="en-GB" dirty="0">
-                <a:hlinkClick r:id="rId2"/>
-              </a:rPr>
-              <a:t>https://</a:t>
-            </a:r>
-            <a:r>
-              <a:rPr lang="en-GB" dirty="0" smtClean="0">
-                <a:hlinkClick r:id="rId2"/>
-              </a:rPr>
-              <a:t>www.layer123.com/sdn</a:t>
-            </a:r>
-            <a:r>
-              <a:rPr lang="en-GB" dirty="0" smtClean="0"/>
-              <a:t> </a:t>
-            </a:r>
-            <a:endParaRPr lang="en-GB" dirty="0"/>
-          </a:p>
-          <a:p>
-            <a:pPr lvl="1"/>
-            <a:r>
-              <a:rPr lang="en-GB" dirty="0" smtClean="0"/>
-              <a:t>Introduce the </a:t>
-            </a:r>
-            <a:r>
-              <a:rPr lang="en-GB" dirty="0"/>
-              <a:t>project </a:t>
-            </a:r>
-            <a:r>
-              <a:rPr lang="en-GB" dirty="0" smtClean="0"/>
-              <a:t>goals</a:t>
-            </a:r>
-            <a:r>
-              <a:rPr lang="en-GB" dirty="0"/>
-              <a:t>, and </a:t>
-            </a:r>
-            <a:r>
-              <a:rPr lang="en-GB" dirty="0" smtClean="0"/>
-              <a:t>first results </a:t>
-            </a:r>
-            <a:r>
-              <a:rPr lang="en-GB" dirty="0"/>
-              <a:t>in connection with the Software Network concepts </a:t>
-            </a:r>
-            <a:endParaRPr lang="en-GB" dirty="0" smtClean="0"/>
-          </a:p>
-          <a:p>
-            <a:pPr lvl="1"/>
-            <a:r>
-              <a:rPr lang="en-GB" dirty="0" smtClean="0"/>
-              <a:t>More to come in related events</a:t>
-            </a:r>
+              <a:t>Evaluate energy and scheduling efficiency</a:t>
+            </a:r>
+          </a:p>
+          <a:p>
+            <a:pPr marL="0" indent="0">
+              <a:buNone/>
+            </a:pPr>
+            <a:endParaRPr lang="en-US" dirty="0"/>
           </a:p>
         </p:txBody>
       </p:sp>
       <p:sp>
         <p:nvSpPr>
-          <p:cNvPr id="5" name="Foliennummernplatzhalter 4"/>
+          <p:cNvPr id="4" name="Foliennummernplatzhalter 3"/>
           <p:cNvSpPr>
             <a:spLocks noGrp="1"/>
           </p:cNvSpPr>
@@ -7218,18 +6891,41 @@
           <a:lstStyle/>
           <a:p>
             <a:fld id="{CA36C8A0-BAEB-42C3-A2D9-B1F0D6FD294D}" type="slidenum">
-              <a:rPr lang="en-GB" smtClean="0"/>
+              <a:rPr lang="de-CH" smtClean="0"/>
               <a:pPr/>
               <a:t>13</a:t>
             </a:fld>
-            <a:endParaRPr lang="en-GB" dirty="0" smtClean="0"/>
+            <a:endParaRPr lang="de-CH" dirty="0" smtClean="0"/>
+          </a:p>
+        </p:txBody>
+      </p:sp>
+      <p:sp>
+        <p:nvSpPr>
+          <p:cNvPr id="5" name="Datumsplatzhalter 4"/>
+          <p:cNvSpPr>
+            <a:spLocks noGrp="1"/>
+          </p:cNvSpPr>
+          <p:nvPr>
+            <p:ph type="dt" sz="half" idx="14"/>
+          </p:nvPr>
+        </p:nvSpPr>
+        <p:spPr/>
+        <p:txBody>
+          <a:bodyPr/>
+          <a:lstStyle/>
+          <a:p>
+            <a:r>
+              <a:rPr lang="de-DE" smtClean="0"/>
+              <a:t>29.01.2016</a:t>
+            </a:r>
+            <a:endParaRPr lang="en-US" dirty="0"/>
           </a:p>
         </p:txBody>
       </p:sp>
     </p:spTree>
     <p:extLst>
       <p:ext uri="{BB962C8B-B14F-4D97-AF65-F5344CB8AC3E}">
-        <p14:creationId xmlns:p14="http://schemas.microsoft.com/office/powerpoint/2010/main" val="1017271359"/>
+        <p14:creationId xmlns:p14="http://schemas.microsoft.com/office/powerpoint/2010/main" val="1487604211"/>
       </p:ext>
     </p:extLst>
   </p:cSld>
@@ -7237,13 +6933,6 @@
     <a:masterClrMapping/>
   </p:clrMapOvr>
   <p:transition spd="med"/>
-  <p:timing>
-    <p:tnLst>
-      <p:par>
-        <p:cTn id="1" dur="indefinite" restart="never" nodeType="tmRoot"/>
-      </p:par>
-    </p:tnLst>
-  </p:timing>
 </p:sld>
 </file>
 
@@ -7266,7 +6955,7 @@
       </p:grpSpPr>
       <p:sp>
         <p:nvSpPr>
-          <p:cNvPr id="2" name="Title 1"/>
+          <p:cNvPr id="7" name="Titel 6"/>
           <p:cNvSpPr>
             <a:spLocks noGrp="1"/>
           </p:cNvSpPr>
@@ -7280,16 +6969,16 @@
           <a:lstStyle/>
           <a:p>
             <a:r>
-              <a:rPr lang="en-US" dirty="0" smtClean="0"/>
-              <a:t>Academic Exploitation</a:t>
-            </a:r>
-            <a:endParaRPr lang="en-US" dirty="0"/>
+              <a:rPr lang="en-GB" dirty="0" smtClean="0"/>
+              <a:t>Industrial Contacts and Dissemination</a:t>
+            </a:r>
+            <a:endParaRPr lang="en-GB" dirty="0"/>
           </a:p>
         </p:txBody>
       </p:sp>
       <p:sp>
         <p:nvSpPr>
-          <p:cNvPr id="3" name="Text Placeholder 2"/>
+          <p:cNvPr id="8" name="Textplatzhalter 7"/>
           <p:cNvSpPr>
             <a:spLocks noGrp="1"/>
           </p:cNvSpPr>
@@ -7300,404 +6989,186 @@
         <p:spPr/>
         <p:txBody>
           <a:bodyPr>
-            <a:normAutofit fontScale="47500" lnSpcReduction="20000"/>
+            <a:normAutofit fontScale="85000" lnSpcReduction="20000"/>
           </a:bodyPr>
           <a:lstStyle/>
           <a:p>
             <a:r>
               <a:rPr lang="en-GB" dirty="0" smtClean="0"/>
-              <a:t>ETH Zurich</a:t>
+              <a:t>Active collaboration with GSMA</a:t>
             </a:r>
           </a:p>
           <a:p>
             <a:pPr lvl="1"/>
             <a:r>
               <a:rPr lang="en-GB" dirty="0" smtClean="0"/>
-              <a:t>One additional </a:t>
+              <a:t>In the framework of GSMA’s POP Internet WG</a:t>
+            </a:r>
+            <a:endParaRPr lang="en-GB" dirty="0"/>
+          </a:p>
+          <a:p>
+            <a:pPr lvl="1"/>
+            <a:r>
+              <a:rPr lang="en-GB" dirty="0" smtClean="0"/>
+              <a:t>Experiments </a:t>
             </a:r>
             <a:r>
               <a:rPr lang="en-GB" dirty="0"/>
-              <a:t>semester </a:t>
-            </a:r>
-            <a:r>
-              <a:rPr lang="en-GB" dirty="0" smtClean="0"/>
-              <a:t>thesis </a:t>
+              <a:t>to evaluate the </a:t>
+            </a:r>
+            <a:r>
+              <a:rPr lang="en-GB" dirty="0" smtClean="0"/>
+              <a:t>application of </a:t>
+            </a:r>
+            <a:r>
+              <a:rPr lang="en-GB" dirty="0" err="1" smtClean="0"/>
+              <a:t>LoLa</a:t>
+            </a:r>
+            <a:r>
+              <a:rPr lang="en-GB" dirty="0" smtClean="0"/>
+              <a:t> </a:t>
             </a:r>
             <a:r>
               <a:rPr lang="en-GB" dirty="0"/>
-              <a:t>on continuous measurements has started and </a:t>
-            </a:r>
-            <a:r>
-              <a:rPr lang="en-GB" dirty="0" smtClean="0"/>
-              <a:t>concluded</a:t>
+              <a:t>(Loss vs Latency) classification schemes </a:t>
+            </a:r>
+            <a:r>
+              <a:rPr lang="en-GB" dirty="0" smtClean="0"/>
+              <a:t>in mobile networks</a:t>
             </a:r>
           </a:p>
           <a:p>
             <a:pPr lvl="1"/>
             <a:r>
               <a:rPr lang="en-GB" dirty="0" smtClean="0"/>
-              <a:t>Two ongoing new </a:t>
+              <a:t>Chairing </a:t>
             </a:r>
             <a:r>
               <a:rPr lang="en-GB" dirty="0"/>
-              <a:t>master theses </a:t>
-            </a:r>
-            <a:r>
-              <a:rPr lang="en-GB" dirty="0" smtClean="0"/>
-              <a:t>on </a:t>
+              <a:t>the Content Classification project </a:t>
+            </a:r>
+            <a:r>
+              <a:rPr lang="en-GB" dirty="0" smtClean="0"/>
+              <a:t>, </a:t>
+            </a:r>
+            <a:r>
+              <a:rPr lang="en-GB" dirty="0" err="1" smtClean="0"/>
+              <a:t>fousing</a:t>
+            </a:r>
+            <a:r>
+              <a:rPr lang="en-GB" dirty="0" smtClean="0"/>
+              <a:t> </a:t>
             </a:r>
             <a:r>
               <a:rPr lang="en-GB" dirty="0"/>
-              <a:t>low latency evaluation and integration of </a:t>
-            </a:r>
-            <a:r>
-              <a:rPr lang="en-GB" dirty="0" smtClean="0"/>
-              <a:t>tracing facilities into </a:t>
-            </a:r>
-            <a:r>
-              <a:rPr lang="en-GB" dirty="0" err="1" smtClean="0"/>
-              <a:t>PATHspider</a:t>
+              <a:t>on defining and executing the “1-bit </a:t>
+            </a:r>
+            <a:r>
+              <a:rPr lang="en-GB" dirty="0" smtClean="0"/>
+              <a:t>Experiment”</a:t>
+            </a:r>
+          </a:p>
+          <a:p>
+            <a:pPr lvl="1"/>
+            <a:r>
+              <a:rPr lang="en-GB" dirty="0" smtClean="0"/>
+              <a:t>Will eventually </a:t>
+            </a:r>
+            <a:r>
+              <a:rPr lang="en-GB" dirty="0"/>
+              <a:t>translate in a public report and the availability of open-source </a:t>
+            </a:r>
+            <a:r>
+              <a:rPr lang="en-GB" dirty="0" smtClean="0"/>
+              <a:t>software</a:t>
+            </a:r>
+          </a:p>
+          <a:p>
+            <a:pPr lvl="1"/>
+            <a:r>
+              <a:rPr lang="en-GB" dirty="0" smtClean="0"/>
+              <a:t>Alignment </a:t>
+            </a:r>
+            <a:r>
+              <a:rPr lang="en-GB" dirty="0" smtClean="0"/>
+              <a:t>of observatory data collection and access</a:t>
+            </a:r>
+          </a:p>
+          <a:p>
+            <a:pPr lvl="1"/>
+            <a:r>
+              <a:rPr lang="en-GB" dirty="0" smtClean="0"/>
+              <a:t>Two-way coordination on other MCP-related initiatives</a:t>
+            </a:r>
+            <a:endParaRPr lang="en-GB" dirty="0"/>
+          </a:p>
+          <a:p>
+            <a:r>
+              <a:rPr lang="en-GB" dirty="0" smtClean="0"/>
+              <a:t>Introducing MAMI at the SDN World Congress</a:t>
+            </a:r>
+          </a:p>
+          <a:p>
+            <a:pPr lvl="1"/>
+            <a:r>
+              <a:rPr lang="en-GB" dirty="0" smtClean="0"/>
+              <a:t>The Hague, October 2016 </a:t>
+            </a:r>
+            <a:r>
+              <a:rPr lang="en-GB" dirty="0"/>
+              <a:t>- </a:t>
+            </a:r>
+            <a:r>
+              <a:rPr lang="en-GB" dirty="0">
+                <a:hlinkClick r:id="rId2"/>
+              </a:rPr>
+              <a:t>https://</a:t>
+            </a:r>
+            <a:r>
+              <a:rPr lang="en-GB" dirty="0" smtClean="0">
+                <a:hlinkClick r:id="rId2"/>
+              </a:rPr>
+              <a:t>www.layer123.com/sdn</a:t>
+            </a:r>
+            <a:r>
+              <a:rPr lang="en-GB" dirty="0" smtClean="0"/>
+              <a:t> </a:t>
+            </a:r>
+            <a:endParaRPr lang="en-GB" dirty="0"/>
+          </a:p>
+          <a:p>
+            <a:pPr lvl="1"/>
+            <a:r>
+              <a:rPr lang="en-GB" dirty="0" smtClean="0"/>
+              <a:t>Introduce the </a:t>
+            </a:r>
+            <a:r>
+              <a:rPr lang="en-GB" dirty="0"/>
+              <a:t>project </a:t>
+            </a:r>
+            <a:r>
+              <a:rPr lang="en-GB" dirty="0" smtClean="0"/>
+              <a:t>goals</a:t>
+            </a:r>
+            <a:r>
+              <a:rPr lang="en-GB" dirty="0"/>
+              <a:t>, and </a:t>
+            </a:r>
+            <a:r>
+              <a:rPr lang="en-GB" dirty="0" smtClean="0"/>
+              <a:t>first results </a:t>
+            </a:r>
+            <a:r>
+              <a:rPr lang="en-GB" dirty="0"/>
+              <a:t>in connection with the Software Network concepts </a:t>
             </a:r>
             <a:endParaRPr lang="en-GB" dirty="0" smtClean="0"/>
-          </a:p>
-          <a:p>
-            <a:pPr lvl="1"/>
-            <a:r>
-              <a:rPr lang="en-GB" dirty="0" smtClean="0"/>
-              <a:t>One doctoral student working on </a:t>
-            </a:r>
-            <a:r>
-              <a:rPr lang="en-GB" dirty="0"/>
-              <a:t>MCP </a:t>
-            </a:r>
-            <a:r>
-              <a:rPr lang="en-GB" dirty="0" smtClean="0"/>
-              <a:t>implementation and mechanisms </a:t>
-            </a:r>
-            <a:r>
-              <a:rPr lang="en-GB" dirty="0"/>
-              <a:t>for explicit protocol support of in-network passive measurement </a:t>
-            </a:r>
-            <a:endParaRPr lang="en-GB" dirty="0"/>
-          </a:p>
-          <a:p>
-            <a:r>
-              <a:rPr lang="en-GB" dirty="0" smtClean="0"/>
-              <a:t>ZHAW </a:t>
-            </a:r>
-            <a:endParaRPr lang="en-GB" dirty="0" smtClean="0"/>
-          </a:p>
-          <a:p>
-            <a:pPr lvl="1"/>
-            <a:r>
-              <a:rPr lang="en-GB" dirty="0" smtClean="0"/>
-              <a:t>A number </a:t>
-            </a:r>
-            <a:r>
-              <a:rPr lang="en-GB" dirty="0"/>
-              <a:t>of Bachelor and project theses </a:t>
-            </a:r>
-            <a:r>
-              <a:rPr lang="en-GB" dirty="0" smtClean="0"/>
-              <a:t>focusing </a:t>
-            </a:r>
-            <a:r>
-              <a:rPr lang="en-GB" dirty="0"/>
-              <a:t>on work in Linux kernel development by acquiring expertise in equipping a modern Linux kernel with new networking </a:t>
-            </a:r>
-            <a:r>
-              <a:rPr lang="en-GB" dirty="0" smtClean="0"/>
-              <a:t>protocols, and </a:t>
-            </a:r>
-            <a:r>
-              <a:rPr lang="en-GB" dirty="0"/>
-              <a:t>further work on the observatory, together with </a:t>
-            </a:r>
-            <a:r>
-              <a:rPr lang="en-GB" dirty="0" smtClean="0"/>
-              <a:t>ETH</a:t>
-            </a:r>
-            <a:endParaRPr lang="en-GB" dirty="0"/>
-          </a:p>
-          <a:p>
-            <a:pPr lvl="1"/>
-            <a:r>
-              <a:rPr lang="en-GB" dirty="0"/>
-              <a:t>In teaching, </a:t>
-            </a:r>
-            <a:r>
-              <a:rPr lang="en-GB" dirty="0" smtClean="0"/>
-              <a:t>the PLUS principles  serve </a:t>
-            </a:r>
-            <a:r>
-              <a:rPr lang="en-GB" dirty="0"/>
-              <a:t>as an example </a:t>
-            </a:r>
-            <a:r>
-              <a:rPr lang="en-GB" dirty="0" smtClean="0"/>
-              <a:t>of </a:t>
-            </a:r>
-            <a:r>
-              <a:rPr lang="en-GB" dirty="0"/>
-              <a:t>the </a:t>
-            </a:r>
-            <a:r>
-              <a:rPr lang="en-GB" dirty="0" err="1"/>
-              <a:t>tradeoffs</a:t>
-            </a:r>
-            <a:r>
-              <a:rPr lang="en-GB" dirty="0"/>
-              <a:t> one can expect when doing security work when the primary focus is not security: </a:t>
-            </a:r>
-            <a:r>
-              <a:rPr lang="en-GB" dirty="0" smtClean="0"/>
-              <a:t>to </a:t>
-            </a:r>
-            <a:r>
-              <a:rPr lang="en-GB" dirty="0"/>
-              <a:t>prevent an adversary from learning too </a:t>
-            </a:r>
-            <a:r>
-              <a:rPr lang="en-GB" dirty="0" smtClean="0"/>
-              <a:t>much, </a:t>
-            </a:r>
-            <a:r>
-              <a:rPr lang="en-GB" dirty="0"/>
-              <a:t>w</a:t>
-            </a:r>
-            <a:r>
-              <a:rPr lang="en-GB" dirty="0" smtClean="0"/>
-              <a:t>hile providing enough metadata to </a:t>
-            </a:r>
-            <a:r>
-              <a:rPr lang="en-GB" dirty="0"/>
-              <a:t>keep the infrastructure operating </a:t>
-            </a:r>
-            <a:endParaRPr lang="en-GB" dirty="0" smtClean="0"/>
-          </a:p>
-          <a:p>
-            <a:r>
-              <a:rPr lang="en-GB" dirty="0" smtClean="0"/>
-              <a:t>University </a:t>
-            </a:r>
-            <a:r>
-              <a:rPr lang="en-GB" dirty="0" smtClean="0"/>
-              <a:t>of </a:t>
-            </a:r>
-            <a:r>
-              <a:rPr lang="en-GB" dirty="0" smtClean="0"/>
-              <a:t>Aberdeen</a:t>
-            </a:r>
-            <a:endParaRPr lang="en-GB" dirty="0" smtClean="0"/>
-          </a:p>
-          <a:p>
-            <a:pPr lvl="1"/>
-            <a:r>
-              <a:rPr lang="en-GB" dirty="0" smtClean="0"/>
-              <a:t>Continue </a:t>
-            </a:r>
-            <a:r>
-              <a:rPr lang="en-GB" dirty="0"/>
-              <a:t>to support the academic outputs through publication in journals and research </a:t>
-            </a:r>
-            <a:r>
-              <a:rPr lang="en-GB" dirty="0" smtClean="0"/>
-              <a:t>papers, as well as standards participation</a:t>
-            </a:r>
-          </a:p>
-          <a:p>
-            <a:pPr lvl="1"/>
-            <a:r>
-              <a:rPr lang="en-GB" dirty="0" err="1" smtClean="0"/>
-              <a:t>UoA</a:t>
-            </a:r>
-            <a:r>
-              <a:rPr lang="en-GB" dirty="0" smtClean="0"/>
-              <a:t> </a:t>
-            </a:r>
-            <a:r>
-              <a:rPr lang="en-GB" dirty="0"/>
-              <a:t>will continue to use outcomes of the MAMI measurement work to support teaching and postgraduate education in Internet </a:t>
-            </a:r>
-            <a:r>
-              <a:rPr lang="en-GB" dirty="0" smtClean="0"/>
-              <a:t>Engineering</a:t>
-            </a:r>
-          </a:p>
-          <a:p>
-            <a:pPr lvl="1"/>
-            <a:r>
-              <a:rPr lang="en-GB" dirty="0" smtClean="0"/>
-              <a:t>The </a:t>
-            </a:r>
-            <a:r>
-              <a:rPr lang="en-GB" dirty="0"/>
-              <a:t>concepts developed are expected to stimulate future research in related </a:t>
-            </a:r>
-            <a:r>
-              <a:rPr lang="en-GB" dirty="0" smtClean="0"/>
-              <a:t>areas, and  it </a:t>
-            </a:r>
-            <a:r>
-              <a:rPr lang="en-GB" dirty="0"/>
-              <a:t>is already providing new opportunities to develop closer relationships with key industry players where </a:t>
-            </a:r>
-            <a:r>
-              <a:rPr lang="en-GB" dirty="0" smtClean="0"/>
-              <a:t>appropriate</a:t>
-            </a:r>
-          </a:p>
-          <a:p>
-            <a:r>
-              <a:rPr lang="en-GB" dirty="0" err="1" smtClean="0"/>
-              <a:t>Simula</a:t>
-            </a:r>
-            <a:r>
-              <a:rPr lang="en-GB" dirty="0" smtClean="0"/>
-              <a:t> </a:t>
-            </a:r>
-            <a:r>
-              <a:rPr lang="en-GB" dirty="0" smtClean="0"/>
-              <a:t>Research Laboratory </a:t>
-            </a:r>
-          </a:p>
-          <a:p>
-            <a:pPr lvl="1"/>
-            <a:r>
-              <a:rPr lang="en-GB" dirty="0" smtClean="0"/>
-              <a:t>Expand its network </a:t>
-            </a:r>
-            <a:r>
-              <a:rPr lang="en-GB" dirty="0"/>
-              <a:t>of research partners in </a:t>
-            </a:r>
-            <a:r>
-              <a:rPr lang="en-GB" dirty="0" smtClean="0"/>
-              <a:t>Europe</a:t>
-            </a:r>
-          </a:p>
-          <a:p>
-            <a:pPr lvl="1"/>
-            <a:r>
-              <a:rPr lang="en-GB" dirty="0" smtClean="0"/>
-              <a:t>Leverage results </a:t>
-            </a:r>
-            <a:r>
-              <a:rPr lang="en-GB" dirty="0"/>
-              <a:t>and experience </a:t>
-            </a:r>
-            <a:r>
-              <a:rPr lang="en-GB" dirty="0" smtClean="0"/>
-              <a:t>in </a:t>
-            </a:r>
-            <a:r>
-              <a:rPr lang="en-GB" dirty="0"/>
-              <a:t>future project </a:t>
-            </a:r>
-            <a:r>
-              <a:rPr lang="en-GB" dirty="0" smtClean="0"/>
-              <a:t>proposals, targeting </a:t>
-            </a:r>
-            <a:r>
-              <a:rPr lang="en-GB" dirty="0"/>
-              <a:t>either European or national funding </a:t>
-            </a:r>
-            <a:r>
-              <a:rPr lang="en-GB" dirty="0" smtClean="0"/>
-              <a:t>agencies</a:t>
-            </a:r>
-          </a:p>
-          <a:p>
-            <a:pPr lvl="1"/>
-            <a:r>
-              <a:rPr lang="en-GB" dirty="0"/>
-              <a:t>C</a:t>
-            </a:r>
-            <a:r>
-              <a:rPr lang="en-GB" dirty="0" smtClean="0"/>
-              <a:t>ontribute </a:t>
-            </a:r>
-            <a:r>
-              <a:rPr lang="en-GB" dirty="0"/>
-              <a:t>to the PhD summer school that will be organised later in the project. </a:t>
-            </a:r>
-            <a:endParaRPr lang="en-GB" dirty="0"/>
-          </a:p>
-          <a:p>
-            <a:r>
-              <a:rPr lang="en-GB" dirty="0" smtClean="0"/>
-              <a:t>University </a:t>
-            </a:r>
-            <a:r>
-              <a:rPr lang="en-GB" dirty="0" smtClean="0"/>
-              <a:t>of Liege </a:t>
-            </a:r>
-          </a:p>
-          <a:p>
-            <a:pPr lvl="1"/>
-            <a:r>
-              <a:rPr lang="en-GB" dirty="0"/>
-              <a:t>R</a:t>
-            </a:r>
-            <a:r>
-              <a:rPr lang="en-GB" dirty="0" smtClean="0"/>
-              <a:t>esearch </a:t>
-            </a:r>
-            <a:r>
-              <a:rPr lang="en-GB" dirty="0"/>
-              <a:t>activities </a:t>
-            </a:r>
-            <a:r>
-              <a:rPr lang="en-GB" dirty="0" smtClean="0"/>
-              <a:t>on </a:t>
-            </a:r>
-            <a:r>
-              <a:rPr lang="en-GB" dirty="0"/>
-              <a:t>measuring middleboxes </a:t>
-            </a:r>
-            <a:r>
-              <a:rPr lang="en-GB" dirty="0" smtClean="0"/>
-              <a:t>interference </a:t>
-            </a:r>
-            <a:r>
-              <a:rPr lang="en-GB" dirty="0"/>
-              <a:t>and </a:t>
-            </a:r>
-            <a:r>
-              <a:rPr lang="en-GB" dirty="0" smtClean="0"/>
-              <a:t>modelling </a:t>
-            </a:r>
-            <a:r>
-              <a:rPr lang="en-GB" dirty="0"/>
-              <a:t>those middleboxes are included in </a:t>
-            </a:r>
-            <a:r>
-              <a:rPr lang="en-GB" dirty="0" smtClean="0"/>
-              <a:t>courses </a:t>
-            </a:r>
-            <a:r>
-              <a:rPr lang="en-GB" dirty="0"/>
-              <a:t>given to Master Students. </a:t>
-            </a:r>
-            <a:endParaRPr lang="en-GB" dirty="0"/>
-          </a:p>
-          <a:p>
-            <a:pPr lvl="1"/>
-            <a:r>
-              <a:rPr lang="en-GB" dirty="0" smtClean="0"/>
-              <a:t>Master </a:t>
-            </a:r>
-            <a:r>
-              <a:rPr lang="en-GB" dirty="0"/>
-              <a:t>theses and research projects are currently being proposed to students for next academic year (starting in September 2017). </a:t>
-            </a:r>
-            <a:endParaRPr lang="en-GB" dirty="0"/>
           </a:p>
         </p:txBody>
       </p:sp>
       <p:sp>
         <p:nvSpPr>
-          <p:cNvPr id="4" name="Slide Number Placeholder 3"/>
+          <p:cNvPr id="5" name="Foliennummernplatzhalter 4"/>
           <p:cNvSpPr>
             <a:spLocks noGrp="1"/>
           </p:cNvSpPr>
@@ -7711,18 +7182,18 @@
           <a:lstStyle/>
           <a:p>
             <a:fld id="{CA36C8A0-BAEB-42C3-A2D9-B1F0D6FD294D}" type="slidenum">
-              <a:rPr lang="de-CH" smtClean="0"/>
+              <a:rPr lang="en-GB" smtClean="0"/>
               <a:pPr/>
               <a:t>14</a:t>
             </a:fld>
-            <a:endParaRPr lang="de-CH" dirty="0" smtClean="0"/>
+            <a:endParaRPr lang="en-GB" dirty="0" smtClean="0"/>
           </a:p>
         </p:txBody>
       </p:sp>
     </p:spTree>
     <p:extLst>
       <p:ext uri="{BB962C8B-B14F-4D97-AF65-F5344CB8AC3E}">
-        <p14:creationId xmlns:p14="http://schemas.microsoft.com/office/powerpoint/2010/main" val="1162416946"/>
+        <p14:creationId xmlns:p14="http://schemas.microsoft.com/office/powerpoint/2010/main" val="1017271359"/>
       </p:ext>
     </p:extLst>
   </p:cSld>
@@ -7774,7 +7245,7 @@
           <a:p>
             <a:r>
               <a:rPr lang="en-US" dirty="0" smtClean="0"/>
-              <a:t>Software and Other (Public) Repositories</a:t>
+              <a:t>Academic Exploitation</a:t>
             </a:r>
             <a:endParaRPr lang="en-US" dirty="0"/>
           </a:p>
@@ -7793,243 +7264,277 @@
         <p:spPr/>
         <p:txBody>
           <a:bodyPr>
-            <a:normAutofit fontScale="77500" lnSpcReduction="20000"/>
+            <a:normAutofit fontScale="85000" lnSpcReduction="10000"/>
           </a:bodyPr>
           <a:lstStyle/>
           <a:p>
             <a:r>
-              <a:rPr lang="en-US" dirty="0" smtClean="0"/>
-              <a:t>MAMI </a:t>
-            </a:r>
-            <a:r>
-              <a:rPr lang="en-US" dirty="0"/>
-              <a:t>organization hosted on </a:t>
-            </a:r>
-            <a:r>
-              <a:rPr lang="en-US" dirty="0" err="1" smtClean="0"/>
-              <a:t>github.com</a:t>
-            </a:r>
-            <a:endParaRPr lang="en-US" dirty="0" smtClean="0"/>
+              <a:rPr lang="en-GB" sz="2800" dirty="0" smtClean="0"/>
+              <a:t>ETH Zurich</a:t>
+            </a:r>
           </a:p>
           <a:p>
             <a:pPr lvl="1"/>
             <a:r>
-              <a:rPr lang="en-US" dirty="0" smtClean="0">
-                <a:hlinkClick r:id="rId2"/>
-              </a:rPr>
-              <a:t>https</a:t>
-            </a:r>
-            <a:r>
-              <a:rPr lang="en-US" dirty="0">
-                <a:hlinkClick r:id="rId2"/>
-              </a:rPr>
-              <a:t>://</a:t>
-            </a:r>
-            <a:r>
-              <a:rPr lang="en-US" dirty="0" smtClean="0">
-                <a:hlinkClick r:id="rId2"/>
-              </a:rPr>
-              <a:t>github.com/mamiproject</a:t>
-            </a:r>
-            <a:endParaRPr lang="en-US" dirty="0"/>
+              <a:rPr lang="en-GB" sz="2400" dirty="0" smtClean="0"/>
+              <a:t>Multiple students theses on continues measurement/PTO, </a:t>
+            </a:r>
+            <a:r>
+              <a:rPr lang="en-GB" sz="2400" dirty="0" err="1" smtClean="0"/>
+              <a:t>PATHspider</a:t>
+            </a:r>
+            <a:r>
+              <a:rPr lang="en-GB" sz="2400" dirty="0" smtClean="0"/>
+              <a:t> </a:t>
+            </a:r>
+            <a:r>
+              <a:rPr lang="en-GB" sz="2400" dirty="0" err="1" smtClean="0"/>
+              <a:t>tracebox</a:t>
+            </a:r>
+            <a:r>
+              <a:rPr lang="en-GB" sz="2400" dirty="0" smtClean="0"/>
+              <a:t>, and low-latency</a:t>
+            </a:r>
+            <a:endParaRPr lang="en-GB" sz="2400" dirty="0" smtClean="0"/>
           </a:p>
           <a:p>
             <a:pPr lvl="1"/>
             <a:r>
-              <a:rPr lang="en-US" dirty="0" smtClean="0"/>
-              <a:t>Contains </a:t>
-            </a:r>
-            <a:r>
-              <a:rPr lang="en-US" dirty="0"/>
-              <a:t>several repositories for open-source software and public information created by the </a:t>
-            </a:r>
-            <a:r>
-              <a:rPr lang="en-US" dirty="0" smtClean="0"/>
-              <a:t>project</a:t>
+              <a:rPr lang="en-GB" sz="2400" dirty="0"/>
+              <a:t>D</a:t>
+            </a:r>
+            <a:r>
+              <a:rPr lang="en-GB" sz="2400" dirty="0" smtClean="0"/>
+              <a:t>octoral </a:t>
+            </a:r>
+            <a:r>
+              <a:rPr lang="en-GB" sz="2400" dirty="0" smtClean="0"/>
+              <a:t>student </a:t>
+            </a:r>
+            <a:r>
+              <a:rPr lang="en-GB" sz="2400" dirty="0" smtClean="0"/>
+              <a:t>on </a:t>
+            </a:r>
+            <a:r>
+              <a:rPr lang="en-GB" sz="2400" dirty="0"/>
+              <a:t>MCP </a:t>
+            </a:r>
+            <a:r>
+              <a:rPr lang="en-GB" sz="2400" dirty="0" smtClean="0"/>
+              <a:t>implementation and </a:t>
+            </a:r>
+            <a:r>
+              <a:rPr lang="en-GB" sz="2400" dirty="0" smtClean="0"/>
+              <a:t>explicit </a:t>
+            </a:r>
+            <a:r>
+              <a:rPr lang="en-GB" sz="2400" dirty="0"/>
+              <a:t>protocol support of </a:t>
+            </a:r>
+            <a:r>
+              <a:rPr lang="en-GB" sz="2400" dirty="0" smtClean="0"/>
+              <a:t>passive </a:t>
+            </a:r>
+            <a:r>
+              <a:rPr lang="en-GB" sz="2400" dirty="0"/>
+              <a:t>measurement </a:t>
+            </a:r>
+          </a:p>
+          <a:p>
+            <a:r>
+              <a:rPr lang="en-GB" sz="2800" dirty="0" smtClean="0"/>
+              <a:t>ZHAW </a:t>
             </a:r>
           </a:p>
           <a:p>
             <a:pPr lvl="1"/>
             <a:r>
-              <a:rPr lang="en-US" dirty="0" smtClean="0"/>
-              <a:t>Up to </a:t>
-            </a:r>
-            <a:r>
-              <a:rPr lang="en-US" dirty="0" smtClean="0"/>
-              <a:t>42 </a:t>
-            </a:r>
-            <a:r>
-              <a:rPr lang="en-US" dirty="0" smtClean="0"/>
-              <a:t>by June </a:t>
-            </a:r>
-            <a:r>
-              <a:rPr lang="en-US" dirty="0" smtClean="0"/>
-              <a:t>2017</a:t>
-            </a:r>
-            <a:endParaRPr lang="en-US" dirty="0" smtClean="0"/>
+              <a:rPr lang="en-GB" sz="2400" dirty="0" smtClean="0"/>
+              <a:t>Bachelor </a:t>
+            </a:r>
+            <a:r>
+              <a:rPr lang="en-GB" sz="2400" dirty="0"/>
+              <a:t>and project theses </a:t>
+            </a:r>
+            <a:r>
+              <a:rPr lang="en-GB" sz="2400" dirty="0" smtClean="0"/>
+              <a:t>on </a:t>
+            </a:r>
+            <a:r>
+              <a:rPr lang="en-GB" sz="2400" dirty="0"/>
+              <a:t>Linux kernel development </a:t>
+            </a:r>
+            <a:r>
+              <a:rPr lang="en-GB" sz="2400" dirty="0" smtClean="0"/>
+              <a:t>with </a:t>
+            </a:r>
+            <a:r>
+              <a:rPr lang="en-GB" sz="2400" dirty="0"/>
+              <a:t>new </a:t>
+            </a:r>
+            <a:r>
+              <a:rPr lang="en-GB" sz="2400" dirty="0" smtClean="0"/>
+              <a:t>protocols </a:t>
+            </a:r>
+            <a:r>
+              <a:rPr lang="en-GB" sz="2400" dirty="0" smtClean="0"/>
+              <a:t>and </a:t>
+            </a:r>
+            <a:r>
+              <a:rPr lang="en-GB" sz="2400" dirty="0" smtClean="0"/>
+              <a:t>observatory</a:t>
+            </a:r>
           </a:p>
           <a:p>
             <a:pPr lvl="1"/>
             <a:r>
-              <a:rPr lang="en-US" dirty="0" smtClean="0"/>
-              <a:t>Several of them at </a:t>
-            </a:r>
-            <a:r>
-              <a:rPr lang="en-US" i="1" dirty="0" smtClean="0"/>
-              <a:t>wide external use </a:t>
-            </a:r>
-            <a:r>
-              <a:rPr lang="en-US" dirty="0" smtClean="0"/>
-              <a:t>(or more mature) level</a:t>
-            </a:r>
-            <a:endParaRPr lang="en-US" dirty="0" smtClean="0"/>
-          </a:p>
-          <a:p>
-            <a:r>
-              <a:rPr lang="en-US" dirty="0" err="1" smtClean="0"/>
-              <a:t>PATHspider</a:t>
-            </a:r>
-            <a:r>
-              <a:rPr lang="en-US" dirty="0" smtClean="0"/>
-              <a:t> releases already made available through software </a:t>
-            </a:r>
-            <a:r>
-              <a:rPr lang="en-US" dirty="0"/>
-              <a:t>distribution </a:t>
-            </a:r>
-            <a:r>
-              <a:rPr lang="en-US" dirty="0" smtClean="0"/>
-              <a:t>systems</a:t>
+              <a:rPr lang="en-GB" sz="2400" dirty="0" smtClean="0"/>
+              <a:t>T</a:t>
+            </a:r>
+            <a:r>
+              <a:rPr lang="en-GB" sz="2400" dirty="0" smtClean="0"/>
+              <a:t>eaching</a:t>
+            </a:r>
+            <a:r>
+              <a:rPr lang="en-GB" sz="2400" dirty="0"/>
+              <a:t>:</a:t>
+            </a:r>
+            <a:r>
+              <a:rPr lang="en-GB" sz="2400" dirty="0" smtClean="0"/>
+              <a:t> PLUS principles as an example of </a:t>
+            </a:r>
+            <a:r>
+              <a:rPr lang="en-GB" sz="2400" dirty="0" err="1" smtClean="0"/>
+              <a:t>tradeoffs</a:t>
+            </a:r>
+            <a:r>
+              <a:rPr lang="en-GB" sz="2400" dirty="0" smtClean="0"/>
+              <a:t> between privacy and </a:t>
+            </a:r>
+            <a:r>
+              <a:rPr lang="en-GB" sz="2400" dirty="0" err="1" smtClean="0"/>
+              <a:t>managability</a:t>
+            </a:r>
+            <a:endParaRPr lang="en-GB" sz="2400" dirty="0" smtClean="0"/>
+          </a:p>
+          <a:p>
+            <a:r>
+              <a:rPr lang="en-GB" sz="2800" dirty="0" smtClean="0"/>
+              <a:t>University </a:t>
+            </a:r>
+            <a:r>
+              <a:rPr lang="en-GB" sz="2800" dirty="0" smtClean="0"/>
+              <a:t>of Aberdeen</a:t>
             </a:r>
           </a:p>
           <a:p>
             <a:pPr lvl="1"/>
             <a:r>
-              <a:rPr lang="en-US" dirty="0" err="1"/>
-              <a:t>PATHspider</a:t>
-            </a:r>
-            <a:r>
-              <a:rPr lang="en-US" dirty="0"/>
-              <a:t> </a:t>
-            </a:r>
-            <a:r>
-              <a:rPr lang="en-US" dirty="0" smtClean="0"/>
-              <a:t>1.0.0 </a:t>
-            </a:r>
-            <a:r>
-              <a:rPr lang="en-US" dirty="0"/>
-              <a:t>and </a:t>
-            </a:r>
-            <a:r>
-              <a:rPr lang="en-US" dirty="0" smtClean="0"/>
-              <a:t>1.0.1, at the Python </a:t>
-            </a:r>
-            <a:r>
-              <a:rPr lang="en-US" dirty="0"/>
-              <a:t>Package </a:t>
-            </a:r>
-            <a:r>
-              <a:rPr lang="en-US" dirty="0" smtClean="0"/>
-              <a:t>Index </a:t>
-            </a:r>
-            <a:r>
-              <a:rPr lang="en-US" dirty="0"/>
-              <a:t>- </a:t>
-            </a:r>
-            <a:r>
-              <a:rPr lang="en-US" dirty="0">
-                <a:hlinkClick r:id="rId3"/>
-              </a:rPr>
-              <a:t>https://pypi.python.org/</a:t>
-            </a:r>
-            <a:r>
-              <a:rPr lang="en-US" dirty="0"/>
-              <a:t> </a:t>
-            </a:r>
-            <a:endParaRPr lang="en-US" dirty="0" smtClean="0"/>
+              <a:rPr lang="en-GB" sz="2400" dirty="0" smtClean="0"/>
+              <a:t>MAMI results as input for teaching and </a:t>
+            </a:r>
+            <a:r>
+              <a:rPr lang="en-GB" sz="2400" dirty="0"/>
+              <a:t>postgraduate </a:t>
+            </a:r>
+            <a:r>
+              <a:rPr lang="en-GB" sz="2400" dirty="0" smtClean="0"/>
+              <a:t>education</a:t>
+            </a:r>
+            <a:endParaRPr lang="en-GB" sz="2400" dirty="0"/>
           </a:p>
           <a:p>
             <a:pPr lvl="1"/>
             <a:r>
-              <a:rPr lang="en-US" dirty="0" err="1"/>
-              <a:t>PATHspider</a:t>
-            </a:r>
-            <a:r>
-              <a:rPr lang="en-US" dirty="0"/>
-              <a:t> </a:t>
-            </a:r>
-            <a:r>
-              <a:rPr lang="en-US" dirty="0" smtClean="0"/>
-              <a:t>1.0.1, at </a:t>
-            </a:r>
-            <a:r>
-              <a:rPr lang="en-US" dirty="0" err="1" smtClean="0"/>
-              <a:t>Debian</a:t>
-            </a:r>
-            <a:r>
-              <a:rPr lang="en-US" dirty="0" smtClean="0"/>
-              <a:t> </a:t>
-            </a:r>
-            <a:r>
-              <a:rPr lang="en-US" dirty="0"/>
-              <a:t>Operating </a:t>
-            </a:r>
-            <a:r>
-              <a:rPr lang="en-US" dirty="0" smtClean="0"/>
-              <a:t>System - </a:t>
-            </a:r>
-            <a:r>
-              <a:rPr lang="en-US" dirty="0">
-                <a:hlinkClick r:id="rId4"/>
-              </a:rPr>
-              <a:t>https://</a:t>
-            </a:r>
-            <a:r>
-              <a:rPr lang="en-US" dirty="0" smtClean="0">
-                <a:hlinkClick r:id="rId4"/>
-              </a:rPr>
-              <a:t>www.debian.org</a:t>
-            </a:r>
-            <a:r>
-              <a:rPr lang="en-US" dirty="0" smtClean="0"/>
-              <a:t>/ </a:t>
+              <a:rPr lang="en-GB" sz="2400" dirty="0" smtClean="0"/>
+              <a:t>basis  to </a:t>
+            </a:r>
+            <a:r>
+              <a:rPr lang="en-GB" sz="2400" dirty="0" smtClean="0"/>
+              <a:t>stimulate </a:t>
+            </a:r>
+            <a:r>
+              <a:rPr lang="en-GB" sz="2400" dirty="0"/>
+              <a:t>future </a:t>
+            </a:r>
+            <a:r>
+              <a:rPr lang="en-GB" sz="2400" dirty="0" smtClean="0"/>
+              <a:t>develop </a:t>
+            </a:r>
+            <a:r>
+              <a:rPr lang="en-GB" sz="2400" dirty="0"/>
+              <a:t>closer relationships with key industry </a:t>
+            </a:r>
+            <a:r>
+              <a:rPr lang="en-GB" sz="2400" dirty="0" smtClean="0"/>
+              <a:t>players</a:t>
+            </a:r>
+            <a:endParaRPr lang="en-GB" sz="2400" dirty="0" smtClean="0"/>
+          </a:p>
+          <a:p>
+            <a:r>
+              <a:rPr lang="en-GB" sz="2800" dirty="0" err="1" smtClean="0"/>
+              <a:t>Simula</a:t>
+            </a:r>
+            <a:r>
+              <a:rPr lang="en-GB" sz="2800" dirty="0" smtClean="0"/>
+              <a:t> Research Laboratory </a:t>
             </a:r>
           </a:p>
           <a:p>
             <a:pPr lvl="1"/>
             <a:r>
-              <a:rPr lang="en-US" dirty="0" smtClean="0"/>
-              <a:t>The </a:t>
-            </a:r>
-            <a:r>
-              <a:rPr lang="en-US" dirty="0" smtClean="0"/>
-              <a:t>project will keep contributing packages to these and other </a:t>
-            </a:r>
-            <a:r>
-              <a:rPr lang="en-US" dirty="0" smtClean="0"/>
-              <a:t>systems</a:t>
-            </a:r>
-          </a:p>
-          <a:p>
-            <a:r>
-              <a:rPr lang="en-US" dirty="0" smtClean="0"/>
-              <a:t>Regular participation </a:t>
-            </a:r>
-            <a:r>
-              <a:rPr lang="en-US" dirty="0"/>
-              <a:t>in IETF Hackathons to </a:t>
-            </a:r>
-            <a:r>
-              <a:rPr lang="en-US" dirty="0" err="1"/>
-              <a:t>socialise</a:t>
-            </a:r>
-            <a:r>
-              <a:rPr lang="en-US" dirty="0"/>
-              <a:t> ideas and code related to MAMI </a:t>
-            </a:r>
-            <a:r>
-              <a:rPr lang="en-US" dirty="0" smtClean="0"/>
-              <a:t>activities</a:t>
+              <a:rPr lang="en-GB" sz="2400" dirty="0" smtClean="0"/>
+              <a:t>Expanding the network </a:t>
+            </a:r>
+            <a:r>
+              <a:rPr lang="en-GB" sz="2400" dirty="0"/>
+              <a:t>of research partners </a:t>
+            </a:r>
+            <a:r>
+              <a:rPr lang="en-GB" sz="2400" dirty="0" smtClean="0"/>
+              <a:t>and leveraging results/experience </a:t>
+            </a:r>
+            <a:r>
+              <a:rPr lang="en-GB" sz="2400" dirty="0" smtClean="0"/>
+              <a:t>in </a:t>
+            </a:r>
+            <a:r>
+              <a:rPr lang="en-GB" sz="2400" dirty="0"/>
+              <a:t>future </a:t>
+            </a:r>
+            <a:r>
+              <a:rPr lang="en-GB" sz="2400" dirty="0" smtClean="0"/>
+              <a:t>projects</a:t>
+            </a:r>
+          </a:p>
+          <a:p>
+            <a:r>
+              <a:rPr lang="en-GB" sz="2800" dirty="0" smtClean="0"/>
+              <a:t>University </a:t>
+            </a:r>
+            <a:r>
+              <a:rPr lang="en-GB" sz="2800" dirty="0" smtClean="0"/>
+              <a:t>of Liege </a:t>
+            </a:r>
+          </a:p>
+          <a:p>
+            <a:pPr lvl="1"/>
+            <a:r>
+              <a:rPr lang="en-GB" sz="2400" dirty="0" smtClean="0"/>
+              <a:t>Teaching for master student courses on measuring </a:t>
+            </a:r>
+            <a:r>
+              <a:rPr lang="en-GB" sz="2400" dirty="0"/>
+              <a:t>middleboxes </a:t>
+            </a:r>
+            <a:r>
+              <a:rPr lang="en-GB" sz="2400" dirty="0" smtClean="0"/>
+              <a:t>interference </a:t>
+            </a:r>
+            <a:r>
+              <a:rPr lang="en-GB" sz="2400" dirty="0" smtClean="0"/>
+              <a:t>and modelling </a:t>
             </a:r>
           </a:p>
         </p:txBody>
@@ -8061,7 +7566,7 @@
     </p:spTree>
     <p:extLst>
       <p:ext uri="{BB962C8B-B14F-4D97-AF65-F5344CB8AC3E}">
-        <p14:creationId xmlns:p14="http://schemas.microsoft.com/office/powerpoint/2010/main" val="1082874663"/>
+        <p14:creationId xmlns:p14="http://schemas.microsoft.com/office/powerpoint/2010/main" val="1162416946"/>
       </p:ext>
     </p:extLst>
   </p:cSld>
@@ -8113,11 +7618,7 @@
           <a:p>
             <a:r>
               <a:rPr lang="en-US" dirty="0" smtClean="0"/>
-              <a:t>Communication </a:t>
-            </a:r>
-            <a:r>
-              <a:rPr lang="en-US" dirty="0" smtClean="0"/>
-              <a:t>Actions</a:t>
+              <a:t>Software</a:t>
             </a:r>
             <a:endParaRPr lang="en-US" dirty="0"/>
           </a:p>
@@ -8136,198 +7637,211 @@
         <p:spPr/>
         <p:txBody>
           <a:bodyPr>
-            <a:normAutofit fontScale="92500" lnSpcReduction="20000"/>
+            <a:normAutofit/>
           </a:bodyPr>
           <a:lstStyle/>
           <a:p>
             <a:r>
-              <a:rPr lang="en-GB" dirty="0" smtClean="0"/>
-              <a:t>The </a:t>
-            </a:r>
-            <a:r>
-              <a:rPr lang="en-GB" dirty="0" smtClean="0"/>
+              <a:rPr lang="en-US" dirty="0" smtClean="0"/>
               <a:t>MAMI </a:t>
             </a:r>
             <a:r>
-              <a:rPr lang="en-GB" dirty="0" smtClean="0"/>
-              <a:t>domains </a:t>
-            </a:r>
-            <a:r>
-              <a:rPr lang="en-GB" dirty="0" smtClean="0"/>
-              <a:t>and website </a:t>
-            </a:r>
-          </a:p>
-          <a:p>
-            <a:pPr lvl="1"/>
-            <a:r>
-              <a:rPr lang="en-GB" dirty="0" smtClean="0">
+              <a:rPr lang="en-US" dirty="0" smtClean="0"/>
+              <a:t>code hosted </a:t>
+            </a:r>
+            <a:r>
+              <a:rPr lang="en-US" dirty="0"/>
+              <a:t>on </a:t>
+            </a:r>
+            <a:r>
+              <a:rPr lang="en-US" dirty="0" smtClean="0"/>
+              <a:t>github.com: </a:t>
+            </a:r>
+            <a:r>
+              <a:rPr lang="en-US" dirty="0" smtClean="0">
                 <a:hlinkClick r:id="rId2"/>
               </a:rPr>
               <a:t>https</a:t>
             </a:r>
             <a:r>
-              <a:rPr lang="en-GB" dirty="0">
+              <a:rPr lang="en-US" dirty="0">
                 <a:hlinkClick r:id="rId2"/>
               </a:rPr>
-              <a:t>://mami-project.eu</a:t>
-            </a:r>
-            <a:r>
-              <a:rPr lang="en-GB" dirty="0" smtClean="0">
+              <a:t>://</a:t>
+            </a:r>
+            <a:r>
+              <a:rPr lang="en-US" dirty="0" smtClean="0">
                 <a:hlinkClick r:id="rId2"/>
               </a:rPr>
-              <a:t>/</a:t>
-            </a:r>
-            <a:r>
-              <a:rPr lang="en-GB" dirty="0" smtClean="0"/>
-              <a:t> is </a:t>
-            </a:r>
-            <a:r>
-              <a:rPr lang="en-GB" dirty="0"/>
-              <a:t>u</a:t>
-            </a:r>
-            <a:r>
-              <a:rPr lang="en-GB" dirty="0" smtClean="0"/>
-              <a:t>pdated </a:t>
-            </a:r>
-            <a:r>
-              <a:rPr lang="en-GB" dirty="0"/>
-              <a:t>with information on publications, standardisation efforts, events, and a lively blog used to disseminate MAMI </a:t>
-            </a:r>
-            <a:r>
-              <a:rPr lang="en-GB" dirty="0" smtClean="0"/>
-              <a:t>research </a:t>
-            </a:r>
-            <a:r>
-              <a:rPr lang="en-GB" dirty="0"/>
-              <a:t>results and activities. </a:t>
-            </a:r>
-            <a:endParaRPr lang="en-GB" dirty="0"/>
+              <a:t>github.com/mamiproject</a:t>
+            </a:r>
+            <a:endParaRPr lang="en-US" dirty="0"/>
           </a:p>
           <a:p>
             <a:pPr lvl="1"/>
             <a:r>
-              <a:rPr lang="en-GB" dirty="0">
+              <a:rPr lang="en-US" dirty="0" smtClean="0"/>
+              <a:t>Up </a:t>
+            </a:r>
+            <a:r>
+              <a:rPr lang="en-US" dirty="0" smtClean="0"/>
+              <a:t>to 42 by June 2017</a:t>
+            </a:r>
+          </a:p>
+          <a:p>
+            <a:r>
+              <a:rPr lang="en-US" dirty="0" err="1" smtClean="0"/>
+              <a:t>PATHspider</a:t>
+            </a:r>
+            <a:r>
+              <a:rPr lang="en-US" dirty="0" smtClean="0"/>
+              <a:t> </a:t>
+            </a:r>
+            <a:r>
+              <a:rPr lang="en-US" dirty="0" smtClean="0"/>
+              <a:t>releases </a:t>
+            </a:r>
+            <a:r>
+              <a:rPr lang="en-US" dirty="0" smtClean="0"/>
+              <a:t>(through </a:t>
+            </a:r>
+            <a:r>
+              <a:rPr lang="en-US" dirty="0" smtClean="0"/>
+              <a:t>software </a:t>
+            </a:r>
+            <a:r>
+              <a:rPr lang="en-US" dirty="0"/>
+              <a:t>distribution </a:t>
+            </a:r>
+            <a:r>
+              <a:rPr lang="en-US" dirty="0" smtClean="0"/>
+              <a:t>systems)</a:t>
+            </a:r>
+            <a:endParaRPr lang="en-US" dirty="0" smtClean="0"/>
+          </a:p>
+          <a:p>
+            <a:pPr lvl="1"/>
+            <a:r>
+              <a:rPr lang="en-US" dirty="0" err="1"/>
+              <a:t>PATHspider</a:t>
+            </a:r>
+            <a:r>
+              <a:rPr lang="en-US" dirty="0"/>
+              <a:t> </a:t>
+            </a:r>
+            <a:r>
+              <a:rPr lang="en-US" dirty="0" smtClean="0"/>
+              <a:t>1.0.0 </a:t>
+            </a:r>
+            <a:r>
+              <a:rPr lang="en-US" dirty="0"/>
+              <a:t>and </a:t>
+            </a:r>
+            <a:r>
+              <a:rPr lang="en-US" dirty="0" smtClean="0"/>
+              <a:t>1.0.1, at the Python </a:t>
+            </a:r>
+            <a:r>
+              <a:rPr lang="en-US" dirty="0"/>
+              <a:t>Package </a:t>
+            </a:r>
+            <a:r>
+              <a:rPr lang="en-US" dirty="0" smtClean="0"/>
+              <a:t>Index </a:t>
+            </a:r>
+            <a:r>
+              <a:rPr lang="en-US" dirty="0"/>
+              <a:t>- </a:t>
+            </a:r>
+            <a:r>
+              <a:rPr lang="en-US" dirty="0">
                 <a:hlinkClick r:id="rId3"/>
               </a:rPr>
-              <a:t>https://</a:t>
-            </a:r>
-            <a:r>
-              <a:rPr lang="en-GB" dirty="0" smtClean="0">
-                <a:hlinkClick r:id="rId3"/>
-              </a:rPr>
-              <a:t>observatory.mami-project.eu/</a:t>
-            </a:r>
-            <a:r>
-              <a:rPr lang="en-GB" dirty="0" smtClean="0"/>
-              <a:t> (the MAMI PTO), available since </a:t>
-            </a:r>
-            <a:r>
-              <a:rPr lang="en-GB" dirty="0"/>
-              <a:t>May </a:t>
-            </a:r>
-            <a:r>
-              <a:rPr lang="en-GB" dirty="0" smtClean="0"/>
-              <a:t>2016</a:t>
-            </a:r>
+              <a:t>https://pypi.python.org/</a:t>
+            </a:r>
+            <a:r>
+              <a:rPr lang="en-US" dirty="0"/>
+              <a:t> </a:t>
+            </a:r>
+            <a:endParaRPr lang="en-US" dirty="0" smtClean="0"/>
           </a:p>
           <a:p>
             <a:pPr lvl="1"/>
             <a:r>
-              <a:rPr lang="en-GB" dirty="0">
+              <a:rPr lang="en-US" dirty="0" err="1"/>
+              <a:t>PATHspider</a:t>
+            </a:r>
+            <a:r>
+              <a:rPr lang="en-US" dirty="0"/>
+              <a:t> </a:t>
+            </a:r>
+            <a:r>
+              <a:rPr lang="en-US" dirty="0" smtClean="0"/>
+              <a:t>1.0.1, at </a:t>
+            </a:r>
+            <a:r>
+              <a:rPr lang="en-US" dirty="0" err="1" smtClean="0"/>
+              <a:t>Debian</a:t>
+            </a:r>
+            <a:r>
+              <a:rPr lang="en-US" dirty="0" smtClean="0"/>
+              <a:t> </a:t>
+            </a:r>
+            <a:r>
+              <a:rPr lang="en-US" dirty="0"/>
+              <a:t>Operating </a:t>
+            </a:r>
+            <a:r>
+              <a:rPr lang="en-US" dirty="0" smtClean="0"/>
+              <a:t>System - </a:t>
+            </a:r>
+            <a:r>
+              <a:rPr lang="en-US" dirty="0">
                 <a:hlinkClick r:id="rId4"/>
               </a:rPr>
-              <a:t>https://pathspider.net</a:t>
-            </a:r>
-            <a:r>
-              <a:rPr lang="en-GB" dirty="0" smtClean="0">
+              <a:t>https://</a:t>
+            </a:r>
+            <a:r>
+              <a:rPr lang="en-US" dirty="0" smtClean="0">
                 <a:hlinkClick r:id="rId4"/>
               </a:rPr>
-              <a:t>/</a:t>
-            </a:r>
-            <a:r>
-              <a:rPr lang="en-GB" dirty="0" smtClean="0"/>
-              <a:t> (the </a:t>
-            </a:r>
-            <a:r>
-              <a:rPr lang="en-GB" dirty="0" err="1" smtClean="0"/>
-              <a:t>PATHspider</a:t>
-            </a:r>
-            <a:r>
-              <a:rPr lang="en-GB" dirty="0" smtClean="0"/>
-              <a:t> site), maintained by the project as well</a:t>
-            </a:r>
-            <a:endParaRPr lang="en-GB" dirty="0"/>
-          </a:p>
-          <a:p>
-            <a:r>
-              <a:rPr lang="en-GB" dirty="0" smtClean="0"/>
-              <a:t>The </a:t>
-            </a:r>
-            <a:r>
-              <a:rPr lang="en-GB" dirty="0" smtClean="0"/>
-              <a:t>MAMI Twitter </a:t>
-            </a:r>
-            <a:r>
-              <a:rPr lang="en-GB" dirty="0" smtClean="0"/>
-              <a:t>account</a:t>
-            </a:r>
-            <a:endParaRPr lang="en-GB" dirty="0" smtClean="0"/>
+              <a:t>www.debian.org</a:t>
+            </a:r>
+            <a:r>
+              <a:rPr lang="en-US" dirty="0" smtClean="0"/>
+              <a:t>/ </a:t>
+            </a:r>
           </a:p>
           <a:p>
             <a:pPr lvl="1"/>
             <a:r>
-              <a:rPr lang="en-GB" dirty="0" smtClean="0"/>
-              <a:t>@</a:t>
-            </a:r>
-            <a:r>
-              <a:rPr lang="en-GB" dirty="0" err="1" smtClean="0"/>
-              <a:t>mamiproject</a:t>
-            </a:r>
-            <a:r>
-              <a:rPr lang="en-GB" dirty="0" smtClean="0"/>
-              <a:t> was </a:t>
-            </a:r>
-            <a:r>
-              <a:rPr lang="en-GB" dirty="0"/>
-              <a:t>created in March </a:t>
-            </a:r>
-            <a:r>
-              <a:rPr lang="en-GB" dirty="0" smtClean="0"/>
-              <a:t>2015</a:t>
-            </a:r>
-          </a:p>
-          <a:p>
-            <a:pPr lvl="1"/>
-            <a:r>
-              <a:rPr lang="en-GB" dirty="0" smtClean="0"/>
-              <a:t>Stats by 29 </a:t>
-            </a:r>
-            <a:r>
-              <a:rPr lang="en-GB" dirty="0"/>
-              <a:t>June </a:t>
-            </a:r>
-            <a:r>
-              <a:rPr lang="en-GB" dirty="0" smtClean="0"/>
-              <a:t>2017: 135 followers, </a:t>
-            </a:r>
-            <a:r>
-              <a:rPr lang="en-GB" dirty="0"/>
-              <a:t>and a total of 233 tweets since June 2016. </a:t>
-            </a:r>
-            <a:endParaRPr lang="en-GB" dirty="0"/>
-          </a:p>
-          <a:p>
-            <a:r>
-              <a:rPr lang="en-GB" dirty="0" smtClean="0"/>
-              <a:t>Active </a:t>
-            </a:r>
-            <a:r>
-              <a:rPr lang="en-GB" dirty="0" smtClean="0"/>
-              <a:t>coordination with the FIRE Dissemination WG</a:t>
-            </a:r>
-          </a:p>
-          <a:p>
-            <a:endParaRPr lang="en-GB" dirty="0"/>
+              <a:rPr lang="en-US" dirty="0" smtClean="0"/>
+              <a:t>2.0.0 is coming </a:t>
+            </a:r>
+            <a:r>
+              <a:rPr lang="en-US" dirty="0" err="1" smtClean="0"/>
+              <a:t>sonn</a:t>
+            </a:r>
+            <a:r>
+              <a:rPr lang="en-US" dirty="0" smtClean="0"/>
+              <a:t>!</a:t>
+            </a:r>
+            <a:endParaRPr lang="en-US" dirty="0" smtClean="0"/>
+          </a:p>
+          <a:p>
+            <a:r>
+              <a:rPr lang="en-US" dirty="0" smtClean="0"/>
+              <a:t>Regular participation </a:t>
+            </a:r>
+            <a:r>
+              <a:rPr lang="en-US" dirty="0"/>
+              <a:t>in IETF </a:t>
+            </a:r>
+            <a:r>
+              <a:rPr lang="en-US" dirty="0" err="1" smtClean="0"/>
+              <a:t>Hackathons</a:t>
+            </a:r>
+            <a:endParaRPr lang="en-US" dirty="0" smtClean="0"/>
           </a:p>
         </p:txBody>
       </p:sp>
@@ -8358,7 +7872,7 @@
     </p:spTree>
     <p:extLst>
       <p:ext uri="{BB962C8B-B14F-4D97-AF65-F5344CB8AC3E}">
-        <p14:creationId xmlns:p14="http://schemas.microsoft.com/office/powerpoint/2010/main" val="2098036363"/>
+        <p14:creationId xmlns:p14="http://schemas.microsoft.com/office/powerpoint/2010/main" val="1082874663"/>
       </p:ext>
     </p:extLst>
   </p:cSld>
@@ -8410,7 +7924,7 @@
           <a:p>
             <a:r>
               <a:rPr lang="en-US" dirty="0" smtClean="0"/>
-              <a:t>The Coming WP4 Path</a:t>
+              <a:t>Communication Actions</a:t>
             </a:r>
             <a:endParaRPr lang="en-US" dirty="0"/>
           </a:p>
@@ -8429,185 +7943,184 @@
         <p:spPr/>
         <p:txBody>
           <a:bodyPr>
-            <a:normAutofit fontScale="62500" lnSpcReduction="20000"/>
+            <a:normAutofit lnSpcReduction="10000"/>
           </a:bodyPr>
           <a:lstStyle/>
           <a:p>
             <a:r>
-              <a:rPr lang="en-US" dirty="0" smtClean="0"/>
-              <a:t>Identification </a:t>
-            </a:r>
-            <a:r>
-              <a:rPr lang="en-US" dirty="0"/>
-              <a:t>of potential opportunities for new work towards explicit middlebox </a:t>
-            </a:r>
-            <a:r>
-              <a:rPr lang="en-US" dirty="0" smtClean="0"/>
-              <a:t>cooperation</a:t>
-            </a:r>
-            <a:r>
-              <a:rPr lang="en-US" dirty="0"/>
-              <a:t>, </a:t>
-            </a:r>
-            <a:endParaRPr lang="en-US" dirty="0"/>
+              <a:rPr lang="en-GB" dirty="0" smtClean="0"/>
+              <a:t>The MAMI domains and website </a:t>
+            </a:r>
           </a:p>
           <a:p>
             <a:pPr lvl="1"/>
             <a:r>
-              <a:rPr lang="en-US" dirty="0" smtClean="0"/>
-              <a:t>Preparation </a:t>
-            </a:r>
-            <a:r>
-              <a:rPr lang="en-US" dirty="0"/>
-              <a:t>of appropriate technical contributions to create and influence new standards, especially within </a:t>
-            </a:r>
-            <a:r>
-              <a:rPr lang="en-US" dirty="0" smtClean="0"/>
-              <a:t>IETF/IRTF: TSVWG, QUIC, TAPS…</a:t>
-            </a:r>
+              <a:rPr lang="en-GB" dirty="0" smtClean="0">
+                <a:hlinkClick r:id="rId2"/>
+              </a:rPr>
+              <a:t>https</a:t>
+            </a:r>
+            <a:r>
+              <a:rPr lang="en-GB" dirty="0">
+                <a:hlinkClick r:id="rId2"/>
+              </a:rPr>
+              <a:t>://mami-project.eu</a:t>
+            </a:r>
+            <a:r>
+              <a:rPr lang="en-GB" dirty="0" smtClean="0">
+                <a:hlinkClick r:id="rId2"/>
+              </a:rPr>
+              <a:t>/</a:t>
+            </a:r>
+            <a:r>
+              <a:rPr lang="en-GB" dirty="0" smtClean="0"/>
+              <a:t> </a:t>
+            </a:r>
+            <a:endParaRPr lang="en-GB" dirty="0" smtClean="0"/>
+          </a:p>
+          <a:p>
+            <a:pPr lvl="2"/>
+            <a:r>
+              <a:rPr lang="en-GB" dirty="0" smtClean="0"/>
+              <a:t>32 blog post in total, 20 new since July 2016; </a:t>
+            </a:r>
+          </a:p>
+          <a:p>
+            <a:pPr lvl="2"/>
+            <a:r>
+              <a:rPr lang="en-GB" dirty="0" smtClean="0"/>
+              <a:t>Up-to-date list of publications and other documents in standardization</a:t>
+            </a:r>
+            <a:endParaRPr lang="en-GB" dirty="0"/>
           </a:p>
           <a:p>
             <a:pPr lvl="1"/>
             <a:r>
-              <a:rPr lang="en-US" dirty="0" smtClean="0"/>
-              <a:t>Leverage the results of PANRG and MAPRG</a:t>
+              <a:rPr lang="en-GB" dirty="0">
+                <a:hlinkClick r:id="rId3"/>
+              </a:rPr>
+              <a:t>https://</a:t>
+            </a:r>
+            <a:r>
+              <a:rPr lang="en-GB" dirty="0" smtClean="0">
+                <a:hlinkClick r:id="rId3"/>
+              </a:rPr>
+              <a:t>observatory.mami-project.eu/</a:t>
+            </a:r>
+            <a:r>
+              <a:rPr lang="en-GB" dirty="0" smtClean="0"/>
+              <a:t> (the MAMI </a:t>
+            </a:r>
+            <a:r>
+              <a:rPr lang="en-GB" dirty="0" smtClean="0"/>
+              <a:t>PTO)</a:t>
+            </a:r>
+          </a:p>
+          <a:p>
+            <a:pPr lvl="2"/>
+            <a:r>
+              <a:rPr lang="en-GB" dirty="0" smtClean="0"/>
+              <a:t>available </a:t>
+            </a:r>
+            <a:r>
+              <a:rPr lang="en-GB" dirty="0" smtClean="0"/>
+              <a:t>since </a:t>
+            </a:r>
+            <a:r>
+              <a:rPr lang="en-GB" dirty="0"/>
+              <a:t>May </a:t>
+            </a:r>
+            <a:r>
+              <a:rPr lang="en-GB" dirty="0" smtClean="0"/>
+              <a:t>2016</a:t>
             </a:r>
           </a:p>
           <a:p>
             <a:pPr lvl="1"/>
             <a:r>
-              <a:rPr lang="en-US" dirty="0" smtClean="0"/>
-              <a:t>Specific inputs into SDOs and industry groups on mechanisms for middlebox-cooperative protocols: ETSI NFV, </a:t>
-            </a:r>
-            <a:r>
-              <a:rPr lang="en-US" dirty="0"/>
-              <a:t>ETSI TC CYBER, IEEE ETI WG and GSMA Internet WG. </a:t>
-            </a:r>
-            <a:endParaRPr lang="en-US" dirty="0" smtClean="0"/>
+              <a:rPr lang="en-GB" dirty="0">
+                <a:hlinkClick r:id="rId4"/>
+              </a:rPr>
+              <a:t>https://pathspider.net</a:t>
+            </a:r>
+            <a:r>
+              <a:rPr lang="en-GB" dirty="0" smtClean="0">
+                <a:hlinkClick r:id="rId4"/>
+              </a:rPr>
+              <a:t>/</a:t>
+            </a:r>
+            <a:r>
+              <a:rPr lang="en-GB" dirty="0" smtClean="0"/>
+              <a:t> </a:t>
+            </a:r>
+            <a:r>
+              <a:rPr lang="en-GB" dirty="0" smtClean="0"/>
+              <a:t>The </a:t>
+            </a:r>
+            <a:r>
+              <a:rPr lang="en-GB" dirty="0" smtClean="0"/>
+              <a:t>MAMI Twitter account</a:t>
+            </a:r>
+          </a:p>
+          <a:p>
+            <a:r>
+              <a:rPr lang="en-GB" dirty="0" smtClean="0"/>
+              <a:t>@</a:t>
+            </a:r>
+            <a:r>
+              <a:rPr lang="en-GB" dirty="0" err="1" smtClean="0"/>
+              <a:t>mamiproject</a:t>
+            </a:r>
+            <a:r>
+              <a:rPr lang="en-GB" dirty="0" smtClean="0"/>
+              <a:t> </a:t>
+            </a:r>
+            <a:endParaRPr lang="en-GB" dirty="0" smtClean="0"/>
           </a:p>
           <a:p>
             <a:pPr lvl="1"/>
             <a:r>
-              <a:rPr lang="en-US" dirty="0"/>
-              <a:t>E</a:t>
-            </a:r>
-            <a:r>
-              <a:rPr lang="en-US" dirty="0" smtClean="0"/>
-              <a:t>xplicit </a:t>
-            </a:r>
-            <a:r>
-              <a:rPr lang="en-US" dirty="0"/>
-              <a:t>support for in-network measurements and trust-but-verify-based service </a:t>
-            </a:r>
-            <a:r>
-              <a:rPr lang="en-US" dirty="0" smtClean="0"/>
-              <a:t>differentiation</a:t>
-            </a:r>
-          </a:p>
-          <a:p>
-            <a:r>
-              <a:rPr lang="en-US" dirty="0" smtClean="0"/>
-              <a:t>Continue </a:t>
-            </a:r>
-            <a:r>
-              <a:rPr lang="en-US" dirty="0"/>
-              <a:t>building awareness in the research and scientific community about the project and </a:t>
-            </a:r>
-            <a:r>
-              <a:rPr lang="en-US" dirty="0" smtClean="0"/>
-              <a:t>its results </a:t>
-            </a:r>
+              <a:rPr lang="en-GB" dirty="0" smtClean="0"/>
+              <a:t>Stats </a:t>
+            </a:r>
+            <a:r>
+              <a:rPr lang="en-GB" dirty="0" smtClean="0"/>
+              <a:t>by 29 </a:t>
+            </a:r>
+            <a:r>
+              <a:rPr lang="en-GB" dirty="0"/>
+              <a:t>June </a:t>
+            </a:r>
+            <a:r>
+              <a:rPr lang="en-GB" dirty="0" smtClean="0"/>
+              <a:t>2017: 135 followers, </a:t>
+            </a:r>
+            <a:endParaRPr lang="en-GB" dirty="0" smtClean="0"/>
           </a:p>
           <a:p>
             <a:pPr lvl="1"/>
             <a:r>
-              <a:rPr lang="en-US" dirty="0" smtClean="0"/>
-              <a:t>The MCP</a:t>
-            </a:r>
-          </a:p>
-          <a:p>
-            <a:pPr lvl="1"/>
-            <a:r>
-              <a:rPr lang="en-US" dirty="0" smtClean="0"/>
-              <a:t>The PTO</a:t>
-            </a:r>
-          </a:p>
-          <a:p>
-            <a:pPr lvl="1"/>
-            <a:r>
-              <a:rPr lang="en-US" dirty="0" smtClean="0"/>
-              <a:t>Measurements </a:t>
-            </a:r>
-            <a:r>
-              <a:rPr lang="en-US" dirty="0"/>
-              <a:t>performed by various tools such as </a:t>
-            </a:r>
-            <a:r>
-              <a:rPr lang="en-US" dirty="0" err="1"/>
-              <a:t>PATHspider</a:t>
-            </a:r>
-            <a:r>
-              <a:rPr lang="en-US" dirty="0"/>
-              <a:t> and </a:t>
-            </a:r>
-            <a:r>
-              <a:rPr lang="en-US" dirty="0" err="1" smtClean="0"/>
-              <a:t>tracebox</a:t>
-            </a:r>
-            <a:endParaRPr lang="en-US" dirty="0"/>
-          </a:p>
-          <a:p>
-            <a:r>
-              <a:rPr lang="en-US" dirty="0" smtClean="0"/>
-              <a:t>Identification </a:t>
-            </a:r>
-            <a:r>
-              <a:rPr lang="en-US" dirty="0"/>
-              <a:t>of key application(s) for the MCP and further exploitation of project </a:t>
-            </a:r>
-            <a:r>
-              <a:rPr lang="en-US" dirty="0" smtClean="0"/>
-              <a:t>results</a:t>
-            </a:r>
-          </a:p>
-          <a:p>
-            <a:pPr lvl="1"/>
-            <a:r>
-              <a:rPr lang="en-US" dirty="0"/>
-              <a:t>C</a:t>
-            </a:r>
-            <a:r>
-              <a:rPr lang="en-US" dirty="0" smtClean="0"/>
-              <a:t>urrent products and services</a:t>
-            </a:r>
-          </a:p>
-          <a:p>
-            <a:pPr lvl="1"/>
-            <a:r>
-              <a:rPr lang="en-US" dirty="0" smtClean="0"/>
-              <a:t>Bring results and tools into Software Network practice and lifecycle management</a:t>
-            </a:r>
-          </a:p>
-          <a:p>
-            <a:pPr lvl="1"/>
-            <a:r>
-              <a:rPr lang="en-US" dirty="0" smtClean="0"/>
-              <a:t>Explore direct collaboration in measurements</a:t>
-            </a:r>
-            <a:r>
-              <a:rPr lang="en-US" dirty="0"/>
-              <a:t> </a:t>
-            </a:r>
-            <a:r>
-              <a:rPr lang="en-US" dirty="0" smtClean="0"/>
-              <a:t>and the PTO itself</a:t>
-            </a:r>
-          </a:p>
-          <a:p>
-            <a:r>
-              <a:rPr lang="en-US" dirty="0" smtClean="0"/>
-              <a:t>Keep bridging the gap(s)</a:t>
-            </a:r>
+              <a:rPr lang="en-GB" dirty="0" smtClean="0"/>
+              <a:t>233 </a:t>
+            </a:r>
+            <a:r>
+              <a:rPr lang="en-GB" dirty="0"/>
+              <a:t>tweets since June </a:t>
+            </a:r>
+            <a:r>
+              <a:rPr lang="en-GB" dirty="0" smtClean="0"/>
+              <a:t>2016</a:t>
+            </a:r>
+            <a:endParaRPr lang="en-GB" dirty="0"/>
+          </a:p>
+          <a:p>
+            <a:r>
+              <a:rPr lang="en-GB" dirty="0" smtClean="0"/>
+              <a:t>Active coordination with the FIRE Dissemination WG</a:t>
+            </a:r>
+          </a:p>
+          <a:p>
+            <a:endParaRPr lang="en-GB" dirty="0"/>
           </a:p>
         </p:txBody>
       </p:sp>
@@ -8630,6 +8143,265 @@
               <a:rPr lang="de-CH" smtClean="0"/>
               <a:pPr/>
               <a:t>17</a:t>
+            </a:fld>
+            <a:endParaRPr lang="de-CH" dirty="0" smtClean="0"/>
+          </a:p>
+        </p:txBody>
+      </p:sp>
+    </p:spTree>
+    <p:extLst>
+      <p:ext uri="{BB962C8B-B14F-4D97-AF65-F5344CB8AC3E}">
+        <p14:creationId xmlns:p14="http://schemas.microsoft.com/office/powerpoint/2010/main" val="2098036363"/>
+      </p:ext>
+    </p:extLst>
+  </p:cSld>
+  <p:clrMapOvr>
+    <a:masterClrMapping/>
+  </p:clrMapOvr>
+  <p:transition spd="med"/>
+  <p:timing>
+    <p:tnLst>
+      <p:par>
+        <p:cTn id="1" dur="indefinite" restart="never" nodeType="tmRoot"/>
+      </p:par>
+    </p:tnLst>
+  </p:timing>
+</p:sld>
+</file>
+
+<file path=ppt/slides/slide18.xml><?xml version="1.0" encoding="utf-8"?>
+<p:sld xmlns:a="http://schemas.openxmlformats.org/drawingml/2006/main" xmlns:r="http://schemas.openxmlformats.org/officeDocument/2006/relationships" xmlns:p="http://schemas.openxmlformats.org/presentationml/2006/main">
+  <p:cSld>
+    <p:spTree>
+      <p:nvGrpSpPr>
+        <p:cNvPr id="1" name=""/>
+        <p:cNvGrpSpPr/>
+        <p:nvPr/>
+      </p:nvGrpSpPr>
+      <p:grpSpPr>
+        <a:xfrm>
+          <a:off x="0" y="0"/>
+          <a:ext cx="0" cy="0"/>
+          <a:chOff x="0" y="0"/>
+          <a:chExt cx="0" cy="0"/>
+        </a:xfrm>
+      </p:grpSpPr>
+      <p:sp>
+        <p:nvSpPr>
+          <p:cNvPr id="2" name="Title 1"/>
+          <p:cNvSpPr>
+            <a:spLocks noGrp="1"/>
+          </p:cNvSpPr>
+          <p:nvPr>
+            <p:ph type="title"/>
+          </p:nvPr>
+        </p:nvSpPr>
+        <p:spPr/>
+        <p:txBody>
+          <a:bodyPr/>
+          <a:lstStyle/>
+          <a:p>
+            <a:r>
+              <a:rPr lang="en-US" dirty="0" smtClean="0"/>
+              <a:t>The Coming WP4 Path</a:t>
+            </a:r>
+            <a:endParaRPr lang="en-US" dirty="0"/>
+          </a:p>
+        </p:txBody>
+      </p:sp>
+      <p:sp>
+        <p:nvSpPr>
+          <p:cNvPr id="3" name="Text Placeholder 2"/>
+          <p:cNvSpPr>
+            <a:spLocks noGrp="1"/>
+          </p:cNvSpPr>
+          <p:nvPr>
+            <p:ph type="body" sz="quarter" idx="13"/>
+          </p:nvPr>
+        </p:nvSpPr>
+        <p:spPr/>
+        <p:txBody>
+          <a:bodyPr>
+            <a:normAutofit fontScale="70000" lnSpcReduction="20000"/>
+          </a:bodyPr>
+          <a:lstStyle/>
+          <a:p>
+            <a:r>
+              <a:rPr lang="en-US" dirty="0" smtClean="0"/>
+              <a:t>Continuous focus on standardization</a:t>
+            </a:r>
+          </a:p>
+          <a:p>
+            <a:pPr lvl="1"/>
+            <a:r>
+              <a:rPr lang="en-US" dirty="0" smtClean="0"/>
+              <a:t>T</a:t>
+            </a:r>
+            <a:r>
+              <a:rPr lang="en-US" dirty="0" smtClean="0"/>
+              <a:t>echnical contributions to create and influence new standards, especially within IETF/IRTF</a:t>
+            </a:r>
+            <a:r>
+              <a:rPr lang="en-US" dirty="0"/>
+              <a:t>: </a:t>
+            </a:r>
+            <a:r>
+              <a:rPr lang="en-US" dirty="0" smtClean="0"/>
+              <a:t>QUIC, TSVWG</a:t>
+            </a:r>
+            <a:r>
+              <a:rPr lang="en-US" dirty="0"/>
+              <a:t>, </a:t>
+            </a:r>
+            <a:r>
+              <a:rPr lang="en-US" dirty="0" smtClean="0"/>
+              <a:t>TAPS…</a:t>
+            </a:r>
+          </a:p>
+          <a:p>
+            <a:pPr lvl="1"/>
+            <a:r>
+              <a:rPr lang="en-US" dirty="0" smtClean="0"/>
+              <a:t>Input into PANRG and MAPRG to bring awareness of research results in the IETF</a:t>
+            </a:r>
+          </a:p>
+          <a:p>
+            <a:pPr lvl="1"/>
+            <a:r>
+              <a:rPr lang="en-US" dirty="0" smtClean="0"/>
+              <a:t>Specific inputs into SDOs and industry groups on mechanisms for </a:t>
+            </a:r>
+            <a:r>
+              <a:rPr lang="en-US" dirty="0" err="1" smtClean="0"/>
+              <a:t>middlebox</a:t>
+            </a:r>
+            <a:r>
+              <a:rPr lang="en-US" dirty="0" smtClean="0"/>
+              <a:t>-cooperative protocols: ETSI NFV, ETSI TC CYBER, IEEE ETI WG and GSMA Internet WG </a:t>
+            </a:r>
+          </a:p>
+          <a:p>
+            <a:pPr lvl="1"/>
+            <a:r>
+              <a:rPr lang="en-US" dirty="0" smtClean="0"/>
+              <a:t>Planed Industry workshop collocated with IETF-101 in London in March (</a:t>
+            </a:r>
+            <a:r>
+              <a:rPr lang="en-US" b="1" dirty="0" smtClean="0"/>
+              <a:t>MS9</a:t>
+            </a:r>
+            <a:r>
+              <a:rPr lang="en-US" dirty="0" smtClean="0"/>
+              <a:t>)</a:t>
+            </a:r>
+            <a:endParaRPr lang="en-US" dirty="0" smtClean="0"/>
+          </a:p>
+          <a:p>
+            <a:r>
+              <a:rPr lang="en-US" dirty="0" smtClean="0"/>
+              <a:t>Continue building awareness in the research and scientific community</a:t>
+            </a:r>
+          </a:p>
+          <a:p>
+            <a:pPr lvl="1"/>
+            <a:r>
+              <a:rPr lang="en-US" dirty="0" smtClean="0"/>
+              <a:t>Focus on PTO </a:t>
+            </a:r>
+            <a:r>
+              <a:rPr lang="en-US" dirty="0" smtClean="0"/>
+              <a:t>and m</a:t>
+            </a:r>
+            <a:r>
+              <a:rPr lang="en-US" dirty="0" smtClean="0"/>
+              <a:t>easurements performed by various tools such as </a:t>
+            </a:r>
+            <a:r>
+              <a:rPr lang="en-US" dirty="0" err="1" smtClean="0"/>
+              <a:t>PATHspider</a:t>
+            </a:r>
+            <a:r>
+              <a:rPr lang="en-US" dirty="0" smtClean="0"/>
+              <a:t> and </a:t>
+            </a:r>
+            <a:r>
+              <a:rPr lang="en-US" dirty="0" err="1" smtClean="0"/>
+              <a:t>tracebox</a:t>
+            </a:r>
+            <a:endParaRPr lang="en-US" dirty="0" smtClean="0"/>
+          </a:p>
+          <a:p>
+            <a:pPr lvl="1"/>
+            <a:r>
+              <a:rPr lang="en-US" dirty="0" smtClean="0"/>
+              <a:t>Planed PhD Summer School at TMA‘18 in June in Vienna (</a:t>
+            </a:r>
+            <a:r>
+              <a:rPr lang="en-US" b="1" dirty="0" smtClean="0"/>
+              <a:t>M11</a:t>
+            </a:r>
+            <a:r>
+              <a:rPr lang="en-US" dirty="0" smtClean="0"/>
+              <a:t>)</a:t>
+            </a:r>
+          </a:p>
+          <a:p>
+            <a:r>
+              <a:rPr lang="en-US" dirty="0" smtClean="0"/>
+              <a:t>Identification of key application(s) for the MCP </a:t>
+            </a:r>
+            <a:r>
+              <a:rPr lang="en-US" dirty="0" smtClean="0"/>
+              <a:t>and </a:t>
+            </a:r>
+            <a:r>
+              <a:rPr lang="en-US" dirty="0" smtClean="0"/>
+              <a:t>exploitation of project results</a:t>
+            </a:r>
+          </a:p>
+          <a:p>
+            <a:pPr lvl="1"/>
+            <a:r>
+              <a:rPr lang="en-US" dirty="0" smtClean="0"/>
+              <a:t>Current products and services</a:t>
+            </a:r>
+          </a:p>
+          <a:p>
+            <a:pPr lvl="1"/>
+            <a:r>
+              <a:rPr lang="en-US" dirty="0" smtClean="0"/>
+              <a:t>Bring results and tools into Software Network practice and lifecycle management</a:t>
+            </a:r>
+          </a:p>
+          <a:p>
+            <a:pPr lvl="1"/>
+            <a:r>
+              <a:rPr lang="en-US" dirty="0" smtClean="0"/>
+              <a:t>Further explore direct collaboration in measurements and the PTO itself</a:t>
+            </a:r>
+            <a:endParaRPr lang="en-US" dirty="0" smtClean="0"/>
+          </a:p>
+        </p:txBody>
+      </p:sp>
+      <p:sp>
+        <p:nvSpPr>
+          <p:cNvPr id="4" name="Slide Number Placeholder 3"/>
+          <p:cNvSpPr>
+            <a:spLocks noGrp="1"/>
+          </p:cNvSpPr>
+          <p:nvPr>
+            <p:ph type="sldNum" sz="quarter" idx="16"/>
+          </p:nvPr>
+        </p:nvSpPr>
+        <p:spPr/>
+        <p:txBody>
+          <a:bodyPr/>
+          <a:lstStyle/>
+          <a:p>
+            <a:fld id="{CA36C8A0-BAEB-42C3-A2D9-B1F0D6FD294D}" type="slidenum">
+              <a:rPr lang="de-CH" smtClean="0"/>
+              <a:pPr/>
+              <a:t>18</a:t>
             </a:fld>
             <a:endParaRPr lang="de-CH" dirty="0" smtClean="0"/>
           </a:p>
@@ -8706,7 +8478,7 @@
           <a:p>
             <a:r>
               <a:rPr lang="en-US" dirty="0" smtClean="0"/>
-              <a:t>A Few Remarks on the WP4 Tasks</a:t>
+              <a:t>WP4: Tasks and Objectives</a:t>
             </a:r>
             <a:endParaRPr lang="en-US" dirty="0"/>
           </a:p>
@@ -8725,7 +8497,7 @@
         <p:spPr/>
         <p:txBody>
           <a:bodyPr>
-            <a:normAutofit fontScale="77500" lnSpcReduction="20000"/>
+            <a:normAutofit/>
           </a:bodyPr>
           <a:lstStyle/>
           <a:p>
@@ -8738,85 +8510,46 @@
             <a:pPr lvl="1"/>
             <a:r>
               <a:rPr lang="en-GB" dirty="0" smtClean="0"/>
-              <a:t>Key aspect, taking into account project technical goals</a:t>
+              <a:t>Key aspect, but change in focus (as explained in WP3) </a:t>
+            </a:r>
+          </a:p>
+          <a:p>
+            <a:r>
+              <a:rPr lang="en-GB" dirty="0" smtClean="0"/>
+              <a:t>Publications, Workshop and Conference Activities</a:t>
+            </a:r>
+          </a:p>
+          <a:p>
+            <a:r>
+              <a:rPr lang="en-GB" dirty="0" smtClean="0"/>
+              <a:t>Exploitation </a:t>
+            </a:r>
+            <a:r>
+              <a:rPr lang="en-GB" dirty="0" smtClean="0"/>
+              <a:t>and Innovation Management</a:t>
             </a:r>
           </a:p>
           <a:p>
             <a:pPr lvl="1"/>
             <a:r>
               <a:rPr lang="en-GB" dirty="0" smtClean="0"/>
-              <a:t>Significant results from all the other WPs</a:t>
-            </a:r>
-          </a:p>
-          <a:p>
-            <a:r>
-              <a:rPr lang="en-GB" dirty="0" smtClean="0"/>
-              <a:t>Publications, Workshop and Conference Activities</a:t>
-            </a:r>
-          </a:p>
-          <a:p>
-            <a:pPr lvl="1"/>
-            <a:r>
-              <a:rPr lang="en-GB" dirty="0" smtClean="0"/>
-              <a:t>Supported by previous encouraging results</a:t>
-            </a:r>
-          </a:p>
-          <a:p>
-            <a:r>
-              <a:rPr lang="en-GB" dirty="0" smtClean="0"/>
-              <a:t>Exploitation and Innovation Management</a:t>
-            </a:r>
-          </a:p>
-          <a:p>
-            <a:pPr lvl="1"/>
-            <a:r>
-              <a:rPr lang="en-GB" dirty="0" smtClean="0"/>
               <a:t>Connected with ongoing initiatives of the industrial partners</a:t>
             </a:r>
           </a:p>
           <a:p>
             <a:r>
               <a:rPr lang="en-GB" dirty="0" smtClean="0"/>
-              <a:t>Academic Exploitation</a:t>
-            </a:r>
-          </a:p>
-          <a:p>
-            <a:pPr lvl="1"/>
-            <a:r>
-              <a:rPr lang="en-GB" dirty="0" smtClean="0"/>
-              <a:t>Activity follow-up through the project collaboration mechanisms</a:t>
-            </a:r>
-          </a:p>
-          <a:p>
-            <a:r>
-              <a:rPr lang="en-GB" dirty="0" smtClean="0"/>
-              <a:t>Public Communication Activities</a:t>
-            </a:r>
-          </a:p>
-          <a:p>
-            <a:pPr lvl="1"/>
-            <a:r>
-              <a:rPr lang="en-GB" dirty="0" smtClean="0"/>
-              <a:t>Steps taken even before the official start of the project</a:t>
-            </a:r>
-          </a:p>
-          <a:p>
-            <a:r>
-              <a:rPr lang="en-GB" dirty="0" err="1" smtClean="0"/>
-              <a:t>Middlebox</a:t>
-            </a:r>
-            <a:r>
-              <a:rPr lang="en-GB" dirty="0" smtClean="0"/>
-              <a:t> Observatory Web Site Development and Maintenance</a:t>
-            </a:r>
-          </a:p>
-          <a:p>
-            <a:pPr lvl="1"/>
-            <a:r>
-              <a:rPr lang="en-GB" dirty="0" smtClean="0"/>
-              <a:t>Data management and accessibility</a:t>
-            </a:r>
-            <a:endParaRPr lang="en-GB" dirty="0"/>
+              <a:t>Public </a:t>
+            </a:r>
+            <a:r>
+              <a:rPr lang="en-GB" dirty="0" smtClean="0"/>
+              <a:t>Communication </a:t>
+            </a:r>
+            <a:r>
+              <a:rPr lang="en-GB" dirty="0" smtClean="0"/>
+              <a:t>Activities</a:t>
+            </a:r>
+            <a:endParaRPr lang="en-GB" dirty="0" smtClean="0"/>
           </a:p>
         </p:txBody>
       </p:sp>
@@ -8884,162 +8617,6 @@
       </p:grpSpPr>
       <p:sp>
         <p:nvSpPr>
-          <p:cNvPr id="4" name="Title 3"/>
-          <p:cNvSpPr>
-            <a:spLocks noGrp="1"/>
-          </p:cNvSpPr>
-          <p:nvPr>
-            <p:ph type="title"/>
-          </p:nvPr>
-        </p:nvSpPr>
-        <p:spPr/>
-        <p:txBody>
-          <a:bodyPr/>
-          <a:lstStyle/>
-          <a:p>
-            <a:r>
-              <a:rPr lang="en-US" dirty="0" smtClean="0"/>
-              <a:t>WP4 Goals</a:t>
-            </a:r>
-            <a:endParaRPr lang="en-US" dirty="0"/>
-          </a:p>
-        </p:txBody>
-      </p:sp>
-      <p:sp>
-        <p:nvSpPr>
-          <p:cNvPr id="5" name="Text Placeholder 4"/>
-          <p:cNvSpPr>
-            <a:spLocks noGrp="1"/>
-          </p:cNvSpPr>
-          <p:nvPr>
-            <p:ph type="body" sz="quarter" idx="13"/>
-          </p:nvPr>
-        </p:nvSpPr>
-        <p:spPr/>
-        <p:txBody>
-          <a:bodyPr>
-            <a:normAutofit fontScale="92500"/>
-          </a:bodyPr>
-          <a:lstStyle/>
-          <a:p>
-            <a:r>
-              <a:rPr lang="en-GB" sz="2400" dirty="0" smtClean="0"/>
-              <a:t>Monitor standards and other relevant activities that can contribute to the project objectives</a:t>
-            </a:r>
-          </a:p>
-          <a:p>
-            <a:r>
-              <a:rPr lang="en-GB" sz="2400" dirty="0" smtClean="0"/>
-              <a:t>Identify opportunities for new work to provide contributions and publish/influence new standards</a:t>
-            </a:r>
-          </a:p>
-          <a:p>
-            <a:r>
-              <a:rPr lang="en-GB" sz="2400" dirty="0" smtClean="0"/>
-              <a:t>Support the standardisation of the MCP as a basis for large-scale deployment</a:t>
-            </a:r>
-          </a:p>
-          <a:p>
-            <a:r>
-              <a:rPr lang="en-GB" sz="2400" dirty="0" smtClean="0"/>
-              <a:t>Produce guidelines for vendors and operators on observed limitations to enhance future development and deployment processes</a:t>
-            </a:r>
-          </a:p>
-          <a:p>
-            <a:r>
-              <a:rPr lang="en-GB" sz="2400" dirty="0" smtClean="0"/>
-              <a:t>Contribute to open-source projects the produced results on measurement techniques, transport stack flexibility, as well as NFV-based implementation of the MCP</a:t>
-            </a:r>
-          </a:p>
-          <a:p>
-            <a:r>
-              <a:rPr lang="en-GB" sz="2400" dirty="0" smtClean="0"/>
-              <a:t>Build visibility of the project and its results among the research and scientific community</a:t>
-            </a:r>
-          </a:p>
-          <a:p>
-            <a:r>
-              <a:rPr lang="en-GB" sz="2400" dirty="0" smtClean="0"/>
-              <a:t>Maximise exploitation of the project outcomes, ensuring a successful market orientation of them</a:t>
-            </a:r>
-          </a:p>
-          <a:p>
-            <a:r>
-              <a:rPr lang="en-GB" sz="2400" dirty="0" smtClean="0"/>
-              <a:t>Ensure application of project results by industry</a:t>
-            </a:r>
-            <a:endParaRPr lang="en-GB" sz="2400" dirty="0"/>
-          </a:p>
-        </p:txBody>
-      </p:sp>
-      <p:sp>
-        <p:nvSpPr>
-          <p:cNvPr id="7" name="Slide Number Placeholder 3"/>
-          <p:cNvSpPr>
-            <a:spLocks noGrp="1"/>
-          </p:cNvSpPr>
-          <p:nvPr>
-            <p:ph type="sldNum" sz="quarter" idx="16"/>
-          </p:nvPr>
-        </p:nvSpPr>
-        <p:spPr>
-          <a:xfrm>
-            <a:off x="11774329" y="9125206"/>
-            <a:ext cx="720000" cy="360000"/>
-          </a:xfrm>
-        </p:spPr>
-        <p:txBody>
-          <a:bodyPr/>
-          <a:lstStyle/>
-          <a:p>
-            <a:r>
-              <a:rPr lang="de-CH" dirty="0"/>
-              <a:t>2</a:t>
-            </a:r>
-            <a:endParaRPr lang="de-CH" dirty="0" smtClean="0"/>
-          </a:p>
-        </p:txBody>
-      </p:sp>
-    </p:spTree>
-    <p:extLst>
-      <p:ext uri="{BB962C8B-B14F-4D97-AF65-F5344CB8AC3E}">
-        <p14:creationId xmlns:p14="http://schemas.microsoft.com/office/powerpoint/2010/main" val="937622046"/>
-      </p:ext>
-    </p:extLst>
-  </p:cSld>
-  <p:clrMapOvr>
-    <a:masterClrMapping/>
-  </p:clrMapOvr>
-  <p:transition spd="med"/>
-  <p:timing>
-    <p:tnLst>
-      <p:par>
-        <p:cTn id="1" dur="indefinite" restart="never" nodeType="tmRoot"/>
-      </p:par>
-    </p:tnLst>
-  </p:timing>
-</p:sld>
-</file>
-
-<file path=ppt/slides/slide4.xml><?xml version="1.0" encoding="utf-8"?>
-<p:sld xmlns:a="http://schemas.openxmlformats.org/drawingml/2006/main" xmlns:r="http://schemas.openxmlformats.org/officeDocument/2006/relationships" xmlns:p="http://schemas.openxmlformats.org/presentationml/2006/main">
-  <p:cSld>
-    <p:spTree>
-      <p:nvGrpSpPr>
-        <p:cNvPr id="1" name=""/>
-        <p:cNvGrpSpPr/>
-        <p:nvPr/>
-      </p:nvGrpSpPr>
-      <p:grpSpPr>
-        <a:xfrm>
-          <a:off x="0" y="0"/>
-          <a:ext cx="0" cy="0"/>
-          <a:chOff x="0" y="0"/>
-          <a:chExt cx="0" cy="0"/>
-        </a:xfrm>
-      </p:grpSpPr>
-      <p:sp>
-        <p:nvSpPr>
           <p:cNvPr id="2" name="Title 1"/>
           <p:cNvSpPr>
             <a:spLocks noGrp="1"/>
@@ -9055,171 +8632,9 @@
           <a:p>
             <a:r>
               <a:rPr lang="en-US" dirty="0" smtClean="0"/>
-              <a:t>WP4 Deliverables</a:t>
+              <a:t>WP4 Tasks and Partners</a:t>
             </a:r>
             <a:endParaRPr lang="en-US" dirty="0"/>
-          </a:p>
-        </p:txBody>
-      </p:sp>
-      <p:sp>
-        <p:nvSpPr>
-          <p:cNvPr id="3" name="Text Placeholder 2"/>
-          <p:cNvSpPr>
-            <a:spLocks noGrp="1"/>
-          </p:cNvSpPr>
-          <p:nvPr>
-            <p:ph type="body" sz="quarter" idx="13"/>
-          </p:nvPr>
-        </p:nvSpPr>
-        <p:spPr>
-          <a:xfrm>
-            <a:off x="460587" y="2140496"/>
-            <a:ext cx="12052881" cy="6716061"/>
-          </a:xfrm>
-        </p:spPr>
-        <p:txBody>
-          <a:bodyPr>
-            <a:normAutofit fontScale="92500" lnSpcReduction="20000"/>
-          </a:bodyPr>
-          <a:lstStyle/>
-          <a:p>
-            <a:pPr>
-              <a:buFont typeface="HiraMinProN-W3" charset="-128"/>
-              <a:buChar char="♲"/>
-            </a:pPr>
-            <a:r>
-              <a:rPr lang="en-GB" dirty="0" smtClean="0"/>
-              <a:t>D4.1 - </a:t>
-            </a:r>
-            <a:r>
-              <a:rPr lang="en-GB" i="1" dirty="0" smtClean="0"/>
-              <a:t>Data Management Plan</a:t>
-            </a:r>
-            <a:r>
-              <a:rPr lang="en-GB" dirty="0" smtClean="0"/>
-              <a:t>. M4</a:t>
-            </a:r>
-          </a:p>
-          <a:p>
-            <a:pPr>
-              <a:buFont typeface="HiraMinProN-W3" charset="-128"/>
-              <a:buChar char="♲"/>
-            </a:pPr>
-            <a:r>
-              <a:rPr lang="en-GB" dirty="0" smtClean="0"/>
-              <a:t>D4.2 - </a:t>
-            </a:r>
-            <a:r>
-              <a:rPr lang="en-GB" i="1" dirty="0" smtClean="0"/>
-              <a:t>Initial Standardisation, Dissemination, and Exploitation Report</a:t>
-            </a:r>
-            <a:r>
-              <a:rPr lang="en-GB" dirty="0" smtClean="0"/>
-              <a:t>. M6</a:t>
-            </a:r>
-          </a:p>
-          <a:p>
-            <a:pPr marL="450850" lvl="1" indent="0">
-              <a:buNone/>
-            </a:pPr>
-            <a:endParaRPr lang="en-GB" dirty="0" smtClean="0"/>
-          </a:p>
-          <a:p>
-            <a:pPr>
-              <a:buFont typeface="Wingdings" charset="2"/>
-              <a:buChar char="ü"/>
-            </a:pPr>
-            <a:r>
-              <a:rPr lang="en-GB" dirty="0" smtClean="0"/>
-              <a:t>D4.3 - </a:t>
-            </a:r>
-            <a:r>
-              <a:rPr lang="en-GB" i="1" dirty="0"/>
-              <a:t>Intermediate Standardisation, Dissemination, and Exploitation </a:t>
-            </a:r>
-            <a:r>
-              <a:rPr lang="en-GB" i="1" dirty="0" smtClean="0"/>
-              <a:t>Report</a:t>
-            </a:r>
-            <a:r>
-              <a:rPr lang="en-GB" dirty="0" smtClean="0"/>
-              <a:t>. M18</a:t>
-            </a:r>
-          </a:p>
-          <a:p>
-            <a:pPr lvl="1">
-              <a:buFont typeface="Arial" charset="0"/>
-              <a:buChar char="•"/>
-            </a:pPr>
-            <a:r>
-              <a:rPr lang="en-GB" dirty="0"/>
-              <a:t>A</a:t>
-            </a:r>
-            <a:r>
-              <a:rPr lang="en-GB" dirty="0" smtClean="0"/>
-              <a:t>ctivities </a:t>
-            </a:r>
-            <a:r>
-              <a:rPr lang="en-GB" dirty="0"/>
-              <a:t>related to dissemination, exploitation, and standardisation of the project, describing the key aspects of these activities and their </a:t>
-            </a:r>
-            <a:r>
-              <a:rPr lang="en-GB" dirty="0" smtClean="0"/>
-              <a:t>progress </a:t>
-            </a:r>
-            <a:endParaRPr lang="en-GB" dirty="0"/>
-          </a:p>
-          <a:p>
-            <a:pPr marL="450850" lvl="1" indent="0">
-              <a:buNone/>
-            </a:pPr>
-            <a:endParaRPr lang="en-GB" dirty="0" smtClean="0"/>
-          </a:p>
-          <a:p>
-            <a:r>
-              <a:rPr lang="en-GB" dirty="0" smtClean="0"/>
-              <a:t>D4.4 - </a:t>
-            </a:r>
-            <a:r>
-              <a:rPr lang="en-GB" i="1" dirty="0" smtClean="0"/>
-              <a:t>Final Standardisation, Dissemination, and Exploitation Report</a:t>
-            </a:r>
-            <a:r>
-              <a:rPr lang="en-GB" dirty="0" smtClean="0"/>
-              <a:t>. M30</a:t>
-            </a:r>
-          </a:p>
-          <a:p>
-            <a:pPr lvl="1"/>
-            <a:r>
-              <a:rPr lang="en-GB" dirty="0" smtClean="0"/>
-              <a:t>Summarise </a:t>
-            </a:r>
-            <a:r>
-              <a:rPr lang="en-GB" dirty="0"/>
-              <a:t>the </a:t>
-            </a:r>
-            <a:r>
-              <a:rPr lang="en-GB" dirty="0" smtClean="0"/>
-              <a:t>achievements </a:t>
-            </a:r>
-            <a:r>
-              <a:rPr lang="en-GB" dirty="0"/>
-              <a:t>about standardisation, dissemination, and exploitation of MAMI </a:t>
-            </a:r>
-            <a:r>
-              <a:rPr lang="en-GB" dirty="0" smtClean="0"/>
-              <a:t>results, including </a:t>
-            </a:r>
-            <a:r>
-              <a:rPr lang="en-GB" dirty="0"/>
-              <a:t>a report of the communication </a:t>
-            </a:r>
-            <a:r>
-              <a:rPr lang="en-GB" dirty="0" smtClean="0"/>
-              <a:t>activities</a:t>
-            </a:r>
-            <a:endParaRPr lang="en-GB" dirty="0"/>
           </a:p>
         </p:txBody>
       </p:sp>
@@ -9241,301 +8656,7 @@
             <a:fld id="{CA36C8A0-BAEB-42C3-A2D9-B1F0D6FD294D}" type="slidenum">
               <a:rPr lang="de-CH" smtClean="0"/>
               <a:pPr/>
-              <a:t>4</a:t>
-            </a:fld>
-            <a:endParaRPr lang="de-CH" dirty="0" smtClean="0"/>
-          </a:p>
-        </p:txBody>
-      </p:sp>
-    </p:spTree>
-    <p:extLst>
-      <p:ext uri="{BB962C8B-B14F-4D97-AF65-F5344CB8AC3E}">
-        <p14:creationId xmlns:p14="http://schemas.microsoft.com/office/powerpoint/2010/main" val="378725436"/>
-      </p:ext>
-    </p:extLst>
-  </p:cSld>
-  <p:clrMapOvr>
-    <a:masterClrMapping/>
-  </p:clrMapOvr>
-  <p:transition spd="med"/>
-  <p:timing>
-    <p:tnLst>
-      <p:par>
-        <p:cTn id="1" dur="indefinite" restart="never" nodeType="tmRoot"/>
-      </p:par>
-    </p:tnLst>
-  </p:timing>
-</p:sld>
-</file>
-
-<file path=ppt/slides/slide5.xml><?xml version="1.0" encoding="utf-8"?>
-<p:sld xmlns:a="http://schemas.openxmlformats.org/drawingml/2006/main" xmlns:r="http://schemas.openxmlformats.org/officeDocument/2006/relationships" xmlns:p="http://schemas.openxmlformats.org/presentationml/2006/main">
-  <p:cSld>
-    <p:spTree>
-      <p:nvGrpSpPr>
-        <p:cNvPr id="1" name=""/>
-        <p:cNvGrpSpPr/>
-        <p:nvPr/>
-      </p:nvGrpSpPr>
-      <p:grpSpPr>
-        <a:xfrm>
-          <a:off x="0" y="0"/>
-          <a:ext cx="0" cy="0"/>
-          <a:chOff x="0" y="0"/>
-          <a:chExt cx="0" cy="0"/>
-        </a:xfrm>
-      </p:grpSpPr>
-      <p:sp>
-        <p:nvSpPr>
-          <p:cNvPr id="2" name="Title 1"/>
-          <p:cNvSpPr>
-            <a:spLocks noGrp="1"/>
-          </p:cNvSpPr>
-          <p:nvPr>
-            <p:ph type="title"/>
-          </p:nvPr>
-        </p:nvSpPr>
-        <p:spPr/>
-        <p:txBody>
-          <a:bodyPr/>
-          <a:lstStyle/>
-          <a:p>
-            <a:r>
-              <a:rPr lang="en-US" dirty="0" smtClean="0"/>
-              <a:t>WP4 Tasks</a:t>
-            </a:r>
-            <a:endParaRPr lang="en-US" dirty="0"/>
-          </a:p>
-        </p:txBody>
-      </p:sp>
-      <p:sp>
-        <p:nvSpPr>
-          <p:cNvPr id="3" name="Text Placeholder 2"/>
-          <p:cNvSpPr>
-            <a:spLocks noGrp="1"/>
-          </p:cNvSpPr>
-          <p:nvPr>
-            <p:ph type="body" sz="quarter" idx="13"/>
-          </p:nvPr>
-        </p:nvSpPr>
-        <p:spPr/>
-        <p:txBody>
-          <a:bodyPr>
-            <a:normAutofit fontScale="70000" lnSpcReduction="20000"/>
-          </a:bodyPr>
-          <a:lstStyle/>
-          <a:p>
-            <a:r>
-              <a:rPr lang="en-GB" dirty="0" smtClean="0"/>
-              <a:t>T4.1 Standardization</a:t>
-            </a:r>
-          </a:p>
-          <a:p>
-            <a:pPr lvl="1"/>
-            <a:r>
-              <a:rPr lang="en-GB" dirty="0" smtClean="0"/>
-              <a:t>Focused on MCP and its ancillary support</a:t>
-            </a:r>
-          </a:p>
-          <a:p>
-            <a:pPr lvl="1"/>
-            <a:r>
-              <a:rPr lang="en-GB" dirty="0" smtClean="0"/>
-              <a:t>NFV applications and implementations</a:t>
-            </a:r>
-          </a:p>
-          <a:p>
-            <a:r>
-              <a:rPr lang="en-GB" dirty="0" smtClean="0"/>
-              <a:t>T4.2 Publications, Workshop and Conference Activities</a:t>
-            </a:r>
-          </a:p>
-          <a:p>
-            <a:pPr lvl="1"/>
-            <a:r>
-              <a:rPr lang="en-GB" dirty="0" smtClean="0"/>
-              <a:t>Journals, magazines, conferences, and workshops as well as operator conferences</a:t>
-            </a:r>
-          </a:p>
-          <a:p>
-            <a:r>
-              <a:rPr lang="en-GB" dirty="0" smtClean="0"/>
-              <a:t>T4.3 Exploitation and Innovation Management</a:t>
-            </a:r>
-          </a:p>
-          <a:p>
-            <a:pPr lvl="1"/>
-            <a:r>
-              <a:rPr lang="en-GB" dirty="0" smtClean="0"/>
-              <a:t>Identify and collaborate with other organisations, key market players and potential users</a:t>
-            </a:r>
-          </a:p>
-          <a:p>
-            <a:pPr lvl="1"/>
-            <a:r>
-              <a:rPr lang="en-GB" dirty="0" smtClean="0"/>
-              <a:t>Identify key application(s) of the project results and define the maturity of the technology</a:t>
-            </a:r>
-          </a:p>
-          <a:p>
-            <a:r>
-              <a:rPr lang="en-GB" dirty="0" smtClean="0"/>
-              <a:t>T4.4 Academic Exploitation</a:t>
-            </a:r>
-          </a:p>
-          <a:p>
-            <a:pPr lvl="1"/>
-            <a:r>
-              <a:rPr lang="en-GB" dirty="0" smtClean="0"/>
-              <a:t>Integrate aspects of the research into advanced teaching modules of involved academic partners</a:t>
-            </a:r>
-          </a:p>
-          <a:p>
-            <a:pPr lvl="1"/>
-            <a:r>
-              <a:rPr lang="en-GB" dirty="0" smtClean="0"/>
-              <a:t>PhD school on measurement infrastructure and datasets, and about middlebox (co-)operation</a:t>
-            </a:r>
-          </a:p>
-          <a:p>
-            <a:r>
-              <a:rPr lang="en-GB" dirty="0" smtClean="0"/>
-              <a:t>T4.5 Public Communication Activities</a:t>
-            </a:r>
-          </a:p>
-          <a:p>
-            <a:pPr lvl="1"/>
-            <a:r>
-              <a:rPr lang="en-GB" dirty="0" smtClean="0"/>
-              <a:t>Visual and Internet identity: Website, social networking and general promotion material</a:t>
-            </a:r>
-          </a:p>
-          <a:p>
-            <a:r>
-              <a:rPr lang="en-GB" dirty="0" smtClean="0"/>
-              <a:t>T4.6 Middlebox Observatory Web Site Development and Maintenance</a:t>
-            </a:r>
-          </a:p>
-          <a:p>
-            <a:pPr lvl="1"/>
-            <a:r>
-              <a:rPr lang="en-GB" dirty="0" smtClean="0"/>
-              <a:t>Making datasets accessible and usable</a:t>
-            </a:r>
-          </a:p>
-          <a:p>
-            <a:endParaRPr lang="en-GB" dirty="0" smtClean="0"/>
-          </a:p>
-          <a:p>
-            <a:pPr lvl="1"/>
-            <a:endParaRPr lang="en-GB" dirty="0"/>
-          </a:p>
-        </p:txBody>
-      </p:sp>
-      <p:sp>
-        <p:nvSpPr>
-          <p:cNvPr id="4" name="Slide Number Placeholder 3"/>
-          <p:cNvSpPr>
-            <a:spLocks noGrp="1"/>
-          </p:cNvSpPr>
-          <p:nvPr>
-            <p:ph type="sldNum" sz="quarter" idx="16"/>
-          </p:nvPr>
-        </p:nvSpPr>
-        <p:spPr/>
-        <p:txBody>
-          <a:bodyPr/>
-          <a:lstStyle/>
-          <a:p>
-            <a:fld id="{CA36C8A0-BAEB-42C3-A2D9-B1F0D6FD294D}" type="slidenum">
-              <a:rPr lang="de-CH" smtClean="0"/>
-              <a:pPr/>
-              <a:t>5</a:t>
-            </a:fld>
-            <a:endParaRPr lang="de-CH" dirty="0" smtClean="0"/>
-          </a:p>
-        </p:txBody>
-      </p:sp>
-    </p:spTree>
-    <p:extLst>
-      <p:ext uri="{BB962C8B-B14F-4D97-AF65-F5344CB8AC3E}">
-        <p14:creationId xmlns:p14="http://schemas.microsoft.com/office/powerpoint/2010/main" val="96873144"/>
-      </p:ext>
-    </p:extLst>
-  </p:cSld>
-  <p:clrMapOvr>
-    <a:masterClrMapping/>
-  </p:clrMapOvr>
-  <p:transition spd="med"/>
-  <p:timing>
-    <p:tnLst>
-      <p:par>
-        <p:cTn id="1" dur="indefinite" restart="never" nodeType="tmRoot"/>
-      </p:par>
-    </p:tnLst>
-  </p:timing>
-</p:sld>
-</file>
-
-<file path=ppt/slides/slide6.xml><?xml version="1.0" encoding="utf-8"?>
-<p:sld xmlns:a="http://schemas.openxmlformats.org/drawingml/2006/main" xmlns:r="http://schemas.openxmlformats.org/officeDocument/2006/relationships" xmlns:p="http://schemas.openxmlformats.org/presentationml/2006/main">
-  <p:cSld>
-    <p:spTree>
-      <p:nvGrpSpPr>
-        <p:cNvPr id="1" name=""/>
-        <p:cNvGrpSpPr/>
-        <p:nvPr/>
-      </p:nvGrpSpPr>
-      <p:grpSpPr>
-        <a:xfrm>
-          <a:off x="0" y="0"/>
-          <a:ext cx="0" cy="0"/>
-          <a:chOff x="0" y="0"/>
-          <a:chExt cx="0" cy="0"/>
-        </a:xfrm>
-      </p:grpSpPr>
-      <p:sp>
-        <p:nvSpPr>
-          <p:cNvPr id="2" name="Title 1"/>
-          <p:cNvSpPr>
-            <a:spLocks noGrp="1"/>
-          </p:cNvSpPr>
-          <p:nvPr>
-            <p:ph type="title"/>
-          </p:nvPr>
-        </p:nvSpPr>
-        <p:spPr/>
-        <p:txBody>
-          <a:bodyPr/>
-          <a:lstStyle/>
-          <a:p>
-            <a:r>
-              <a:rPr lang="en-US" dirty="0" smtClean="0"/>
-              <a:t>WP4 Tasks and Partners</a:t>
-            </a:r>
-            <a:endParaRPr lang="en-US" dirty="0"/>
-          </a:p>
-        </p:txBody>
-      </p:sp>
-      <p:sp>
-        <p:nvSpPr>
-          <p:cNvPr id="4" name="Slide Number Placeholder 3"/>
-          <p:cNvSpPr>
-            <a:spLocks noGrp="1"/>
-          </p:cNvSpPr>
-          <p:nvPr>
-            <p:ph type="sldNum" sz="quarter" idx="16"/>
-          </p:nvPr>
-        </p:nvSpPr>
-        <p:spPr/>
-        <p:txBody>
-          <a:bodyPr/>
-          <a:lstStyle/>
-          <a:p>
-            <a:fld id="{CA36C8A0-BAEB-42C3-A2D9-B1F0D6FD294D}" type="slidenum">
-              <a:rPr lang="de-CH" smtClean="0"/>
-              <a:pPr/>
-              <a:t>6</a:t>
+              <a:t>3</a:t>
             </a:fld>
             <a:endParaRPr lang="de-CH" dirty="0" smtClean="0"/>
           </a:p>
@@ -10729,6 +9850,1004 @@
 </p:sld>
 </file>
 
+<file path=ppt/slides/slide4.xml><?xml version="1.0" encoding="utf-8"?>
+<p:sld xmlns:a="http://schemas.openxmlformats.org/drawingml/2006/main" xmlns:r="http://schemas.openxmlformats.org/officeDocument/2006/relationships" xmlns:p="http://schemas.openxmlformats.org/presentationml/2006/main">
+  <p:cSld>
+    <p:spTree>
+      <p:nvGrpSpPr>
+        <p:cNvPr id="1" name=""/>
+        <p:cNvGrpSpPr/>
+        <p:nvPr/>
+      </p:nvGrpSpPr>
+      <p:grpSpPr>
+        <a:xfrm>
+          <a:off x="0" y="0"/>
+          <a:ext cx="0" cy="0"/>
+          <a:chOff x="0" y="0"/>
+          <a:chExt cx="0" cy="0"/>
+        </a:xfrm>
+      </p:grpSpPr>
+      <p:sp>
+        <p:nvSpPr>
+          <p:cNvPr id="7" name="Titel 6"/>
+          <p:cNvSpPr>
+            <a:spLocks noGrp="1"/>
+          </p:cNvSpPr>
+          <p:nvPr>
+            <p:ph type="title"/>
+          </p:nvPr>
+        </p:nvSpPr>
+        <p:spPr/>
+        <p:txBody>
+          <a:bodyPr/>
+          <a:lstStyle/>
+          <a:p>
+            <a:r>
+              <a:rPr lang="en-GB" dirty="0" smtClean="0"/>
+              <a:t>Standardisation </a:t>
+            </a:r>
+            <a:r>
+              <a:rPr lang="en-GB" dirty="0" smtClean="0"/>
+              <a:t>Targets</a:t>
+            </a:r>
+            <a:br>
+              <a:rPr lang="en-GB" dirty="0" smtClean="0"/>
+            </a:br>
+            <a:r>
+              <a:rPr lang="en-GB" dirty="0" smtClean="0"/>
+              <a:t>IETF and IRTF</a:t>
+            </a:r>
+            <a:endParaRPr lang="en-GB" dirty="0"/>
+          </a:p>
+        </p:txBody>
+      </p:sp>
+      <p:sp>
+        <p:nvSpPr>
+          <p:cNvPr id="8" name="Textplatzhalter 7"/>
+          <p:cNvSpPr>
+            <a:spLocks noGrp="1"/>
+          </p:cNvSpPr>
+          <p:nvPr>
+            <p:ph type="body" sz="quarter" idx="13"/>
+          </p:nvPr>
+        </p:nvSpPr>
+        <p:spPr/>
+        <p:txBody>
+          <a:bodyPr>
+            <a:normAutofit/>
+          </a:bodyPr>
+          <a:lstStyle/>
+          <a:p>
+            <a:r>
+              <a:rPr lang="en-GB" b="1" dirty="0" smtClean="0"/>
+              <a:t>IETF</a:t>
+            </a:r>
+            <a:endParaRPr lang="en-GB" dirty="0" smtClean="0"/>
+          </a:p>
+          <a:p>
+            <a:pPr lvl="1"/>
+            <a:r>
+              <a:rPr lang="en-GB" dirty="0" smtClean="0"/>
+              <a:t>Transport: TAPS</a:t>
+            </a:r>
+            <a:r>
+              <a:rPr lang="en-GB" dirty="0" smtClean="0"/>
+              <a:t>, QUIC, </a:t>
+            </a:r>
+            <a:r>
+              <a:rPr lang="en-GB" dirty="0" err="1" smtClean="0"/>
+              <a:t>tcpm</a:t>
+            </a:r>
+            <a:r>
+              <a:rPr lang="en-GB" dirty="0" smtClean="0"/>
+              <a:t>, </a:t>
+            </a:r>
+            <a:r>
+              <a:rPr lang="en-GB" dirty="0" err="1" smtClean="0"/>
+              <a:t>tsvwg</a:t>
+            </a:r>
+            <a:r>
+              <a:rPr lang="en-GB" dirty="0" smtClean="0"/>
+              <a:t>, and contributions to TLS</a:t>
+            </a:r>
+          </a:p>
+          <a:p>
+            <a:pPr lvl="1"/>
+            <a:r>
+              <a:rPr lang="en-GB" dirty="0" smtClean="0"/>
+              <a:t>NFV: I2NSF</a:t>
+            </a:r>
+            <a:r>
+              <a:rPr lang="en-GB" dirty="0" smtClean="0"/>
+              <a:t>: Interface for security function management</a:t>
+            </a:r>
+          </a:p>
+          <a:p>
+            <a:pPr lvl="1"/>
+            <a:r>
+              <a:rPr lang="en-GB" dirty="0" smtClean="0"/>
+              <a:t>Automated trust and security: ACME </a:t>
+            </a:r>
+          </a:p>
+          <a:p>
+            <a:r>
+              <a:rPr lang="en-GB" b="1" dirty="0" smtClean="0"/>
+              <a:t>IRTF</a:t>
+            </a:r>
+            <a:endParaRPr lang="en-GB" dirty="0" smtClean="0"/>
+          </a:p>
+          <a:p>
+            <a:pPr lvl="1"/>
+            <a:r>
+              <a:rPr lang="en-GB" dirty="0" smtClean="0"/>
+              <a:t>PANRG: </a:t>
+            </a:r>
+            <a:r>
+              <a:rPr lang="en-GB" dirty="0"/>
+              <a:t>B</a:t>
+            </a:r>
+            <a:r>
+              <a:rPr lang="en-GB" dirty="0" smtClean="0"/>
+              <a:t>ringing </a:t>
+            </a:r>
+            <a:r>
+              <a:rPr lang="en-GB" dirty="0"/>
+              <a:t>path awareness to transport and </a:t>
+            </a:r>
+            <a:r>
+              <a:rPr lang="en-GB" dirty="0" smtClean="0"/>
+              <a:t>application </a:t>
+            </a:r>
+            <a:r>
+              <a:rPr lang="en-GB" dirty="0"/>
+              <a:t>layer </a:t>
+            </a:r>
+            <a:r>
+              <a:rPr lang="en-GB" dirty="0" smtClean="0"/>
+              <a:t>protocols</a:t>
+            </a:r>
+            <a:endParaRPr lang="en-GB" dirty="0" smtClean="0"/>
+          </a:p>
+          <a:p>
+            <a:pPr lvl="1"/>
+            <a:r>
+              <a:rPr lang="en-GB" dirty="0" smtClean="0"/>
+              <a:t>MAPRG: Measurement collection, processing and access</a:t>
+            </a:r>
+            <a:endParaRPr lang="en-GB" dirty="0"/>
+          </a:p>
+          <a:p>
+            <a:pPr lvl="1"/>
+            <a:r>
+              <a:rPr lang="en-GB" dirty="0" smtClean="0"/>
+              <a:t>NFVRG: VNF deployment. Trust models and network-application </a:t>
+            </a:r>
+            <a:r>
+              <a:rPr lang="en-GB" dirty="0" smtClean="0"/>
+              <a:t>communication</a:t>
+            </a:r>
+            <a:endParaRPr lang="en-GB" dirty="0" smtClean="0"/>
+          </a:p>
+        </p:txBody>
+      </p:sp>
+      <p:sp>
+        <p:nvSpPr>
+          <p:cNvPr id="5" name="Foliennummernplatzhalter 4"/>
+          <p:cNvSpPr>
+            <a:spLocks noGrp="1"/>
+          </p:cNvSpPr>
+          <p:nvPr>
+            <p:ph type="sldNum" sz="quarter" idx="16"/>
+          </p:nvPr>
+        </p:nvSpPr>
+        <p:spPr/>
+        <p:txBody>
+          <a:bodyPr/>
+          <a:lstStyle/>
+          <a:p>
+            <a:fld id="{CA36C8A0-BAEB-42C3-A2D9-B1F0D6FD294D}" type="slidenum">
+              <a:rPr lang="en-GB" smtClean="0"/>
+              <a:pPr/>
+              <a:t>4</a:t>
+            </a:fld>
+            <a:endParaRPr lang="en-GB" dirty="0" smtClean="0"/>
+          </a:p>
+        </p:txBody>
+      </p:sp>
+    </p:spTree>
+    <p:extLst>
+      <p:ext uri="{BB962C8B-B14F-4D97-AF65-F5344CB8AC3E}">
+        <p14:creationId xmlns:p14="http://schemas.microsoft.com/office/powerpoint/2010/main" val="198071943"/>
+      </p:ext>
+    </p:extLst>
+  </p:cSld>
+  <p:clrMapOvr>
+    <a:masterClrMapping/>
+  </p:clrMapOvr>
+  <p:transition spd="med"/>
+  <p:timing>
+    <p:tnLst>
+      <p:par>
+        <p:cTn id="1" dur="indefinite" restart="never" nodeType="tmRoot"/>
+      </p:par>
+    </p:tnLst>
+  </p:timing>
+</p:sld>
+</file>
+
+<file path=ppt/slides/slide5.xml><?xml version="1.0" encoding="utf-8"?>
+<p:sld xmlns:a="http://schemas.openxmlformats.org/drawingml/2006/main" xmlns:r="http://schemas.openxmlformats.org/officeDocument/2006/relationships" xmlns:p="http://schemas.openxmlformats.org/presentationml/2006/main">
+  <p:cSld>
+    <p:spTree>
+      <p:nvGrpSpPr>
+        <p:cNvPr id="1" name=""/>
+        <p:cNvGrpSpPr/>
+        <p:nvPr/>
+      </p:nvGrpSpPr>
+      <p:grpSpPr>
+        <a:xfrm>
+          <a:off x="0" y="0"/>
+          <a:ext cx="0" cy="0"/>
+          <a:chOff x="0" y="0"/>
+          <a:chExt cx="0" cy="0"/>
+        </a:xfrm>
+      </p:grpSpPr>
+      <p:sp>
+        <p:nvSpPr>
+          <p:cNvPr id="7" name="Titel 6"/>
+          <p:cNvSpPr>
+            <a:spLocks noGrp="1"/>
+          </p:cNvSpPr>
+          <p:nvPr>
+            <p:ph type="title"/>
+          </p:nvPr>
+        </p:nvSpPr>
+        <p:spPr/>
+        <p:txBody>
+          <a:bodyPr/>
+          <a:lstStyle/>
+          <a:p>
+            <a:r>
+              <a:rPr lang="en-GB" dirty="0" smtClean="0"/>
+              <a:t>Standardisation </a:t>
+            </a:r>
+            <a:r>
+              <a:rPr lang="en-GB" dirty="0" smtClean="0"/>
+              <a:t>Targets</a:t>
+            </a:r>
+            <a:br>
+              <a:rPr lang="en-GB" dirty="0" smtClean="0"/>
+            </a:br>
+            <a:r>
+              <a:rPr lang="en-GB" dirty="0" smtClean="0"/>
+              <a:t>ETSI, IEEE, GSMA, and 5G</a:t>
+            </a:r>
+            <a:endParaRPr lang="en-GB" dirty="0"/>
+          </a:p>
+        </p:txBody>
+      </p:sp>
+      <p:sp>
+        <p:nvSpPr>
+          <p:cNvPr id="8" name="Textplatzhalter 7"/>
+          <p:cNvSpPr>
+            <a:spLocks noGrp="1"/>
+          </p:cNvSpPr>
+          <p:nvPr>
+            <p:ph type="body" sz="quarter" idx="13"/>
+          </p:nvPr>
+        </p:nvSpPr>
+        <p:spPr/>
+        <p:txBody>
+          <a:bodyPr>
+            <a:normAutofit fontScale="92500" lnSpcReduction="20000"/>
+          </a:bodyPr>
+          <a:lstStyle/>
+          <a:p>
+            <a:r>
+              <a:rPr lang="en-GB" b="1" dirty="0"/>
+              <a:t>ETSI </a:t>
+            </a:r>
+          </a:p>
+          <a:p>
+            <a:pPr lvl="1"/>
+            <a:r>
+              <a:rPr lang="en-GB" dirty="0"/>
+              <a:t>TC CYBER: Multi-context trust and security mechanisms</a:t>
+            </a:r>
+          </a:p>
+          <a:p>
+            <a:pPr lvl="1"/>
+            <a:r>
+              <a:rPr lang="en-GB" dirty="0"/>
+              <a:t>NFV IFA and EVE: Management and orchestration for MAMI-enhanced VNFs</a:t>
+            </a:r>
+          </a:p>
+          <a:p>
+            <a:pPr lvl="1"/>
+            <a:r>
+              <a:rPr lang="en-GB" dirty="0"/>
+              <a:t>NFV SEC: Multi-context trust and security mechanisms</a:t>
+            </a:r>
+          </a:p>
+          <a:p>
+            <a:pPr lvl="1"/>
+            <a:r>
+              <a:rPr lang="en-GB" dirty="0"/>
+              <a:t>MEC: MAMI-enhanced VNFs as part of mobile edge (fog computing) deployments </a:t>
+            </a:r>
+          </a:p>
+          <a:p>
+            <a:pPr lvl="1"/>
+            <a:r>
+              <a:rPr lang="en-GB" dirty="0"/>
+              <a:t>NGP: </a:t>
+            </a:r>
+            <a:r>
+              <a:rPr lang="en-GB" dirty="0" err="1"/>
+              <a:t>Middlebox</a:t>
+            </a:r>
+            <a:r>
+              <a:rPr lang="en-GB" dirty="0"/>
+              <a:t>-friendly transport, transport-friendly </a:t>
+            </a:r>
+            <a:r>
+              <a:rPr lang="en-GB" dirty="0" err="1"/>
+              <a:t>middleboxes</a:t>
+            </a:r>
+            <a:endParaRPr lang="en-GB" dirty="0"/>
+          </a:p>
+          <a:p>
+            <a:r>
+              <a:rPr lang="en-GB" b="1" dirty="0"/>
+              <a:t>IEEE</a:t>
+            </a:r>
+          </a:p>
+          <a:p>
+            <a:pPr lvl="1"/>
+            <a:r>
+              <a:rPr lang="en-GB" dirty="0"/>
+              <a:t>Monitoring the Encrypted Traffic Inspection </a:t>
+            </a:r>
+            <a:r>
+              <a:rPr lang="en-GB" dirty="0" smtClean="0"/>
+              <a:t>WG</a:t>
+            </a:r>
+          </a:p>
+          <a:p>
+            <a:r>
+              <a:rPr lang="en-GB" b="1" dirty="0" smtClean="0"/>
+              <a:t>GSMA</a:t>
+            </a:r>
+            <a:r>
+              <a:rPr lang="en-GB" dirty="0" smtClean="0"/>
+              <a:t>: </a:t>
+            </a:r>
+            <a:r>
+              <a:rPr lang="en-GB" dirty="0" err="1" smtClean="0"/>
+              <a:t>LoLa</a:t>
+            </a:r>
+            <a:r>
+              <a:rPr lang="en-GB" dirty="0" smtClean="0"/>
+              <a:t> experiment</a:t>
+            </a:r>
+            <a:endParaRPr lang="en-GB" dirty="0"/>
+          </a:p>
+          <a:p>
+            <a:r>
+              <a:rPr lang="en-GB" b="1" dirty="0" smtClean="0"/>
+              <a:t>5G</a:t>
+            </a:r>
+            <a:r>
+              <a:rPr lang="en-GB" dirty="0" smtClean="0"/>
+              <a:t>: </a:t>
+            </a:r>
+            <a:r>
+              <a:rPr lang="en-GB" dirty="0"/>
+              <a:t>As part of the network support for new applications</a:t>
+            </a:r>
+          </a:p>
+        </p:txBody>
+      </p:sp>
+      <p:sp>
+        <p:nvSpPr>
+          <p:cNvPr id="5" name="Foliennummernplatzhalter 4"/>
+          <p:cNvSpPr>
+            <a:spLocks noGrp="1"/>
+          </p:cNvSpPr>
+          <p:nvPr>
+            <p:ph type="sldNum" sz="quarter" idx="16"/>
+          </p:nvPr>
+        </p:nvSpPr>
+        <p:spPr/>
+        <p:txBody>
+          <a:bodyPr/>
+          <a:lstStyle/>
+          <a:p>
+            <a:fld id="{CA36C8A0-BAEB-42C3-A2D9-B1F0D6FD294D}" type="slidenum">
+              <a:rPr lang="en-GB" smtClean="0"/>
+              <a:pPr/>
+              <a:t>5</a:t>
+            </a:fld>
+            <a:endParaRPr lang="en-GB" dirty="0" smtClean="0"/>
+          </a:p>
+        </p:txBody>
+      </p:sp>
+      <p:sp>
+        <p:nvSpPr>
+          <p:cNvPr id="6" name="Textfeld 5"/>
+          <p:cNvSpPr txBox="1"/>
+          <p:nvPr/>
+        </p:nvSpPr>
+        <p:spPr>
+          <a:xfrm>
+            <a:off x="5832152" y="7469088"/>
+            <a:ext cx="6681316" cy="656590"/>
+          </a:xfrm>
+          <a:prstGeom prst="rect">
+            <a:avLst/>
+          </a:prstGeom>
+          <a:noFill/>
+          <a:ln w="12700" cap="flat">
+            <a:noFill/>
+            <a:miter lim="400000"/>
+          </a:ln>
+          <a:effectLst/>
+        </p:spPr>
+        <p:style>
+          <a:lnRef idx="0">
+            <a:scrgbClr r="0" g="0" b="0"/>
+          </a:lnRef>
+          <a:fillRef idx="0">
+            <a:scrgbClr r="0" g="0" b="0"/>
+          </a:fillRef>
+          <a:effectRef idx="0">
+            <a:scrgbClr r="0" g="0" b="0"/>
+          </a:effectRef>
+          <a:fontRef idx="none"/>
+        </p:style>
+        <p:txBody>
+          <a:bodyPr rot="0" spcFirstLastPara="1" vertOverflow="overflow" horzOverflow="overflow" vert="horz" wrap="none" lIns="50800" tIns="50800" rIns="50800" bIns="50800" numCol="1" spcCol="38100" rtlCol="0" anchor="ctr">
+            <a:spAutoFit/>
+          </a:bodyPr>
+          <a:lstStyle/>
+          <a:p>
+            <a:pPr marL="0" marR="0" indent="0" algn="l" defTabSz="1295400" rtl="0" fontAlgn="auto" latinLnBrk="1" hangingPunct="0">
+              <a:lnSpc>
+                <a:spcPct val="100000"/>
+              </a:lnSpc>
+              <a:spcBef>
+                <a:spcPts val="0"/>
+              </a:spcBef>
+              <a:spcAft>
+                <a:spcPts val="0"/>
+              </a:spcAft>
+              <a:buClr>
+                <a:srgbClr val="000000"/>
+              </a:buClr>
+              <a:buSzTx/>
+              <a:buFontTx/>
+              <a:buNone/>
+              <a:tabLst/>
+            </a:pPr>
+            <a:r>
+              <a:rPr kumimoji="0" lang="de-DE" sz="3600" b="1" i="0" u="none" strike="noStrike" cap="none" spc="0" normalizeH="0" baseline="0" dirty="0" smtClean="0">
+                <a:ln>
+                  <a:noFill/>
+                </a:ln>
+                <a:solidFill>
+                  <a:srgbClr val="FF0000"/>
+                </a:solidFill>
+                <a:effectLst/>
+                <a:uFill>
+                  <a:solidFill>
+                    <a:srgbClr val="000000"/>
+                  </a:solidFill>
+                </a:uFill>
+                <a:latin typeface="+mn-lt"/>
+                <a:ea typeface="+mn-ea"/>
+                <a:cs typeface="+mn-cs"/>
+                <a:sym typeface="Helvetica Neue"/>
+              </a:rPr>
+              <a:t>GSMA</a:t>
+            </a:r>
+            <a:r>
+              <a:rPr kumimoji="0" lang="de-DE" sz="3600" b="1" i="0" u="none" strike="noStrike" cap="none" spc="0" normalizeH="0" dirty="0" smtClean="0">
+                <a:ln>
+                  <a:noFill/>
+                </a:ln>
+                <a:solidFill>
+                  <a:srgbClr val="FF0000"/>
+                </a:solidFill>
+                <a:effectLst/>
+                <a:uFill>
+                  <a:solidFill>
+                    <a:srgbClr val="000000"/>
+                  </a:solidFill>
+                </a:uFill>
+                <a:latin typeface="+mn-lt"/>
+                <a:ea typeface="+mn-ea"/>
+                <a:cs typeface="+mn-cs"/>
+                <a:sym typeface="Helvetica Neue"/>
+              </a:rPr>
+              <a:t> </a:t>
+            </a:r>
+            <a:r>
+              <a:rPr kumimoji="0" lang="de-DE" sz="3600" b="1" i="0" u="none" strike="noStrike" cap="none" spc="0" normalizeH="0" dirty="0" err="1" smtClean="0">
+                <a:ln>
+                  <a:noFill/>
+                </a:ln>
+                <a:solidFill>
+                  <a:srgbClr val="FF0000"/>
+                </a:solidFill>
+                <a:effectLst/>
+                <a:uFill>
+                  <a:solidFill>
+                    <a:srgbClr val="000000"/>
+                  </a:solidFill>
+                </a:uFill>
+                <a:latin typeface="+mn-lt"/>
+                <a:ea typeface="+mn-ea"/>
+                <a:cs typeface="+mn-cs"/>
+                <a:sym typeface="Helvetica Neue"/>
+              </a:rPr>
+              <a:t>added</a:t>
+            </a:r>
+            <a:r>
+              <a:rPr kumimoji="0" lang="de-DE" sz="3600" b="1" i="0" u="none" strike="noStrike" cap="none" spc="0" normalizeH="0" dirty="0" smtClean="0">
+                <a:ln>
+                  <a:noFill/>
+                </a:ln>
+                <a:solidFill>
+                  <a:srgbClr val="FF0000"/>
+                </a:solidFill>
+                <a:effectLst/>
+                <a:uFill>
+                  <a:solidFill>
+                    <a:srgbClr val="000000"/>
+                  </a:solidFill>
+                </a:uFill>
+                <a:latin typeface="+mn-lt"/>
+                <a:ea typeface="+mn-ea"/>
+                <a:cs typeface="+mn-cs"/>
+                <a:sym typeface="Helvetica Neue"/>
+              </a:rPr>
+              <a:t> </a:t>
+            </a:r>
+            <a:r>
+              <a:rPr kumimoji="0" lang="de-DE" sz="3600" b="1" i="0" u="none" strike="noStrike" cap="none" spc="0" normalizeH="0" baseline="0" dirty="0" smtClean="0">
+                <a:ln>
+                  <a:noFill/>
+                </a:ln>
+                <a:solidFill>
+                  <a:srgbClr val="FF0000"/>
+                </a:solidFill>
+                <a:effectLst/>
+                <a:uFill>
+                  <a:solidFill>
+                    <a:srgbClr val="000000"/>
+                  </a:solidFill>
+                </a:uFill>
+                <a:latin typeface="+mn-lt"/>
+                <a:ea typeface="+mn-ea"/>
+                <a:cs typeface="+mn-cs"/>
+                <a:sym typeface="Helvetica Neue"/>
+              </a:rPr>
+              <a:t>-&gt; </a:t>
+            </a:r>
+            <a:r>
+              <a:rPr kumimoji="0" lang="de-DE" sz="3600" b="1" i="0" u="none" strike="noStrike" cap="none" spc="0" normalizeH="0" baseline="0" dirty="0" err="1" smtClean="0">
+                <a:ln>
+                  <a:noFill/>
+                </a:ln>
+                <a:solidFill>
+                  <a:srgbClr val="FF0000"/>
+                </a:solidFill>
+                <a:effectLst/>
+                <a:uFill>
+                  <a:solidFill>
+                    <a:srgbClr val="000000"/>
+                  </a:solidFill>
+                </a:uFill>
+                <a:latin typeface="+mn-lt"/>
+                <a:ea typeface="+mn-ea"/>
+                <a:cs typeface="+mn-cs"/>
+                <a:sym typeface="Helvetica Neue"/>
+              </a:rPr>
+              <a:t>see</a:t>
+            </a:r>
+            <a:r>
+              <a:rPr kumimoji="0" lang="de-DE" sz="3600" b="1" i="0" u="none" strike="noStrike" cap="none" spc="0" normalizeH="0" baseline="0" dirty="0" smtClean="0">
+                <a:ln>
+                  <a:noFill/>
+                </a:ln>
+                <a:solidFill>
+                  <a:srgbClr val="FF0000"/>
+                </a:solidFill>
+                <a:effectLst/>
+                <a:uFill>
+                  <a:solidFill>
+                    <a:srgbClr val="000000"/>
+                  </a:solidFill>
+                </a:uFill>
+                <a:latin typeface="+mn-lt"/>
+                <a:ea typeface="+mn-ea"/>
+                <a:cs typeface="+mn-cs"/>
+                <a:sym typeface="Helvetica Neue"/>
+              </a:rPr>
+              <a:t> </a:t>
+            </a:r>
+            <a:r>
+              <a:rPr kumimoji="0" lang="de-DE" sz="3600" b="1" i="0" u="none" strike="noStrike" cap="none" spc="0" normalizeH="0" baseline="0" dirty="0" err="1" smtClean="0">
+                <a:ln>
+                  <a:noFill/>
+                </a:ln>
+                <a:solidFill>
+                  <a:srgbClr val="FF0000"/>
+                </a:solidFill>
+                <a:effectLst/>
+                <a:uFill>
+                  <a:solidFill>
+                    <a:srgbClr val="000000"/>
+                  </a:solidFill>
+                </a:uFill>
+                <a:latin typeface="+mn-lt"/>
+                <a:ea typeface="+mn-ea"/>
+                <a:cs typeface="+mn-cs"/>
+                <a:sym typeface="Helvetica Neue"/>
+              </a:rPr>
+              <a:t>webpage</a:t>
+            </a:r>
+            <a:r>
+              <a:rPr kumimoji="0" lang="de-DE" sz="3600" b="1" i="0" u="none" strike="noStrike" cap="none" spc="0" normalizeH="0" baseline="0" dirty="0" smtClean="0">
+                <a:ln>
+                  <a:noFill/>
+                </a:ln>
+                <a:solidFill>
+                  <a:srgbClr val="FF0000"/>
+                </a:solidFill>
+                <a:effectLst/>
+                <a:uFill>
+                  <a:solidFill>
+                    <a:srgbClr val="000000"/>
+                  </a:solidFill>
+                </a:uFill>
+                <a:latin typeface="+mn-lt"/>
+                <a:ea typeface="+mn-ea"/>
+                <a:cs typeface="+mn-cs"/>
+                <a:sym typeface="Helvetica Neue"/>
+              </a:rPr>
+              <a:t>!</a:t>
+            </a:r>
+            <a:endParaRPr kumimoji="0" lang="en-US" sz="3600" b="1" i="0" u="none" strike="noStrike" cap="none" spc="0" normalizeH="0" baseline="0" dirty="0">
+              <a:ln>
+                <a:noFill/>
+              </a:ln>
+              <a:solidFill>
+                <a:srgbClr val="FF0000"/>
+              </a:solidFill>
+              <a:effectLst/>
+              <a:uFill>
+                <a:solidFill>
+                  <a:srgbClr val="000000"/>
+                </a:solidFill>
+              </a:uFill>
+              <a:latin typeface="+mn-lt"/>
+              <a:ea typeface="+mn-ea"/>
+              <a:cs typeface="+mn-cs"/>
+              <a:sym typeface="Helvetica Neue"/>
+            </a:endParaRPr>
+          </a:p>
+        </p:txBody>
+      </p:sp>
+    </p:spTree>
+    <p:extLst>
+      <p:ext uri="{BB962C8B-B14F-4D97-AF65-F5344CB8AC3E}">
+        <p14:creationId xmlns:p14="http://schemas.microsoft.com/office/powerpoint/2010/main" val="3703631876"/>
+      </p:ext>
+    </p:extLst>
+  </p:cSld>
+  <p:clrMapOvr>
+    <a:masterClrMapping/>
+  </p:clrMapOvr>
+  <p:transition spd="med"/>
+  <p:timing>
+    <p:tnLst>
+      <p:par>
+        <p:cTn id="1" dur="indefinite" restart="never" nodeType="tmRoot"/>
+      </p:par>
+    </p:tnLst>
+  </p:timing>
+</p:sld>
+</file>
+
+<file path=ppt/slides/slide6.xml><?xml version="1.0" encoding="utf-8"?>
+<p:sld xmlns:a="http://schemas.openxmlformats.org/drawingml/2006/main" xmlns:r="http://schemas.openxmlformats.org/officeDocument/2006/relationships" xmlns:p="http://schemas.openxmlformats.org/presentationml/2006/main">
+  <p:cSld>
+    <p:spTree>
+      <p:nvGrpSpPr>
+        <p:cNvPr id="1" name=""/>
+        <p:cNvGrpSpPr/>
+        <p:nvPr/>
+      </p:nvGrpSpPr>
+      <p:grpSpPr>
+        <a:xfrm>
+          <a:off x="0" y="0"/>
+          <a:ext cx="0" cy="0"/>
+          <a:chOff x="0" y="0"/>
+          <a:chExt cx="0" cy="0"/>
+        </a:xfrm>
+      </p:grpSpPr>
+      <p:sp>
+        <p:nvSpPr>
+          <p:cNvPr id="7" name="Titel 6"/>
+          <p:cNvSpPr>
+            <a:spLocks noGrp="1"/>
+          </p:cNvSpPr>
+          <p:nvPr>
+            <p:ph type="title"/>
+          </p:nvPr>
+        </p:nvSpPr>
+        <p:spPr/>
+        <p:txBody>
+          <a:bodyPr/>
+          <a:lstStyle/>
+          <a:p>
+            <a:r>
+              <a:rPr lang="en-GB" dirty="0" smtClean="0"/>
+              <a:t>Standardisation Activities on MCP</a:t>
+            </a:r>
+            <a:endParaRPr lang="en-GB" sz="4400" dirty="0"/>
+          </a:p>
+        </p:txBody>
+      </p:sp>
+      <p:sp>
+        <p:nvSpPr>
+          <p:cNvPr id="8" name="Textplatzhalter 7"/>
+          <p:cNvSpPr>
+            <a:spLocks noGrp="1"/>
+          </p:cNvSpPr>
+          <p:nvPr>
+            <p:ph type="body" sz="quarter" idx="13"/>
+          </p:nvPr>
+        </p:nvSpPr>
+        <p:spPr/>
+        <p:txBody>
+          <a:bodyPr>
+            <a:normAutofit fontScale="85000" lnSpcReduction="20000"/>
+          </a:bodyPr>
+          <a:lstStyle/>
+          <a:p>
+            <a:r>
+              <a:rPr lang="en-GB" dirty="0" smtClean="0"/>
+              <a:t>PLUS </a:t>
+            </a:r>
+            <a:r>
+              <a:rPr lang="en-GB" dirty="0" err="1" smtClean="0"/>
+              <a:t>BoF</a:t>
+            </a:r>
+            <a:r>
+              <a:rPr lang="en-GB" dirty="0" smtClean="0"/>
+              <a:t> at IETF 96 (July 2016)</a:t>
+            </a:r>
+          </a:p>
+          <a:p>
+            <a:pPr lvl="1"/>
+            <a:r>
+              <a:rPr lang="en-GB" dirty="0" smtClean="0"/>
+              <a:t>The PLUS </a:t>
+            </a:r>
+            <a:r>
+              <a:rPr lang="en-GB" dirty="0"/>
+              <a:t>Working Group (WG) was not </a:t>
+            </a:r>
+            <a:r>
+              <a:rPr lang="en-GB" dirty="0" smtClean="0"/>
+              <a:t>created</a:t>
+            </a:r>
+          </a:p>
+          <a:p>
+            <a:r>
+              <a:rPr lang="en-GB" dirty="0" smtClean="0"/>
+              <a:t>Applying </a:t>
+            </a:r>
+            <a:r>
+              <a:rPr lang="en-GB" dirty="0"/>
+              <a:t>explicit signalling </a:t>
+            </a:r>
+            <a:r>
+              <a:rPr lang="en-GB" dirty="0" smtClean="0"/>
+              <a:t>mechanism developed in MAMI for</a:t>
+            </a:r>
+            <a:r>
+              <a:rPr lang="en-GB" dirty="0" smtClean="0"/>
+              <a:t> protocol design in existing IETF working groups, e.g. measurability in QUIC</a:t>
+            </a:r>
+          </a:p>
+          <a:p>
+            <a:pPr lvl="1"/>
+            <a:r>
+              <a:rPr lang="en-GB" dirty="0" smtClean="0"/>
+              <a:t>Editors of </a:t>
+            </a:r>
+            <a:r>
+              <a:rPr lang="en-GB" dirty="0"/>
+              <a:t>two </a:t>
+            </a:r>
+            <a:r>
+              <a:rPr lang="en-GB" dirty="0" smtClean="0"/>
+              <a:t>working </a:t>
+            </a:r>
+            <a:r>
+              <a:rPr lang="en-GB" dirty="0"/>
+              <a:t>group </a:t>
+            </a:r>
+            <a:r>
+              <a:rPr lang="en-GB" dirty="0" smtClean="0"/>
+              <a:t>documents</a:t>
+            </a:r>
+            <a:r>
+              <a:rPr lang="en-GB" sz="1400" dirty="0" smtClean="0"/>
+              <a:t> </a:t>
+            </a:r>
+            <a:r>
+              <a:rPr lang="en-GB" dirty="0"/>
+              <a:t>on the </a:t>
+            </a:r>
+            <a:r>
+              <a:rPr lang="en-GB" dirty="0" smtClean="0"/>
+              <a:t>applicability </a:t>
+            </a:r>
+            <a:r>
+              <a:rPr lang="en-GB" dirty="0"/>
+              <a:t>and the manageability of </a:t>
+            </a:r>
+            <a:r>
+              <a:rPr lang="en-GB" dirty="0" smtClean="0"/>
+              <a:t>QUIC</a:t>
+            </a:r>
+          </a:p>
+          <a:p>
+            <a:pPr lvl="1"/>
+            <a:r>
+              <a:rPr lang="en-GB" dirty="0" smtClean="0"/>
+              <a:t>Individual </a:t>
+            </a:r>
+            <a:r>
+              <a:rPr lang="en-GB" dirty="0" smtClean="0"/>
+              <a:t>submission introducing the PLUS transport-independent </a:t>
+            </a:r>
+            <a:r>
+              <a:rPr lang="en-GB" dirty="0"/>
+              <a:t>state </a:t>
+            </a:r>
+            <a:r>
+              <a:rPr lang="en-GB" dirty="0" smtClean="0"/>
+              <a:t>machine</a:t>
+            </a:r>
+          </a:p>
+          <a:p>
+            <a:pPr lvl="1"/>
+            <a:r>
+              <a:rPr lang="en-GB" dirty="0" smtClean="0"/>
+              <a:t>Contribution to </a:t>
+            </a:r>
+            <a:r>
+              <a:rPr lang="en-GB" dirty="0" err="1" smtClean="0"/>
+              <a:t>tsvwg</a:t>
+            </a:r>
+            <a:r>
+              <a:rPr lang="en-GB" dirty="0" smtClean="0"/>
+              <a:t> as input for discussion </a:t>
+            </a:r>
+            <a:r>
+              <a:rPr lang="en-US" dirty="0" smtClean="0"/>
+              <a:t>on increased </a:t>
+            </a:r>
+            <a:r>
+              <a:rPr lang="en-US" dirty="0"/>
+              <a:t>deployment of encryption on all layers to support future Internet </a:t>
+            </a:r>
+            <a:r>
+              <a:rPr lang="en-US" dirty="0" smtClean="0"/>
+              <a:t>evolution</a:t>
+            </a:r>
+          </a:p>
+          <a:p>
+            <a:r>
+              <a:rPr lang="en-GB" dirty="0" smtClean="0"/>
+              <a:t>Building </a:t>
+            </a:r>
+            <a:r>
+              <a:rPr lang="en-GB" dirty="0" smtClean="0"/>
+              <a:t>awareness in ETSI</a:t>
+            </a:r>
+          </a:p>
+          <a:p>
+            <a:pPr lvl="1"/>
+            <a:r>
+              <a:rPr lang="en-GB" dirty="0" smtClean="0"/>
+              <a:t>Periodic reports to NFV </a:t>
+            </a:r>
+            <a:r>
+              <a:rPr lang="en-GB" dirty="0" smtClean="0"/>
+              <a:t>plenaries</a:t>
+            </a:r>
+            <a:endParaRPr lang="en-GB" dirty="0" smtClean="0"/>
+          </a:p>
+          <a:p>
+            <a:pPr lvl="1"/>
+            <a:r>
+              <a:rPr lang="en-GB" dirty="0" smtClean="0"/>
+              <a:t>Contributions to TC CYBER on the applicability of </a:t>
+            </a:r>
+            <a:r>
+              <a:rPr lang="en-GB" dirty="0" smtClean="0"/>
+              <a:t>MCP:</a:t>
+            </a:r>
+          </a:p>
+          <a:p>
+            <a:pPr lvl="2"/>
+            <a:r>
+              <a:rPr lang="en-GB" dirty="0" smtClean="0"/>
+              <a:t>They </a:t>
+            </a:r>
+            <a:r>
+              <a:rPr lang="en-GB" dirty="0" smtClean="0"/>
+              <a:t>have adopted the “MCP” name, though purpose is not exactly the </a:t>
+            </a:r>
+            <a:r>
+              <a:rPr lang="en-GB" dirty="0" smtClean="0"/>
+              <a:t>same</a:t>
+            </a:r>
+            <a:endParaRPr lang="en-GB" dirty="0"/>
+          </a:p>
+        </p:txBody>
+      </p:sp>
+      <p:sp>
+        <p:nvSpPr>
+          <p:cNvPr id="5" name="Foliennummernplatzhalter 4"/>
+          <p:cNvSpPr>
+            <a:spLocks noGrp="1"/>
+          </p:cNvSpPr>
+          <p:nvPr>
+            <p:ph type="sldNum" sz="quarter" idx="16"/>
+          </p:nvPr>
+        </p:nvSpPr>
+        <p:spPr/>
+        <p:txBody>
+          <a:bodyPr/>
+          <a:lstStyle/>
+          <a:p>
+            <a:fld id="{CA36C8A0-BAEB-42C3-A2D9-B1F0D6FD294D}" type="slidenum">
+              <a:rPr lang="en-GB" smtClean="0"/>
+              <a:pPr/>
+              <a:t>6</a:t>
+            </a:fld>
+            <a:endParaRPr lang="en-GB" dirty="0" smtClean="0"/>
+          </a:p>
+        </p:txBody>
+      </p:sp>
+    </p:spTree>
+    <p:extLst>
+      <p:ext uri="{BB962C8B-B14F-4D97-AF65-F5344CB8AC3E}">
+        <p14:creationId xmlns:p14="http://schemas.microsoft.com/office/powerpoint/2010/main" val="395493151"/>
+      </p:ext>
+    </p:extLst>
+  </p:cSld>
+  <p:clrMapOvr>
+    <a:masterClrMapping/>
+  </p:clrMapOvr>
+  <p:transition spd="med"/>
+  <p:timing>
+    <p:tnLst>
+      <p:par>
+        <p:cTn id="1" dur="indefinite" restart="never" nodeType="tmRoot"/>
+      </p:par>
+    </p:tnLst>
+  </p:timing>
+</p:sld>
+</file>
+
 <file path=ppt/slides/slide7.xml><?xml version="1.0" encoding="utf-8"?>
 <p:sld xmlns:a="http://schemas.openxmlformats.org/drawingml/2006/main" xmlns:r="http://schemas.openxmlformats.org/officeDocument/2006/relationships" xmlns:p="http://schemas.openxmlformats.org/presentationml/2006/main">
   <p:cSld>
@@ -10762,8 +10881,15 @@
           <a:lstStyle/>
           <a:p>
             <a:r>
-              <a:rPr lang="en-GB" dirty="0" smtClean="0"/>
-              <a:t>Standardisation Targets</a:t>
+              <a:rPr lang="en-GB" dirty="0"/>
+              <a:t>Standardisation Activities on MCP</a:t>
+            </a:r>
+            <a:br>
+              <a:rPr lang="en-GB" dirty="0"/>
+            </a:br>
+            <a:r>
+              <a:rPr lang="en-GB" dirty="0"/>
+              <a:t>Documents</a:t>
             </a:r>
             <a:endParaRPr lang="en-GB" dirty="0"/>
           </a:p>
@@ -10782,24 +10908,97 @@
         <p:spPr/>
         <p:txBody>
           <a:bodyPr>
-            <a:normAutofit fontScale="55000" lnSpcReduction="20000"/>
+            <a:normAutofit fontScale="92500" lnSpcReduction="20000"/>
           </a:bodyPr>
           <a:lstStyle/>
           <a:p>
             <a:r>
-              <a:rPr lang="en-GB" b="1" dirty="0" smtClean="0"/>
+              <a:rPr lang="en-GB" dirty="0" smtClean="0"/>
               <a:t>IETF</a:t>
             </a:r>
-            <a:r>
-              <a:rPr lang="en-GB" dirty="0" smtClean="0"/>
-              <a:t> transport-related groups</a:t>
-            </a:r>
           </a:p>
           <a:p>
             <a:pPr lvl="1"/>
             <a:r>
               <a:rPr lang="en-GB" dirty="0" smtClean="0"/>
-              <a:t>TAPS, QUIC, </a:t>
+              <a:t>draft-</a:t>
+            </a:r>
+            <a:r>
+              <a:rPr lang="en-GB" dirty="0" err="1" smtClean="0"/>
+              <a:t>kuehlewind</a:t>
+            </a:r>
+            <a:r>
+              <a:rPr lang="en-GB" dirty="0" smtClean="0"/>
+              <a:t>-</a:t>
+            </a:r>
+            <a:r>
+              <a:rPr lang="en-GB" dirty="0" err="1" smtClean="0"/>
+              <a:t>quic</a:t>
+            </a:r>
+            <a:r>
+              <a:rPr lang="en-GB" dirty="0" smtClean="0"/>
+              <a:t>-manageability</a:t>
+            </a:r>
+          </a:p>
+          <a:p>
+            <a:pPr lvl="1"/>
+            <a:r>
+              <a:rPr lang="en-GB" dirty="0" smtClean="0"/>
+              <a:t>draft-</a:t>
+            </a:r>
+            <a:r>
+              <a:rPr lang="en-GB" dirty="0" err="1" smtClean="0"/>
+              <a:t>kuehlewind</a:t>
+            </a:r>
+            <a:r>
+              <a:rPr lang="en-GB" dirty="0" smtClean="0"/>
+              <a:t>-</a:t>
+            </a:r>
+            <a:r>
+              <a:rPr lang="en-GB" dirty="0" err="1" smtClean="0"/>
+              <a:t>quic</a:t>
+            </a:r>
+            <a:r>
+              <a:rPr lang="en-GB" dirty="0" smtClean="0"/>
+              <a:t>-applicability</a:t>
+            </a:r>
+          </a:p>
+          <a:p>
+            <a:pPr lvl="1"/>
+            <a:r>
+              <a:rPr lang="en-GB" dirty="0" smtClean="0"/>
+              <a:t>draft-</a:t>
+            </a:r>
+            <a:r>
+              <a:rPr lang="en-GB" dirty="0" err="1" smtClean="0"/>
+              <a:t>fairhurst</a:t>
+            </a:r>
+            <a:r>
+              <a:rPr lang="en-GB" dirty="0" smtClean="0"/>
+              <a:t>-</a:t>
+            </a:r>
+            <a:r>
+              <a:rPr lang="en-GB" dirty="0" err="1" smtClean="0"/>
+              <a:t>tsvwg</a:t>
+            </a:r>
+            <a:r>
+              <a:rPr lang="en-GB" dirty="0" smtClean="0"/>
+              <a:t>-transport-encrypt</a:t>
+            </a:r>
+          </a:p>
+          <a:p>
+            <a:pPr lvl="1"/>
+            <a:r>
+              <a:rPr lang="en-GB" dirty="0" smtClean="0"/>
+              <a:t>draft-</a:t>
+            </a:r>
+            <a:r>
+              <a:rPr lang="en-GB" dirty="0" err="1" smtClean="0"/>
+              <a:t>ietf</a:t>
+            </a:r>
+            <a:r>
+              <a:rPr lang="en-GB" dirty="0" smtClean="0"/>
+              <a:t>-</a:t>
             </a:r>
             <a:r>
               <a:rPr lang="en-GB" dirty="0" err="1" smtClean="0"/>
@@ -10807,166 +11006,296 @@
             </a:r>
             <a:r>
               <a:rPr lang="en-GB" dirty="0" smtClean="0"/>
-              <a:t>, </a:t>
+              <a:t>-accurate-</a:t>
             </a:r>
             <a:r>
               <a:rPr lang="en-GB" dirty="0" err="1" smtClean="0"/>
+              <a:t>ecn</a:t>
+            </a:r>
+            <a:endParaRPr lang="en-GB" dirty="0" smtClean="0"/>
+          </a:p>
+          <a:p>
+            <a:pPr lvl="1"/>
+            <a:r>
+              <a:rPr lang="en-GB" dirty="0" smtClean="0">
+                <a:solidFill>
+                  <a:schemeClr val="bg1">
+                    <a:lumMod val="65000"/>
+                  </a:schemeClr>
+                </a:solidFill>
+              </a:rPr>
+              <a:t>draft-you-</a:t>
+            </a:r>
+            <a:r>
+              <a:rPr lang="en-GB" dirty="0" err="1" smtClean="0">
+                <a:solidFill>
+                  <a:schemeClr val="bg1">
+                    <a:lumMod val="65000"/>
+                  </a:schemeClr>
+                </a:solidFill>
+              </a:rPr>
               <a:t>tsvwg</a:t>
             </a:r>
             <a:r>
-              <a:rPr lang="en-GB" dirty="0" smtClean="0"/>
-              <a:t>, and contributions to TLS</a:t>
-            </a:r>
-          </a:p>
-          <a:p>
-            <a:r>
-              <a:rPr lang="en-GB" dirty="0" smtClean="0"/>
-              <a:t>Other </a:t>
-            </a:r>
-            <a:r>
-              <a:rPr lang="en-GB" b="1" dirty="0" smtClean="0"/>
-              <a:t>IETF</a:t>
-            </a:r>
-            <a:r>
-              <a:rPr lang="en-GB" dirty="0" smtClean="0"/>
-              <a:t> groups</a:t>
-            </a:r>
+              <a:rPr lang="en-GB" dirty="0" smtClean="0">
+                <a:solidFill>
+                  <a:schemeClr val="bg1">
+                    <a:lumMod val="65000"/>
+                  </a:schemeClr>
+                </a:solidFill>
+              </a:rPr>
+              <a:t>-latency-loss-</a:t>
+            </a:r>
+            <a:r>
+              <a:rPr lang="en-GB" dirty="0" err="1" smtClean="0">
+                <a:solidFill>
+                  <a:schemeClr val="bg1">
+                    <a:lumMod val="65000"/>
+                  </a:schemeClr>
+                </a:solidFill>
+              </a:rPr>
+              <a:t>tradeoff</a:t>
+            </a:r>
+            <a:endParaRPr lang="en-GB" dirty="0" smtClean="0">
+              <a:solidFill>
+                <a:schemeClr val="bg1">
+                  <a:lumMod val="65000"/>
+                </a:schemeClr>
+              </a:solidFill>
+            </a:endParaRPr>
           </a:p>
           <a:p>
             <a:pPr lvl="1"/>
             <a:r>
-              <a:rPr lang="en-GB" dirty="0" smtClean="0"/>
-              <a:t>I2NSF: Interface for security function management</a:t>
-            </a:r>
+              <a:rPr lang="en-GB" dirty="0" smtClean="0">
+                <a:solidFill>
+                  <a:schemeClr val="bg1">
+                    <a:lumMod val="50000"/>
+                  </a:schemeClr>
+                </a:solidFill>
+              </a:rPr>
+              <a:t>draft-</a:t>
+            </a:r>
+            <a:r>
+              <a:rPr lang="en-GB" dirty="0" err="1" smtClean="0">
+                <a:solidFill>
+                  <a:schemeClr val="bg1">
+                    <a:lumMod val="50000"/>
+                  </a:schemeClr>
+                </a:solidFill>
+              </a:rPr>
+              <a:t>trammell</a:t>
+            </a:r>
+            <a:r>
+              <a:rPr lang="en-GB" dirty="0" smtClean="0">
+                <a:solidFill>
+                  <a:schemeClr val="bg1">
+                    <a:lumMod val="50000"/>
+                  </a:schemeClr>
+                </a:solidFill>
+              </a:rPr>
+              <a:t>-plus-</a:t>
+            </a:r>
+            <a:r>
+              <a:rPr lang="en-GB" dirty="0" err="1" smtClean="0">
+                <a:solidFill>
+                  <a:schemeClr val="bg1">
+                    <a:lumMod val="50000"/>
+                  </a:schemeClr>
+                </a:solidFill>
+              </a:rPr>
+              <a:t>statefulness</a:t>
+            </a:r>
+            <a:endParaRPr lang="en-GB" dirty="0" smtClean="0">
+              <a:solidFill>
+                <a:schemeClr val="bg1">
+                  <a:lumMod val="50000"/>
+                </a:schemeClr>
+              </a:solidFill>
+            </a:endParaRPr>
           </a:p>
           <a:p>
             <a:pPr lvl="1"/>
             <a:r>
-              <a:rPr lang="en-GB" dirty="0" smtClean="0"/>
-              <a:t>Automated trust and security: ACME </a:t>
-            </a:r>
-          </a:p>
-          <a:p>
-            <a:r>
-              <a:rPr lang="en-GB" b="1" dirty="0" smtClean="0"/>
-              <a:t>IRTF</a:t>
-            </a:r>
-            <a:r>
-              <a:rPr lang="en-GB" dirty="0" smtClean="0"/>
-              <a:t> groups</a:t>
+              <a:rPr lang="en-GB" dirty="0" smtClean="0">
+                <a:solidFill>
+                  <a:schemeClr val="bg1">
+                    <a:lumMod val="65000"/>
+                  </a:schemeClr>
+                </a:solidFill>
+              </a:rPr>
+              <a:t>draft-</a:t>
+            </a:r>
+            <a:r>
+              <a:rPr lang="en-GB" dirty="0" err="1" smtClean="0">
+                <a:solidFill>
+                  <a:schemeClr val="bg1">
+                    <a:lumMod val="65000"/>
+                  </a:schemeClr>
+                </a:solidFill>
+              </a:rPr>
+              <a:t>trammell</a:t>
+            </a:r>
+            <a:r>
+              <a:rPr lang="en-GB" dirty="0" smtClean="0">
+                <a:solidFill>
+                  <a:schemeClr val="bg1">
+                    <a:lumMod val="65000"/>
+                  </a:schemeClr>
+                </a:solidFill>
+              </a:rPr>
+              <a:t>-plus-spec</a:t>
             </a:r>
           </a:p>
           <a:p>
             <a:pPr lvl="1"/>
             <a:r>
-              <a:rPr lang="en-GB" dirty="0" smtClean="0"/>
-              <a:t>PANRG: </a:t>
-            </a:r>
+              <a:rPr lang="en-GB" dirty="0" smtClean="0">
+                <a:solidFill>
+                  <a:schemeClr val="bg1">
+                    <a:lumMod val="65000"/>
+                  </a:schemeClr>
+                </a:solidFill>
+              </a:rPr>
+              <a:t>draft-</a:t>
+            </a:r>
+            <a:r>
+              <a:rPr lang="en-GB" dirty="0" err="1" smtClean="0">
+                <a:solidFill>
+                  <a:schemeClr val="bg1">
+                    <a:lumMod val="65000"/>
+                  </a:schemeClr>
+                </a:solidFill>
+              </a:rPr>
+              <a:t>trammell</a:t>
+            </a:r>
+            <a:r>
+              <a:rPr lang="en-GB" dirty="0" smtClean="0">
+                <a:solidFill>
+                  <a:schemeClr val="bg1">
+                    <a:lumMod val="65000"/>
+                  </a:schemeClr>
+                </a:solidFill>
+              </a:rPr>
+              <a:t>-plus-abstract-</a:t>
+            </a:r>
+            <a:r>
+              <a:rPr lang="en-GB" dirty="0" err="1" smtClean="0">
+                <a:solidFill>
+                  <a:schemeClr val="bg1">
+                    <a:lumMod val="65000"/>
+                  </a:schemeClr>
+                </a:solidFill>
+              </a:rPr>
+              <a:t>mech</a:t>
+            </a:r>
+            <a:endParaRPr lang="en-GB" dirty="0" smtClean="0">
+              <a:solidFill>
+                <a:schemeClr val="bg1">
+                  <a:lumMod val="65000"/>
+                </a:schemeClr>
+              </a:solidFill>
+            </a:endParaRPr>
+          </a:p>
+          <a:p>
+            <a:pPr lvl="1"/>
+            <a:r>
+              <a:rPr lang="en-GB" dirty="0" smtClean="0">
+                <a:solidFill>
+                  <a:schemeClr val="bg1">
+                    <a:lumMod val="65000"/>
+                  </a:schemeClr>
+                </a:solidFill>
+              </a:rPr>
+              <a:t>draft-</a:t>
+            </a:r>
+            <a:r>
+              <a:rPr lang="en-GB" dirty="0" err="1" smtClean="0">
+                <a:solidFill>
+                  <a:schemeClr val="bg1">
+                    <a:lumMod val="65000"/>
+                  </a:schemeClr>
+                </a:solidFill>
+              </a:rPr>
+              <a:t>trammell</a:t>
+            </a:r>
+            <a:r>
+              <a:rPr lang="en-GB" dirty="0" smtClean="0">
+                <a:solidFill>
+                  <a:schemeClr val="bg1">
+                    <a:lumMod val="65000"/>
+                  </a:schemeClr>
+                </a:solidFill>
+              </a:rPr>
+              <a:t>-</a:t>
+            </a:r>
+            <a:r>
+              <a:rPr lang="en-GB" dirty="0" err="1" smtClean="0">
+                <a:solidFill>
+                  <a:schemeClr val="bg1">
+                    <a:lumMod val="65000"/>
+                  </a:schemeClr>
+                </a:solidFill>
+              </a:rPr>
+              <a:t>privsec</a:t>
+            </a:r>
+            <a:r>
+              <a:rPr lang="en-GB" dirty="0" smtClean="0">
+                <a:solidFill>
+                  <a:schemeClr val="bg1">
+                    <a:lumMod val="65000"/>
+                  </a:schemeClr>
+                </a:solidFill>
+              </a:rPr>
+              <a:t>-defeating-</a:t>
+            </a:r>
+            <a:r>
+              <a:rPr lang="en-GB" dirty="0" err="1" smtClean="0">
+                <a:solidFill>
+                  <a:schemeClr val="bg1">
+                    <a:lumMod val="65000"/>
+                  </a:schemeClr>
+                </a:solidFill>
+              </a:rPr>
+              <a:t>tcpip</a:t>
+            </a:r>
+            <a:r>
+              <a:rPr lang="en-GB" dirty="0" smtClean="0">
+                <a:solidFill>
+                  <a:schemeClr val="bg1">
+                    <a:lumMod val="65000"/>
+                  </a:schemeClr>
+                </a:solidFill>
+              </a:rPr>
+              <a:t>-meta</a:t>
+            </a:r>
+          </a:p>
+          <a:p>
+            <a:r>
+              <a:rPr lang="en-GB" dirty="0" smtClean="0">
+                <a:solidFill>
+                  <a:schemeClr val="tx1"/>
+                </a:solidFill>
+              </a:rPr>
+              <a:t>ETSI CYBER</a:t>
+            </a:r>
+          </a:p>
+          <a:p>
+            <a:pPr lvl="1"/>
             <a:r>
               <a:rPr lang="en-GB" dirty="0"/>
-              <a:t>B</a:t>
-            </a:r>
-            <a:r>
-              <a:rPr lang="en-GB" dirty="0" smtClean="0"/>
-              <a:t>ringing </a:t>
-            </a:r>
-            <a:r>
-              <a:rPr lang="en-GB" dirty="0"/>
-              <a:t>path awareness to transport and </a:t>
-            </a:r>
-            <a:r>
-              <a:rPr lang="en-GB" dirty="0" smtClean="0"/>
-              <a:t>application </a:t>
-            </a:r>
-            <a:r>
-              <a:rPr lang="en-GB" dirty="0"/>
-              <a:t>layer protocols, </a:t>
-            </a:r>
-            <a:endParaRPr lang="en-GB" dirty="0" smtClean="0"/>
-          </a:p>
-          <a:p>
-            <a:pPr lvl="1"/>
-            <a:r>
-              <a:rPr lang="en-GB" dirty="0" smtClean="0"/>
-              <a:t>MAPRG: Measurement collection, processing and access</a:t>
-            </a:r>
-            <a:endParaRPr lang="en-GB" dirty="0"/>
-          </a:p>
-          <a:p>
-            <a:pPr lvl="1"/>
-            <a:r>
-              <a:rPr lang="en-GB" dirty="0" smtClean="0"/>
-              <a:t>NFVRG: VNF deployment. Trust models and network-application communication</a:t>
-            </a:r>
-          </a:p>
-          <a:p>
-            <a:r>
-              <a:rPr lang="en-GB" b="1" dirty="0" smtClean="0"/>
-              <a:t>ETSI </a:t>
-            </a:r>
-          </a:p>
-          <a:p>
-            <a:pPr lvl="1"/>
-            <a:r>
-              <a:rPr lang="en-GB" dirty="0" smtClean="0"/>
-              <a:t>TC CYBER</a:t>
-            </a:r>
-            <a:r>
-              <a:rPr lang="en-GB" dirty="0"/>
-              <a:t>: Multi-context trust and security mechanisms</a:t>
-            </a:r>
-            <a:endParaRPr lang="en-GB" dirty="0" smtClean="0"/>
-          </a:p>
-          <a:p>
-            <a:pPr lvl="1"/>
-            <a:r>
-              <a:rPr lang="en-GB" dirty="0" smtClean="0"/>
-              <a:t>NFV IFA and EVE: Management and orchestration for MAMI-enhanced VNFs</a:t>
-            </a:r>
-          </a:p>
-          <a:p>
-            <a:pPr lvl="1"/>
-            <a:r>
-              <a:rPr lang="en-GB" dirty="0" smtClean="0"/>
-              <a:t>NFV SEC: Multi-context trust and security mechanisms</a:t>
-            </a:r>
-          </a:p>
-          <a:p>
-            <a:pPr lvl="1"/>
-            <a:r>
-              <a:rPr lang="en-GB" dirty="0" smtClean="0"/>
-              <a:t>MEC: MAMI-enhanced VNFs as part of mobile edge (fog computing) deployments </a:t>
-            </a:r>
-          </a:p>
-          <a:p>
-            <a:pPr lvl="1"/>
-            <a:r>
-              <a:rPr lang="en-GB" dirty="0" smtClean="0"/>
-              <a:t>NGP: Middlebox-friendly transport, transport-friendly middleboxes</a:t>
-            </a:r>
-          </a:p>
-          <a:p>
-            <a:r>
-              <a:rPr lang="en-GB" b="1" dirty="0" smtClean="0"/>
-              <a:t>IEEE</a:t>
-            </a:r>
-          </a:p>
-          <a:p>
-            <a:pPr lvl="1"/>
-            <a:r>
-              <a:rPr lang="en-GB" dirty="0" smtClean="0"/>
-              <a:t>Monitoring the Encrypted Traffic Inspection WG</a:t>
-            </a:r>
-          </a:p>
-          <a:p>
-            <a:r>
-              <a:rPr lang="en-GB" b="1" dirty="0" smtClean="0"/>
-              <a:t>5G</a:t>
-            </a:r>
-            <a:r>
-              <a:rPr lang="en-GB" dirty="0" smtClean="0"/>
-              <a:t> activities: As part of the network support for new applications</a:t>
-            </a:r>
+              <a:t>DTS/CYBER-0027-1</a:t>
+            </a:r>
+          </a:p>
+          <a:p>
+            <a:pPr marL="450850" lvl="1" indent="0">
+              <a:buNone/>
+            </a:pPr>
+            <a:endParaRPr lang="en-GB" dirty="0">
+              <a:solidFill>
+                <a:schemeClr val="tx1"/>
+              </a:solidFill>
+            </a:endParaRPr>
           </a:p>
         </p:txBody>
       </p:sp>
@@ -10997,7 +11326,7 @@
     </p:spTree>
     <p:extLst>
       <p:ext uri="{BB962C8B-B14F-4D97-AF65-F5344CB8AC3E}">
-        <p14:creationId xmlns:p14="http://schemas.microsoft.com/office/powerpoint/2010/main" val="198071943"/>
+        <p14:creationId xmlns:p14="http://schemas.microsoft.com/office/powerpoint/2010/main" val="2653261914"/>
       </p:ext>
     </p:extLst>
   </p:cSld>
@@ -11042,16 +11371,29 @@
             <p:ph type="title"/>
           </p:nvPr>
         </p:nvSpPr>
-        <p:spPr/>
+        <p:spPr>
+          <a:xfrm>
+            <a:off x="460586" y="882793"/>
+            <a:ext cx="10218277" cy="1382401"/>
+          </a:xfrm>
+        </p:spPr>
         <p:txBody>
           <a:bodyPr/>
           <a:lstStyle/>
           <a:p>
             <a:r>
-              <a:rPr lang="en-GB" dirty="0" smtClean="0"/>
-              <a:t>Standardisation Activities on MCP</a:t>
-            </a:r>
-            <a:endParaRPr lang="en-GB" sz="4400" dirty="0"/>
+              <a:rPr lang="en-GB" smtClean="0"/>
+              <a:t>Standardisation </a:t>
+            </a:r>
+            <a:r>
+              <a:rPr lang="en-GB" dirty="0" smtClean="0"/>
+              <a:t>Activities </a:t>
+            </a:r>
+            <a:r>
+              <a:rPr lang="en-GB" smtClean="0"/>
+              <a:t>on Measurement</a:t>
+            </a:r>
+            <a:endParaRPr lang="en-GB" dirty="0"/>
           </a:p>
         </p:txBody>
       </p:sp>
@@ -11068,393 +11410,133 @@
         <p:spPr/>
         <p:txBody>
           <a:bodyPr>
-            <a:normAutofit fontScale="55000" lnSpcReduction="20000"/>
+            <a:normAutofit fontScale="77500" lnSpcReduction="20000"/>
           </a:bodyPr>
           <a:lstStyle/>
           <a:p>
             <a:r>
-              <a:rPr lang="en-GB" dirty="0" smtClean="0"/>
-              <a:t>PLUS </a:t>
-            </a:r>
-            <a:r>
-              <a:rPr lang="en-GB" dirty="0" err="1" smtClean="0"/>
-              <a:t>BoF</a:t>
-            </a:r>
-            <a:r>
-              <a:rPr lang="en-GB" dirty="0" smtClean="0"/>
-              <a:t> at IETF 96 (July 2016)</a:t>
+              <a:rPr lang="en-US" dirty="0" smtClean="0"/>
+              <a:t>Measurement </a:t>
+            </a:r>
+            <a:r>
+              <a:rPr lang="en-US" dirty="0"/>
+              <a:t>and Analysis for Protocols (MAP) </a:t>
+            </a:r>
+            <a:r>
+              <a:rPr lang="en-US" dirty="0" smtClean="0"/>
+              <a:t>RG</a:t>
             </a:r>
           </a:p>
           <a:p>
             <a:pPr lvl="1"/>
             <a:r>
-              <a:rPr lang="en-GB" dirty="0" smtClean="0"/>
-              <a:t>The PLUS </a:t>
-            </a:r>
-            <a:r>
-              <a:rPr lang="en-GB" dirty="0"/>
-              <a:t>Working Group (WG) was not </a:t>
-            </a:r>
-            <a:r>
-              <a:rPr lang="en-GB" dirty="0" smtClean="0"/>
-              <a:t>created</a:t>
-            </a:r>
-          </a:p>
-          <a:p>
-            <a:r>
-              <a:rPr lang="en-GB" dirty="0"/>
-              <a:t>A</a:t>
-            </a:r>
-            <a:r>
-              <a:rPr lang="en-GB" dirty="0" smtClean="0"/>
-              <a:t>lternate strategy</a:t>
+              <a:rPr lang="en-US" dirty="0"/>
+              <a:t>C</a:t>
+            </a:r>
+            <a:r>
+              <a:rPr lang="en-US" dirty="0" smtClean="0"/>
+              <a:t>reated </a:t>
+            </a:r>
+            <a:r>
+              <a:rPr lang="en-US" dirty="0"/>
+              <a:t>on the project’s </a:t>
+            </a:r>
+            <a:r>
+              <a:rPr lang="en-US" dirty="0" smtClean="0"/>
+              <a:t>initiative</a:t>
             </a:r>
           </a:p>
           <a:p>
             <a:pPr lvl="1"/>
             <a:r>
-              <a:rPr lang="en-GB" dirty="0"/>
-              <a:t>I</a:t>
-            </a:r>
-            <a:r>
-              <a:rPr lang="en-GB" dirty="0" smtClean="0"/>
-              <a:t>ncorporating MCP principles IETF </a:t>
-            </a:r>
-            <a:r>
-              <a:rPr lang="en-GB" dirty="0"/>
-              <a:t>activities </a:t>
-            </a:r>
-            <a:r>
-              <a:rPr lang="en-GB" dirty="0" smtClean="0"/>
-              <a:t> </a:t>
-            </a:r>
-            <a:r>
-              <a:rPr lang="en-GB" dirty="0"/>
-              <a:t>focused on Internet stack </a:t>
-            </a:r>
-            <a:r>
-              <a:rPr lang="en-GB" dirty="0" smtClean="0"/>
-              <a:t>evolution</a:t>
-            </a:r>
+              <a:rPr lang="en-US" dirty="0"/>
+              <a:t>P</a:t>
+            </a:r>
+            <a:r>
+              <a:rPr lang="en-US" dirty="0" smtClean="0"/>
+              <a:t>rovide </a:t>
+            </a:r>
+            <a:r>
+              <a:rPr lang="en-US" dirty="0"/>
+              <a:t>research evidence on Internet measurement to inform protocol engineering and practice in the </a:t>
+            </a:r>
+            <a:r>
+              <a:rPr lang="en-US" dirty="0" smtClean="0"/>
+              <a:t>IETF</a:t>
+            </a:r>
+          </a:p>
+          <a:p>
+            <a:r>
+              <a:rPr lang="en-US" dirty="0" smtClean="0"/>
+              <a:t>TSVWG and QUIC</a:t>
+            </a:r>
+            <a:endParaRPr lang="en-US" dirty="0" smtClean="0"/>
           </a:p>
           <a:p>
             <a:pPr lvl="1"/>
             <a:r>
-              <a:rPr lang="en-GB" dirty="0"/>
-              <a:t>E</a:t>
-            </a:r>
-            <a:r>
-              <a:rPr lang="en-GB" dirty="0" smtClean="0"/>
-              <a:t>ditors </a:t>
-            </a:r>
-            <a:r>
-              <a:rPr lang="en-GB" dirty="0"/>
-              <a:t>of two </a:t>
-            </a:r>
-            <a:r>
-              <a:rPr lang="en-GB" dirty="0" smtClean="0"/>
-              <a:t>working </a:t>
-            </a:r>
-            <a:r>
-              <a:rPr lang="en-GB" dirty="0"/>
-              <a:t>group documents</a:t>
-            </a:r>
-            <a:r>
-              <a:rPr lang="en-GB" sz="1400" dirty="0"/>
-              <a:t>1 </a:t>
-            </a:r>
-            <a:r>
-              <a:rPr lang="en-GB" dirty="0"/>
-              <a:t>on the </a:t>
-            </a:r>
-            <a:r>
-              <a:rPr lang="en-GB" dirty="0" smtClean="0"/>
-              <a:t>applicability </a:t>
-            </a:r>
-            <a:r>
-              <a:rPr lang="en-GB" dirty="0"/>
-              <a:t>and the manageability of </a:t>
-            </a:r>
-            <a:r>
-              <a:rPr lang="en-GB" dirty="0" smtClean="0"/>
-              <a:t>QUIC</a:t>
+              <a:rPr lang="en-US" dirty="0" smtClean="0"/>
+              <a:t>Specific </a:t>
+            </a:r>
+            <a:r>
+              <a:rPr lang="en-US" dirty="0"/>
+              <a:t>considerations on the need to incorporate measurability considerations in protocol </a:t>
+            </a:r>
+            <a:r>
+              <a:rPr lang="en-US" dirty="0" smtClean="0"/>
+              <a:t>design </a:t>
+            </a:r>
+            <a:endParaRPr lang="en-US" dirty="0" smtClean="0"/>
+          </a:p>
+          <a:p>
+            <a:r>
+              <a:rPr lang="en-US" dirty="0" smtClean="0"/>
+              <a:t>I2NSF WG</a:t>
             </a:r>
           </a:p>
           <a:p>
             <a:pPr lvl="1"/>
             <a:r>
-              <a:rPr lang="en-GB" dirty="0" smtClean="0"/>
-              <a:t>Incorporate </a:t>
-            </a:r>
-            <a:r>
-              <a:rPr lang="en-GB" dirty="0"/>
-              <a:t>the principles of explicit </a:t>
-            </a:r>
-            <a:r>
-              <a:rPr lang="en-GB" dirty="0" smtClean="0"/>
-              <a:t>signalling and passive measurability into </a:t>
-            </a:r>
-            <a:r>
-              <a:rPr lang="en-GB" dirty="0"/>
-              <a:t>QUIC </a:t>
-            </a:r>
-            <a:endParaRPr lang="en-GB" dirty="0" smtClean="0"/>
+              <a:rPr lang="en-US" dirty="0" smtClean="0"/>
+              <a:t>Capability model for security functions</a:t>
+            </a:r>
           </a:p>
           <a:p>
             <a:pPr lvl="1"/>
             <a:r>
-              <a:rPr lang="en-GB" dirty="0" smtClean="0"/>
-              <a:t>Individual submission introducing the PLUS transport-independent </a:t>
-            </a:r>
-            <a:r>
-              <a:rPr lang="en-GB" dirty="0"/>
-              <a:t>state </a:t>
-            </a:r>
-            <a:r>
-              <a:rPr lang="en-GB" dirty="0" smtClean="0"/>
-              <a:t>machine</a:t>
-            </a:r>
-          </a:p>
-          <a:p>
-            <a:r>
-              <a:rPr lang="en-GB" dirty="0" smtClean="0"/>
-              <a:t>Coordinated with the PANRG (Path Aware Networking)</a:t>
+              <a:rPr lang="en-US" dirty="0" smtClean="0"/>
+              <a:t>Suitable to be combined with middlebox characterization</a:t>
             </a:r>
           </a:p>
           <a:p>
             <a:pPr lvl="1"/>
             <a:r>
-              <a:rPr lang="en-GB" dirty="0"/>
-              <a:t>C</a:t>
-            </a:r>
-            <a:r>
-              <a:rPr lang="en-GB" dirty="0" smtClean="0"/>
-              <a:t>ollection </a:t>
-            </a:r>
-            <a:r>
-              <a:rPr lang="en-GB" dirty="0"/>
-              <a:t>and measurement of path characteristics as well as path </a:t>
-            </a:r>
-            <a:r>
-              <a:rPr lang="en-GB" dirty="0" smtClean="0"/>
-              <a:t>selection</a:t>
+              <a:rPr lang="en-US" dirty="0" smtClean="0"/>
+              <a:t>Flexible standard for middlebox classification</a:t>
+            </a:r>
+          </a:p>
+          <a:p>
+            <a:r>
+              <a:rPr lang="en-GB" dirty="0" smtClean="0"/>
+              <a:t>Building </a:t>
+            </a:r>
+            <a:r>
+              <a:rPr lang="en-GB" dirty="0" smtClean="0"/>
+              <a:t>awareness in ETSI NFV</a:t>
             </a:r>
           </a:p>
           <a:p>
             <a:pPr lvl="1"/>
             <a:r>
               <a:rPr lang="en-GB" dirty="0" smtClean="0"/>
-              <a:t>Towards a </a:t>
-            </a:r>
-            <a:r>
-              <a:rPr lang="en-GB" dirty="0"/>
-              <a:t>Flexible Transport Layer (FTL) in support of the path layer mechanisms provided by </a:t>
-            </a:r>
-            <a:r>
-              <a:rPr lang="en-GB" dirty="0" smtClean="0"/>
-              <a:t>MCP </a:t>
-            </a:r>
-          </a:p>
-          <a:p>
-            <a:r>
-              <a:rPr lang="en-GB" dirty="0" smtClean="0"/>
-              <a:t>IETF related documents</a:t>
-            </a:r>
-          </a:p>
-          <a:p>
-            <a:pPr marL="450850" lvl="1" indent="0">
-              <a:buNone/>
-            </a:pPr>
-            <a:r>
-              <a:rPr lang="en-GB" dirty="0" smtClean="0"/>
-              <a:t>draft-</a:t>
-            </a:r>
-            <a:r>
-              <a:rPr lang="en-GB" dirty="0" err="1" smtClean="0"/>
-              <a:t>kuehlewind</a:t>
-            </a:r>
-            <a:r>
-              <a:rPr lang="en-GB" dirty="0" smtClean="0"/>
-              <a:t>-</a:t>
-            </a:r>
-            <a:r>
-              <a:rPr lang="en-GB" dirty="0" err="1" smtClean="0"/>
-              <a:t>quic</a:t>
-            </a:r>
-            <a:r>
-              <a:rPr lang="en-GB" dirty="0" smtClean="0"/>
-              <a:t>-manageability			draft-</a:t>
-            </a:r>
-            <a:r>
-              <a:rPr lang="en-GB" dirty="0" err="1" smtClean="0"/>
-              <a:t>kuehlewind</a:t>
-            </a:r>
-            <a:r>
-              <a:rPr lang="en-GB" dirty="0" smtClean="0"/>
-              <a:t>-</a:t>
-            </a:r>
-            <a:r>
-              <a:rPr lang="en-GB" dirty="0" err="1" smtClean="0"/>
-              <a:t>quic</a:t>
-            </a:r>
-            <a:r>
-              <a:rPr lang="en-GB" dirty="0" smtClean="0"/>
-              <a:t>-applicability		draft-</a:t>
-            </a:r>
-            <a:r>
-              <a:rPr lang="en-GB" dirty="0" err="1" smtClean="0"/>
-              <a:t>ietf</a:t>
-            </a:r>
-            <a:r>
-              <a:rPr lang="en-GB" dirty="0" smtClean="0"/>
-              <a:t>-</a:t>
-            </a:r>
-            <a:r>
-              <a:rPr lang="en-GB" dirty="0" err="1" smtClean="0"/>
-              <a:t>tcpm</a:t>
-            </a:r>
-            <a:r>
-              <a:rPr lang="en-GB" dirty="0" smtClean="0"/>
-              <a:t>-accurate-</a:t>
-            </a:r>
-            <a:r>
-              <a:rPr lang="en-GB" dirty="0" err="1" smtClean="0"/>
-              <a:t>ecn</a:t>
-            </a:r>
-            <a:endParaRPr lang="en-GB" dirty="0"/>
-          </a:p>
-          <a:p>
-            <a:pPr marL="450850" lvl="1" indent="0">
-              <a:buNone/>
-            </a:pPr>
-            <a:r>
-              <a:rPr lang="en-GB" dirty="0" smtClean="0"/>
-              <a:t>draft-you-</a:t>
-            </a:r>
-            <a:r>
-              <a:rPr lang="en-GB" dirty="0" err="1" smtClean="0"/>
-              <a:t>tsvwg</a:t>
-            </a:r>
-            <a:r>
-              <a:rPr lang="en-GB" dirty="0" smtClean="0"/>
-              <a:t>-latency-loss-</a:t>
-            </a:r>
-            <a:r>
-              <a:rPr lang="en-GB" dirty="0" err="1" smtClean="0"/>
-              <a:t>tradeoff</a:t>
-            </a:r>
-            <a:r>
-              <a:rPr lang="en-GB" dirty="0" smtClean="0"/>
-              <a:t>		draft-</a:t>
-            </a:r>
-            <a:r>
-              <a:rPr lang="en-GB" dirty="0" err="1" smtClean="0"/>
-              <a:t>trammell</a:t>
-            </a:r>
-            <a:r>
-              <a:rPr lang="en-GB" dirty="0" smtClean="0"/>
-              <a:t>-plus-</a:t>
-            </a:r>
-            <a:r>
-              <a:rPr lang="en-GB" dirty="0" err="1" smtClean="0"/>
-              <a:t>statefulness</a:t>
-            </a:r>
-            <a:r>
-              <a:rPr lang="en-GB" dirty="0"/>
-              <a:t>	</a:t>
-            </a:r>
-            <a:r>
-              <a:rPr lang="en-GB" dirty="0" smtClean="0"/>
-              <a:t>		draft-</a:t>
-            </a:r>
-            <a:r>
-              <a:rPr lang="en-GB" dirty="0" err="1" smtClean="0"/>
-              <a:t>trammell</a:t>
-            </a:r>
-            <a:r>
-              <a:rPr lang="en-GB" dirty="0" smtClean="0"/>
-              <a:t>-plus-spec</a:t>
-            </a:r>
-          </a:p>
-          <a:p>
-            <a:pPr marL="450850" lvl="1" indent="0">
-              <a:buNone/>
-            </a:pPr>
-            <a:r>
-              <a:rPr lang="en-GB" dirty="0" smtClean="0"/>
-              <a:t>draft-</a:t>
-            </a:r>
-            <a:r>
-              <a:rPr lang="en-GB" dirty="0" err="1" smtClean="0"/>
-              <a:t>trammell</a:t>
-            </a:r>
-            <a:r>
-              <a:rPr lang="en-GB" dirty="0" smtClean="0"/>
-              <a:t>-plus-abstract-</a:t>
-            </a:r>
-            <a:r>
-              <a:rPr lang="en-GB" dirty="0" err="1" smtClean="0"/>
-              <a:t>mech</a:t>
-            </a:r>
-            <a:r>
-              <a:rPr lang="en-GB" dirty="0"/>
-              <a:t>	</a:t>
-            </a:r>
-            <a:r>
-              <a:rPr lang="en-GB" dirty="0" smtClean="0"/>
-              <a:t>		draft-</a:t>
-            </a:r>
-            <a:r>
-              <a:rPr lang="en-GB" dirty="0" err="1" smtClean="0"/>
-              <a:t>trammell</a:t>
-            </a:r>
-            <a:r>
-              <a:rPr lang="en-GB" dirty="0" smtClean="0"/>
-              <a:t>-</a:t>
-            </a:r>
-            <a:r>
-              <a:rPr lang="en-GB" dirty="0" err="1" smtClean="0"/>
-              <a:t>privsec</a:t>
-            </a:r>
-            <a:r>
-              <a:rPr lang="en-GB" dirty="0" smtClean="0"/>
-              <a:t>-defeating-</a:t>
-            </a:r>
-            <a:r>
-              <a:rPr lang="en-GB" dirty="0" err="1" smtClean="0"/>
-              <a:t>tcpip</a:t>
-            </a:r>
-            <a:r>
-              <a:rPr lang="en-GB" dirty="0" smtClean="0"/>
-              <a:t>-meta</a:t>
-            </a:r>
-            <a:endParaRPr lang="en-GB" dirty="0"/>
-          </a:p>
-          <a:p>
-            <a:r>
-              <a:rPr lang="en-GB" dirty="0" smtClean="0"/>
-              <a:t>Building awareness in ETSI</a:t>
+              <a:t>Report on measurement results to the TST WG</a:t>
             </a:r>
           </a:p>
           <a:p>
             <a:pPr lvl="1"/>
             <a:r>
               <a:rPr lang="en-GB" dirty="0" smtClean="0"/>
-              <a:t>Periodic reports to NFV plenaries.</a:t>
-            </a:r>
-          </a:p>
-          <a:p>
-            <a:pPr lvl="1"/>
-            <a:r>
-              <a:rPr lang="en-GB" dirty="0" smtClean="0"/>
-              <a:t>Contributions to TC CYBER on the applicability of MCP: DTS/CYBER-0027-1</a:t>
-            </a:r>
-          </a:p>
-          <a:p>
-            <a:pPr lvl="2"/>
-            <a:r>
-              <a:rPr lang="en-GB" dirty="0" smtClean="0"/>
-              <a:t>They have adopted the “MCP” name, though purpose is not exactly the same</a:t>
+              <a:t>Use cases related to support for ad-hoc measurement</a:t>
             </a:r>
             <a:endParaRPr lang="en-GB" dirty="0"/>
           </a:p>
@@ -11491,7 +11573,7 @@
     </p:spTree>
     <p:extLst>
       <p:ext uri="{BB962C8B-B14F-4D97-AF65-F5344CB8AC3E}">
-        <p14:creationId xmlns:p14="http://schemas.microsoft.com/office/powerpoint/2010/main" val="395493151"/>
+        <p14:creationId xmlns:p14="http://schemas.microsoft.com/office/powerpoint/2010/main" val="591501392"/>
       </p:ext>
     </p:extLst>
   </p:cSld>
@@ -11539,7 +11621,7 @@
         <p:spPr>
           <a:xfrm>
             <a:off x="460586" y="882793"/>
-            <a:ext cx="10218277" cy="1382401"/>
+            <a:ext cx="10362294" cy="1382401"/>
           </a:xfrm>
         </p:spPr>
         <p:txBody>
@@ -11547,18 +11629,10 @@
           <a:lstStyle/>
           <a:p>
             <a:r>
-              <a:rPr lang="en-GB" smtClean="0"/>
-              <a:t>Standardisation </a:t>
-            </a:r>
-            <a:r>
-              <a:rPr lang="en-GB" dirty="0" smtClean="0"/>
-              <a:t>Activities </a:t>
-            </a:r>
-            <a:r>
-              <a:rPr lang="en-GB" smtClean="0"/>
-              <a:t>on Measurement</a:t>
-            </a:r>
-            <a:endParaRPr lang="en-GB" dirty="0"/>
+              <a:rPr lang="en-GB" sz="3600" dirty="0" smtClean="0"/>
+              <a:t>Standardisation Activities on Transport Interfaces and Security</a:t>
+            </a:r>
+            <a:endParaRPr lang="en-GB" sz="3600" dirty="0"/>
           </a:p>
         </p:txBody>
       </p:sp>
@@ -11575,174 +11649,119 @@
         <p:spPr/>
         <p:txBody>
           <a:bodyPr>
-            <a:normAutofit fontScale="62500" lnSpcReduction="20000"/>
+            <a:normAutofit fontScale="85000" lnSpcReduction="20000"/>
           </a:bodyPr>
           <a:lstStyle/>
           <a:p>
             <a:r>
-              <a:rPr lang="en-US" dirty="0" smtClean="0"/>
-              <a:t>Measurement </a:t>
-            </a:r>
-            <a:r>
-              <a:rPr lang="en-US" dirty="0"/>
-              <a:t>and Analysis for Protocols (MAP) </a:t>
-            </a:r>
-            <a:r>
-              <a:rPr lang="en-US" dirty="0" smtClean="0"/>
-              <a:t>RG</a:t>
+              <a:rPr lang="en-GB" dirty="0"/>
+              <a:t>I</a:t>
+            </a:r>
+            <a:r>
+              <a:rPr lang="en-GB" dirty="0" smtClean="0"/>
+              <a:t>nteroperability of the MAMI FTL (Flexible </a:t>
+            </a:r>
+            <a:r>
+              <a:rPr lang="en-GB" dirty="0"/>
+              <a:t>Transport </a:t>
+            </a:r>
+            <a:r>
+              <a:rPr lang="en-GB" dirty="0" smtClean="0"/>
+              <a:t>Layer) with </a:t>
+            </a:r>
+            <a:r>
+              <a:rPr lang="en-GB" dirty="0"/>
+              <a:t>the TAPS </a:t>
+            </a:r>
+            <a:r>
+              <a:rPr lang="en-GB" dirty="0" smtClean="0"/>
+              <a:t>facility</a:t>
             </a:r>
           </a:p>
           <a:p>
             <a:pPr lvl="1"/>
             <a:r>
-              <a:rPr lang="en-US" dirty="0"/>
-              <a:t>C</a:t>
-            </a:r>
-            <a:r>
-              <a:rPr lang="en-US" dirty="0" smtClean="0"/>
-              <a:t>reated </a:t>
-            </a:r>
-            <a:r>
-              <a:rPr lang="en-US" dirty="0"/>
-              <a:t>on the project’s </a:t>
-            </a:r>
-            <a:r>
-              <a:rPr lang="en-US" dirty="0" smtClean="0"/>
-              <a:t>initiative</a:t>
+              <a:rPr lang="en-GB" dirty="0" smtClean="0"/>
+              <a:t>First RFC produced by the project</a:t>
+            </a:r>
+          </a:p>
+          <a:p>
+            <a:r>
+              <a:rPr lang="en-GB" dirty="0" smtClean="0"/>
+              <a:t>Consolidation of the STAR approach within the ACME WG</a:t>
             </a:r>
           </a:p>
           <a:p>
             <a:pPr lvl="1"/>
             <a:r>
-              <a:rPr lang="en-US" dirty="0"/>
-              <a:t>P</a:t>
-            </a:r>
-            <a:r>
-              <a:rPr lang="en-US" dirty="0" smtClean="0"/>
-              <a:t>rovide </a:t>
-            </a:r>
-            <a:r>
-              <a:rPr lang="en-US" dirty="0"/>
-              <a:t>research evidence on Internet measurement to inform protocol engineering and practice in the </a:t>
-            </a:r>
-            <a:r>
-              <a:rPr lang="en-US" dirty="0" smtClean="0"/>
-              <a:t>IETF</a:t>
-            </a:r>
-          </a:p>
-          <a:p>
-            <a:r>
-              <a:rPr lang="en-US" dirty="0" smtClean="0"/>
-              <a:t>TSV WG </a:t>
+              <a:rPr lang="en-GB" dirty="0" smtClean="0"/>
+              <a:t>Automated management of </a:t>
+            </a:r>
+            <a:r>
+              <a:rPr lang="en-GB" i="1" dirty="0" smtClean="0"/>
+              <a:t>delegated </a:t>
+            </a:r>
+            <a:r>
+              <a:rPr lang="en-GB" dirty="0" smtClean="0"/>
+              <a:t>certificates</a:t>
             </a:r>
           </a:p>
           <a:p>
             <a:pPr lvl="1"/>
             <a:r>
-              <a:rPr lang="en-US" dirty="0" smtClean="0"/>
-              <a:t>Specific </a:t>
-            </a:r>
-            <a:r>
-              <a:rPr lang="en-US" dirty="0"/>
-              <a:t>considerations on the need to incorporate measurability considerations in protocol </a:t>
-            </a:r>
-            <a:r>
-              <a:rPr lang="en-US" dirty="0" smtClean="0"/>
-              <a:t>design</a:t>
+              <a:rPr lang="en-GB" dirty="0" smtClean="0"/>
+              <a:t>In the spirit of the original LURK proposal</a:t>
+            </a:r>
+          </a:p>
+          <a:p>
+            <a:r>
+              <a:rPr lang="en-GB" dirty="0" smtClean="0"/>
+              <a:t>Monitoring multi-context security activities</a:t>
             </a:r>
           </a:p>
           <a:p>
             <a:pPr lvl="1"/>
             <a:r>
-              <a:rPr lang="en-US" dirty="0" smtClean="0"/>
-              <a:t>In </a:t>
-            </a:r>
-            <a:r>
-              <a:rPr lang="en-US" dirty="0"/>
-              <a:t>the face of increased deployment of encryption on all layers to support future Internet evolution </a:t>
-            </a:r>
-            <a:endParaRPr lang="en-US" dirty="0" smtClean="0"/>
-          </a:p>
-          <a:p>
-            <a:r>
-              <a:rPr lang="en-US" dirty="0" smtClean="0"/>
-              <a:t>I2NSF WG</a:t>
+              <a:rPr lang="en-GB" dirty="0" smtClean="0"/>
+              <a:t>Including recent discussion in the TLS WG</a:t>
+            </a:r>
+          </a:p>
+          <a:p>
+            <a:r>
+              <a:rPr lang="en-GB" dirty="0" smtClean="0"/>
+              <a:t>IETF related documents</a:t>
+            </a:r>
+          </a:p>
+          <a:p>
+            <a:r>
+              <a:rPr lang="en-GB" dirty="0" smtClean="0"/>
+              <a:t>Contributing </a:t>
+            </a:r>
+            <a:r>
+              <a:rPr lang="en-GB" dirty="0" smtClean="0"/>
+              <a:t>and monitoring other bodies</a:t>
             </a:r>
           </a:p>
           <a:p>
             <a:pPr lvl="1"/>
             <a:r>
-              <a:rPr lang="en-US" dirty="0" smtClean="0"/>
-              <a:t>Capability model for security functions</a:t>
+              <a:rPr lang="en-GB" dirty="0" smtClean="0"/>
+              <a:t>ETSI NFV SEC</a:t>
             </a:r>
           </a:p>
           <a:p>
             <a:pPr lvl="1"/>
             <a:r>
-              <a:rPr lang="en-US" dirty="0" smtClean="0"/>
-              <a:t>Suitable to be combined with middlebox characterization</a:t>
+              <a:rPr lang="en-GB" dirty="0" smtClean="0"/>
+              <a:t>ETSI TC CYBER</a:t>
             </a:r>
           </a:p>
           <a:p>
             <a:pPr lvl="1"/>
             <a:r>
-              <a:rPr lang="en-US" dirty="0" smtClean="0"/>
-              <a:t>Flexible standard for middlebox classification</a:t>
-            </a:r>
-          </a:p>
-          <a:p>
-            <a:r>
-              <a:rPr lang="en-GB" dirty="0" smtClean="0"/>
-              <a:t>IETF related documents</a:t>
-            </a:r>
-          </a:p>
-          <a:p>
-            <a:pPr lvl="1"/>
-            <a:r>
-              <a:rPr lang="en-GB" dirty="0"/>
-              <a:t>draft-</a:t>
-            </a:r>
-            <a:r>
-              <a:rPr lang="en-GB" dirty="0" err="1"/>
-              <a:t>fairhurst</a:t>
-            </a:r>
-            <a:r>
-              <a:rPr lang="en-GB" dirty="0"/>
-              <a:t>-</a:t>
-            </a:r>
-            <a:r>
-              <a:rPr lang="en-GB" dirty="0" err="1"/>
-              <a:t>tsvwg</a:t>
-            </a:r>
-            <a:r>
-              <a:rPr lang="en-GB" dirty="0"/>
-              <a:t>-transport-encrypt </a:t>
-            </a:r>
-            <a:endParaRPr lang="en-GB" dirty="0" smtClean="0"/>
-          </a:p>
-          <a:p>
-            <a:r>
-              <a:rPr lang="en-GB" dirty="0" smtClean="0"/>
-              <a:t>Building awareness in ETSI NFV</a:t>
-            </a:r>
-          </a:p>
-          <a:p>
-            <a:pPr lvl="1"/>
-            <a:r>
-              <a:rPr lang="en-GB" dirty="0" smtClean="0"/>
-              <a:t>Report on measurement results to the TST WG</a:t>
-            </a:r>
-          </a:p>
-          <a:p>
-            <a:pPr lvl="1"/>
-            <a:r>
-              <a:rPr lang="en-GB" dirty="0" smtClean="0"/>
-              <a:t>Use cases related to support for ad-hoc measurement</a:t>
-            </a:r>
-            <a:endParaRPr lang="en-GB" dirty="0"/>
-          </a:p>
-          <a:p>
-            <a:pPr lvl="1"/>
+              <a:rPr lang="en-GB" dirty="0" smtClean="0"/>
+              <a:t>IEEE ETI WG</a:t>
+            </a:r>
             <a:endParaRPr lang="en-GB" dirty="0"/>
           </a:p>
         </p:txBody>
@@ -11774,7 +11793,7 @@
     </p:spTree>
     <p:extLst>
       <p:ext uri="{BB962C8B-B14F-4D97-AF65-F5344CB8AC3E}">
-        <p14:creationId xmlns:p14="http://schemas.microsoft.com/office/powerpoint/2010/main" val="591501392"/>
+        <p14:creationId xmlns:p14="http://schemas.microsoft.com/office/powerpoint/2010/main" val="662093381"/>
       </p:ext>
     </p:extLst>
   </p:cSld>

--- a/review2-zurich/WP4-ReviewM18.pptx
+++ b/review2-zurich/WP4-ReviewM18.pptx
@@ -275,7 +275,7 @@
           <a:p>
             <a:fld id="{38AEA946-BE12-485E-8CED-EB49F79C0D9F}" type="datetimeFigureOut">
               <a:rPr lang="de-CH" smtClean="0"/>
-              <a:t>01.10.2017</a:t>
+              <a:t>02.10.17</a:t>
             </a:fld>
             <a:endParaRPr lang="de-CH"/>
           </a:p>
@@ -341,7 +341,7 @@
           <a:p>
             <a:fld id="{AB7FCD5B-4957-4027-8017-EFFEE2DC5C01}" type="slidenum">
               <a:rPr lang="de-CH" smtClean="0"/>
-              <a:t>‹Nr.›</a:t>
+              <a:t>‹#›</a:t>
             </a:fld>
             <a:endParaRPr lang="de-CH"/>
           </a:p>
@@ -1451,7 +1451,7 @@
             <a:fld id="{CA36C8A0-BAEB-42C3-A2D9-B1F0D6FD294D}" type="slidenum">
               <a:rPr lang="de-CH" smtClean="0"/>
               <a:pPr/>
-              <a:t>‹Nr.›</a:t>
+              <a:t>‹#›</a:t>
             </a:fld>
             <a:endParaRPr lang="de-CH" dirty="0" smtClean="0"/>
           </a:p>
@@ -2689,7 +2689,7 @@
             <a:fld id="{CA36C8A0-BAEB-42C3-A2D9-B1F0D6FD294D}" type="slidenum">
               <a:rPr lang="de-CH" smtClean="0"/>
               <a:pPr/>
-              <a:t>‹Nr.›</a:t>
+              <a:t>‹#›</a:t>
             </a:fld>
             <a:endParaRPr lang="de-CH" dirty="0" smtClean="0"/>
           </a:p>
@@ -3126,7 +3126,7 @@
             <a:fld id="{CA36C8A0-BAEB-42C3-A2D9-B1F0D6FD294D}" type="slidenum">
               <a:rPr lang="de-CH" smtClean="0"/>
               <a:pPr/>
-              <a:t>‹Nr.›</a:t>
+              <a:t>‹#›</a:t>
             </a:fld>
             <a:endParaRPr lang="de-CH" dirty="0" smtClean="0"/>
           </a:p>
@@ -3563,7 +3563,7 @@
             <a:fld id="{CA36C8A0-BAEB-42C3-A2D9-B1F0D6FD294D}" type="slidenum">
               <a:rPr lang="de-CH" smtClean="0"/>
               <a:pPr/>
-              <a:t>‹Nr.›</a:t>
+              <a:t>‹#›</a:t>
             </a:fld>
             <a:endParaRPr lang="de-CH" dirty="0" smtClean="0"/>
           </a:p>
@@ -5224,7 +5224,7 @@
           </a:ln>
           <a:extLst>
             <a:ext uri="{C572A759-6A51-4108-AA02-DFA0A04FC94B}">
-              <ma14:wrappingTextBoxFlag xmlns:ma14="http://schemas.microsoft.com/office/mac/drawingml/2011/main" xmlns="" val="1"/>
+              <ma14:wrappingTextBoxFlag xmlns:ma14="http://schemas.microsoft.com/office/mac/drawingml/2011/main" val="1"/>
             </a:ext>
           </a:extLst>
         </p:spPr>
@@ -5346,7 +5346,7 @@
             <a:fld id="{CA36C8A0-BAEB-42C3-A2D9-B1F0D6FD294D}" type="slidenum">
               <a:rPr lang="de-CH" smtClean="0"/>
               <a:pPr/>
-              <a:t>‹Nr.›</a:t>
+              <a:t>‹#›</a:t>
             </a:fld>
             <a:endParaRPr lang="de-CH" dirty="0" smtClean="0"/>
           </a:p>
@@ -6259,19 +6259,19 @@
             <a:pPr lvl="1"/>
             <a:r>
               <a:rPr lang="en-US" dirty="0" smtClean="0"/>
-              <a:t>IEEE Internet Computing, EUCNC, ANRW, ITC, SIGCOMM Reproducibility Workshop…</a:t>
-            </a:r>
-          </a:p>
-          <a:p>
+              <a:t>IEEE Internet Computing, EUCNC, ANRW, ITC, SIGCOMM </a:t>
+            </a:r>
             <a:r>
               <a:rPr lang="en-US" dirty="0" smtClean="0"/>
-              <a:t>Joint workshop with the MONROE </a:t>
-            </a:r>
+              <a:t>CCR, IEEE/IFIP CNSM…</a:t>
+            </a:r>
+            <a:endParaRPr lang="en-US" dirty="0" smtClean="0"/>
+          </a:p>
+          <a:p>
             <a:r>
               <a:rPr lang="en-US" dirty="0" smtClean="0"/>
-              <a:t>project (MS6)</a:t>
-            </a:r>
-            <a:endParaRPr lang="en-US" dirty="0" smtClean="0"/>
+              <a:t>Joint workshop with the MONROE project (MS6)</a:t>
+            </a:r>
           </a:p>
           <a:p>
             <a:pPr lvl="1"/>
@@ -6504,11 +6504,7 @@
           <a:p>
             <a:r>
               <a:rPr lang="en-GB" dirty="0" smtClean="0"/>
-              <a:t>Industrial </a:t>
-            </a:r>
-            <a:r>
-              <a:rPr lang="en-GB" dirty="0" smtClean="0"/>
-              <a:t>Exploitation</a:t>
+              <a:t>Industrial Exploitation</a:t>
             </a:r>
             <a:br>
               <a:rPr lang="en-GB" dirty="0" smtClean="0"/>
@@ -6672,11 +6668,7 @@
           <a:p>
             <a:r>
               <a:rPr lang="en-GB" dirty="0" smtClean="0"/>
-              <a:t>Considering the support for measurement facilities deployed on the </a:t>
-            </a:r>
-            <a:r>
-              <a:rPr lang="en-GB" dirty="0" smtClean="0"/>
-              <a:t>NFVI</a:t>
+              <a:t>Considering the support for measurement facilities deployed on the NFVI</a:t>
             </a:r>
             <a:endParaRPr lang="en-GB" dirty="0"/>
           </a:p>
@@ -7052,12 +7044,8 @@
               <a:t>, </a:t>
             </a:r>
             <a:r>
-              <a:rPr lang="en-GB" dirty="0" err="1" smtClean="0"/>
-              <a:t>fousing</a:t>
-            </a:r>
-            <a:r>
-              <a:rPr lang="en-GB" dirty="0" smtClean="0"/>
-              <a:t> </a:t>
+              <a:rPr lang="en-GB" dirty="0" smtClean="0"/>
+              <a:t>focusing </a:t>
             </a:r>
             <a:r>
               <a:rPr lang="en-GB" dirty="0"/>
@@ -7087,11 +7075,7 @@
             <a:pPr lvl="1"/>
             <a:r>
               <a:rPr lang="en-GB" dirty="0" smtClean="0"/>
-              <a:t>Alignment </a:t>
-            </a:r>
-            <a:r>
-              <a:rPr lang="en-GB" dirty="0" smtClean="0"/>
-              <a:t>of observatory data collection and access</a:t>
+              <a:t>Alignment of observatory data collection and access</a:t>
             </a:r>
           </a:p>
           <a:p>
@@ -7295,7 +7279,6 @@
               <a:rPr lang="en-GB" sz="2400" dirty="0" smtClean="0"/>
               <a:t>, and low-latency</a:t>
             </a:r>
-            <a:endParaRPr lang="en-GB" sz="2400" dirty="0" smtClean="0"/>
           </a:p>
           <a:p>
             <a:pPr lvl="1"/>
@@ -7305,11 +7288,44 @@
             </a:r>
             <a:r>
               <a:rPr lang="en-GB" sz="2400" dirty="0" smtClean="0"/>
-              <a:t>octoral </a:t>
+              <a:t>octoral student on </a:t>
+            </a:r>
+            <a:r>
+              <a:rPr lang="en-GB" sz="2400" dirty="0"/>
+              <a:t>MCP </a:t>
             </a:r>
             <a:r>
               <a:rPr lang="en-GB" sz="2400" dirty="0" smtClean="0"/>
-              <a:t>student </a:t>
+              <a:t>implementation and explicit </a:t>
+            </a:r>
+            <a:r>
+              <a:rPr lang="en-GB" sz="2400" dirty="0"/>
+              <a:t>protocol support of </a:t>
+            </a:r>
+            <a:r>
+              <a:rPr lang="en-GB" sz="2400" dirty="0" smtClean="0"/>
+              <a:t>passive </a:t>
+            </a:r>
+            <a:r>
+              <a:rPr lang="en-GB" sz="2400" dirty="0"/>
+              <a:t>measurement </a:t>
+            </a:r>
+          </a:p>
+          <a:p>
+            <a:r>
+              <a:rPr lang="en-GB" sz="2800" dirty="0" smtClean="0"/>
+              <a:t>ZHAW </a:t>
+            </a:r>
+          </a:p>
+          <a:p>
+            <a:pPr lvl="1"/>
+            <a:r>
+              <a:rPr lang="en-GB" sz="2400" dirty="0" smtClean="0"/>
+              <a:t>Bachelor </a:t>
+            </a:r>
+            <a:r>
+              <a:rPr lang="en-GB" sz="2400" dirty="0"/>
+              <a:t>and project theses </a:t>
             </a:r>
             <a:r>
               <a:rPr lang="en-GB" sz="2400" dirty="0" smtClean="0"/>
@@ -7317,51 +7333,6 @@
             </a:r>
             <a:r>
               <a:rPr lang="en-GB" sz="2400" dirty="0"/>
-              <a:t>MCP </a:t>
-            </a:r>
-            <a:r>
-              <a:rPr lang="en-GB" sz="2400" dirty="0" smtClean="0"/>
-              <a:t>implementation and </a:t>
-            </a:r>
-            <a:r>
-              <a:rPr lang="en-GB" sz="2400" dirty="0" smtClean="0"/>
-              <a:t>explicit </a:t>
-            </a:r>
-            <a:r>
-              <a:rPr lang="en-GB" sz="2400" dirty="0"/>
-              <a:t>protocol support of </a:t>
-            </a:r>
-            <a:r>
-              <a:rPr lang="en-GB" sz="2400" dirty="0" smtClean="0"/>
-              <a:t>passive </a:t>
-            </a:r>
-            <a:r>
-              <a:rPr lang="en-GB" sz="2400" dirty="0"/>
-              <a:t>measurement </a:t>
-            </a:r>
-          </a:p>
-          <a:p>
-            <a:r>
-              <a:rPr lang="en-GB" sz="2800" dirty="0" smtClean="0"/>
-              <a:t>ZHAW </a:t>
-            </a:r>
-          </a:p>
-          <a:p>
-            <a:pPr lvl="1"/>
-            <a:r>
-              <a:rPr lang="en-GB" sz="2400" dirty="0" smtClean="0"/>
-              <a:t>Bachelor </a:t>
-            </a:r>
-            <a:r>
-              <a:rPr lang="en-GB" sz="2400" dirty="0"/>
-              <a:t>and project theses </a:t>
-            </a:r>
-            <a:r>
-              <a:rPr lang="en-GB" sz="2400" dirty="0" smtClean="0"/>
-              <a:t>on </a:t>
-            </a:r>
-            <a:r>
-              <a:rPr lang="en-GB" sz="2400" dirty="0"/>
               <a:t>Linux kernel development </a:t>
             </a:r>
             <a:r>
@@ -7374,26 +7345,14 @@
             </a:r>
             <a:r>
               <a:rPr lang="en-GB" sz="2400" dirty="0" smtClean="0"/>
-              <a:t>protocols </a:t>
-            </a:r>
+              <a:t>protocols and observatory</a:t>
+            </a:r>
+          </a:p>
+          <a:p>
+            <a:pPr lvl="1"/>
             <a:r>
               <a:rPr lang="en-GB" sz="2400" dirty="0" smtClean="0"/>
-              <a:t>and </a:t>
-            </a:r>
-            <a:r>
-              <a:rPr lang="en-GB" sz="2400" dirty="0" smtClean="0"/>
-              <a:t>observatory</a:t>
-            </a:r>
-          </a:p>
-          <a:p>
-            <a:pPr lvl="1"/>
-            <a:r>
-              <a:rPr lang="en-GB" sz="2400" dirty="0" smtClean="0"/>
-              <a:t>T</a:t>
-            </a:r>
-            <a:r>
-              <a:rPr lang="en-GB" sz="2400" dirty="0" smtClean="0"/>
-              <a:t>eaching</a:t>
+              <a:t>Teaching</a:t>
             </a:r>
             <a:r>
               <a:rPr lang="en-GB" sz="2400" dirty="0"/>
@@ -7412,19 +7371,15 @@
               <a:t> between privacy and </a:t>
             </a:r>
             <a:r>
-              <a:rPr lang="en-GB" sz="2400" dirty="0" err="1" smtClean="0"/>
-              <a:t>managability</a:t>
+              <a:rPr lang="en-GB" sz="2400" dirty="0" smtClean="0"/>
+              <a:t>manageability</a:t>
             </a:r>
             <a:endParaRPr lang="en-GB" sz="2400" dirty="0" smtClean="0"/>
           </a:p>
           <a:p>
             <a:r>
               <a:rPr lang="en-GB" sz="2800" dirty="0" smtClean="0"/>
-              <a:t>University </a:t>
-            </a:r>
-            <a:r>
-              <a:rPr lang="en-GB" sz="2800" dirty="0" smtClean="0"/>
-              <a:t>of Aberdeen</a:t>
+              <a:t>University of Aberdeen</a:t>
             </a:r>
           </a:p>
           <a:p>
@@ -7447,11 +7402,7 @@
             <a:pPr lvl="1"/>
             <a:r>
               <a:rPr lang="en-GB" sz="2400" dirty="0" smtClean="0"/>
-              <a:t>basis  to </a:t>
-            </a:r>
-            <a:r>
-              <a:rPr lang="en-GB" sz="2400" dirty="0" smtClean="0"/>
-              <a:t>stimulate </a:t>
+              <a:t>basis  to stimulate </a:t>
             </a:r>
             <a:r>
               <a:rPr lang="en-GB" sz="2400" dirty="0"/>
@@ -7469,7 +7420,6 @@
               <a:rPr lang="en-GB" sz="2400" dirty="0" smtClean="0"/>
               <a:t>players</a:t>
             </a:r>
-            <a:endParaRPr lang="en-GB" sz="2400" dirty="0" smtClean="0"/>
           </a:p>
           <a:p>
             <a:r>
@@ -7493,11 +7443,7 @@
             </a:r>
             <a:r>
               <a:rPr lang="en-GB" sz="2400" dirty="0" smtClean="0"/>
-              <a:t>and leveraging results/experience </a:t>
-            </a:r>
-            <a:r>
-              <a:rPr lang="en-GB" sz="2400" dirty="0" smtClean="0"/>
-              <a:t>in </a:t>
+              <a:t>and leveraging results/experience in </a:t>
             </a:r>
             <a:r>
               <a:rPr lang="en-GB" sz="2400" dirty="0"/>
@@ -7511,11 +7457,7 @@
           <a:p>
             <a:r>
               <a:rPr lang="en-GB" sz="2800" dirty="0" smtClean="0"/>
-              <a:t>University </a:t>
-            </a:r>
-            <a:r>
-              <a:rPr lang="en-GB" sz="2800" dirty="0" smtClean="0"/>
-              <a:t>of Liege </a:t>
+              <a:t>University of Liege </a:t>
             </a:r>
           </a:p>
           <a:p>
@@ -7530,11 +7472,7 @@
             </a:r>
             <a:r>
               <a:rPr lang="en-GB" sz="2400" dirty="0" smtClean="0"/>
-              <a:t>interference </a:t>
-            </a:r>
-            <a:r>
-              <a:rPr lang="en-GB" sz="2400" dirty="0" smtClean="0"/>
-              <a:t>and modelling </a:t>
+              <a:t>interference and modelling </a:t>
             </a:r>
           </a:p>
         </p:txBody>
@@ -7643,11 +7581,7 @@
           <a:p>
             <a:r>
               <a:rPr lang="en-US" dirty="0" smtClean="0"/>
-              <a:t>MAMI </a:t>
-            </a:r>
-            <a:r>
-              <a:rPr lang="en-US" dirty="0" smtClean="0"/>
-              <a:t>code hosted </a:t>
+              <a:t>MAMI code hosted </a:t>
             </a:r>
             <a:r>
               <a:rPr lang="en-US" dirty="0"/>
@@ -7681,12 +7615,9 @@
             <a:pPr lvl="1"/>
             <a:r>
               <a:rPr lang="en-US" dirty="0" smtClean="0"/>
-              <a:t>Up </a:t>
-            </a:r>
-            <a:r>
-              <a:rPr lang="en-US" dirty="0" smtClean="0"/>
-              <a:t>to 42 by June 2017</a:t>
-            </a:r>
+              <a:t>46 repos</a:t>
+            </a:r>
+            <a:endParaRPr lang="en-US" dirty="0" smtClean="0"/>
           </a:p>
           <a:p>
             <a:r>
@@ -7695,19 +7626,7 @@
             </a:r>
             <a:r>
               <a:rPr lang="en-US" dirty="0" smtClean="0"/>
-              <a:t> </a:t>
-            </a:r>
-            <a:r>
-              <a:rPr lang="en-US" dirty="0" smtClean="0"/>
-              <a:t>releases </a:t>
-            </a:r>
-            <a:r>
-              <a:rPr lang="en-US" dirty="0" smtClean="0"/>
-              <a:t>(through </a:t>
-            </a:r>
-            <a:r>
-              <a:rPr lang="en-US" dirty="0" smtClean="0"/>
-              <a:t>software </a:t>
+              <a:t> releases (through software </a:t>
             </a:r>
             <a:r>
               <a:rPr lang="en-US" dirty="0"/>
@@ -7717,7 +7636,6 @@
               <a:rPr lang="en-US" dirty="0" smtClean="0"/>
               <a:t>systems)</a:t>
             </a:r>
-            <a:endParaRPr lang="en-US" dirty="0" smtClean="0"/>
           </a:p>
           <a:p>
             <a:pPr lvl="1"/>
@@ -7819,14 +7737,13 @@
               <a:t>2.0.0 is coming </a:t>
             </a:r>
             <a:r>
-              <a:rPr lang="en-US" dirty="0" err="1" smtClean="0"/>
-              <a:t>sonn</a:t>
+              <a:rPr lang="en-US" dirty="0" smtClean="0"/>
+              <a:t>soon</a:t>
             </a:r>
             <a:r>
               <a:rPr lang="en-US" dirty="0" smtClean="0"/>
               <a:t>!</a:t>
             </a:r>
-            <a:endParaRPr lang="en-US" dirty="0" smtClean="0"/>
           </a:p>
           <a:p>
             <a:r>
@@ -7943,7 +7860,7 @@
         <p:spPr/>
         <p:txBody>
           <a:bodyPr>
-            <a:normAutofit lnSpcReduction="10000"/>
+            <a:normAutofit fontScale="92500" lnSpcReduction="10000"/>
           </a:bodyPr>
           <a:lstStyle/>
           <a:p>
@@ -7976,7 +7893,6 @@
               <a:rPr lang="en-GB" dirty="0" smtClean="0"/>
               <a:t> </a:t>
             </a:r>
-            <a:endParaRPr lang="en-GB" dirty="0" smtClean="0"/>
           </a:p>
           <a:p>
             <a:pPr lvl="2"/>
@@ -8009,18 +7925,18 @@
             </a:r>
             <a:r>
               <a:rPr lang="en-GB" dirty="0" smtClean="0"/>
-              <a:t> (the MAMI </a:t>
-            </a:r>
-            <a:r>
-              <a:rPr lang="en-GB" dirty="0" smtClean="0"/>
-              <a:t>PTO)</a:t>
+              <a:t> (the MAMI PTO)</a:t>
             </a:r>
           </a:p>
           <a:p>
             <a:pPr lvl="2"/>
             <a:r>
-              <a:rPr lang="en-GB" dirty="0" smtClean="0"/>
-              <a:t>available </a:t>
+              <a:rPr lang="en-GB" dirty="0"/>
+              <a:t>A</a:t>
+            </a:r>
+            <a:r>
+              <a:rPr lang="en-GB" dirty="0" smtClean="0"/>
+              <a:t>vailable </a:t>
             </a:r>
             <a:r>
               <a:rPr lang="en-GB" dirty="0" smtClean="0"/>
@@ -8053,19 +7969,20 @@
               <a:rPr lang="en-GB" dirty="0" smtClean="0"/>
               <a:t> </a:t>
             </a:r>
+            <a:endParaRPr lang="en-GB" dirty="0" smtClean="0"/>
+          </a:p>
+          <a:p>
             <a:r>
               <a:rPr lang="en-GB" dirty="0" smtClean="0"/>
               <a:t>The </a:t>
             </a:r>
             <a:r>
               <a:rPr lang="en-GB" dirty="0" smtClean="0"/>
-              <a:t>MAMI Twitter account</a:t>
-            </a:r>
-          </a:p>
-          <a:p>
-            <a:r>
-              <a:rPr lang="en-GB" dirty="0" smtClean="0"/>
-              <a:t>@</a:t>
+              <a:t>MAMI Twitter </a:t>
+            </a:r>
+            <a:r>
+              <a:rPr lang="en-GB" dirty="0" smtClean="0"/>
+              <a:t>account - @</a:t>
             </a:r>
             <a:r>
               <a:rPr lang="en-GB" dirty="0" err="1" smtClean="0"/>
@@ -8081,19 +7998,7 @@
             <a:pPr lvl="1"/>
             <a:r>
               <a:rPr lang="en-GB" dirty="0" smtClean="0"/>
-              <a:t>Stats </a:t>
-            </a:r>
-            <a:r>
-              <a:rPr lang="en-GB" dirty="0" smtClean="0"/>
-              <a:t>by 29 </a:t>
-            </a:r>
-            <a:r>
-              <a:rPr lang="en-GB" dirty="0"/>
-              <a:t>June </a:t>
-            </a:r>
-            <a:r>
-              <a:rPr lang="en-GB" dirty="0" smtClean="0"/>
-              <a:t>2017: 135 followers, </a:t>
+              <a:t>151followers </a:t>
             </a:r>
             <a:endParaRPr lang="en-GB" dirty="0" smtClean="0"/>
           </a:p>
@@ -8235,11 +8140,7 @@
             <a:pPr lvl="1"/>
             <a:r>
               <a:rPr lang="en-US" dirty="0" smtClean="0"/>
-              <a:t>T</a:t>
-            </a:r>
-            <a:r>
-              <a:rPr lang="en-US" dirty="0" smtClean="0"/>
-              <a:t>echnical contributions to create and influence new standards, especially within IETF/IRTF</a:t>
+              <a:t>Technical contributions to create and influence new standards, especially within IETF/IRTF</a:t>
             </a:r>
             <a:r>
               <a:rPr lang="en-US" dirty="0"/>
@@ -8294,7 +8195,6 @@
               <a:rPr lang="en-US" dirty="0" smtClean="0"/>
               <a:t>)</a:t>
             </a:r>
-            <a:endParaRPr lang="en-US" dirty="0" smtClean="0"/>
           </a:p>
           <a:p>
             <a:r>
@@ -8306,15 +8206,7 @@
             <a:pPr lvl="1"/>
             <a:r>
               <a:rPr lang="en-US" dirty="0" smtClean="0"/>
-              <a:t>Focus on PTO </a:t>
-            </a:r>
-            <a:r>
-              <a:rPr lang="en-US" dirty="0" smtClean="0"/>
-              <a:t>and m</a:t>
-            </a:r>
-            <a:r>
-              <a:rPr lang="en-US" dirty="0" smtClean="0"/>
-              <a:t>easurements performed by various tools such as </a:t>
+              <a:t>Focus on PTO and measurements performed by various tools such as </a:t>
             </a:r>
             <a:r>
               <a:rPr lang="en-US" dirty="0" err="1" smtClean="0"/>
@@ -8338,7 +8230,7 @@
             </a:r>
             <a:r>
               <a:rPr lang="en-US" b="1" dirty="0" smtClean="0"/>
-              <a:t>M11</a:t>
+              <a:t>MS11</a:t>
             </a:r>
             <a:r>
               <a:rPr lang="en-US" dirty="0" smtClean="0"/>
@@ -8348,15 +8240,7 @@
           <a:p>
             <a:r>
               <a:rPr lang="en-US" dirty="0" smtClean="0"/>
-              <a:t>Identification of key application(s) for the MCP </a:t>
-            </a:r>
-            <a:r>
-              <a:rPr lang="en-US" dirty="0" smtClean="0"/>
-              <a:t>and </a:t>
-            </a:r>
-            <a:r>
-              <a:rPr lang="en-US" dirty="0" smtClean="0"/>
-              <a:t>exploitation of project results</a:t>
+              <a:t>Identification of key application(s) for the MCP and exploitation of project results</a:t>
             </a:r>
           </a:p>
           <a:p>
@@ -8379,7 +8263,6 @@
               <a:rPr lang="en-US" dirty="0" smtClean="0"/>
               <a:t>Further explore direct collaboration in measurements and the PTO itself</a:t>
             </a:r>
-            <a:endParaRPr lang="en-US" dirty="0" smtClean="0"/>
           </a:p>
         </p:txBody>
       </p:sp>
@@ -8522,11 +8405,7 @@
           <a:p>
             <a:r>
               <a:rPr lang="en-GB" dirty="0" smtClean="0"/>
-              <a:t>Exploitation </a:t>
-            </a:r>
-            <a:r>
-              <a:rPr lang="en-GB" dirty="0" smtClean="0"/>
-              <a:t>and Innovation Management</a:t>
+              <a:t>Exploitation and Innovation Management</a:t>
             </a:r>
           </a:p>
           <a:p>
@@ -8539,17 +8418,8 @@
           <a:p>
             <a:r>
               <a:rPr lang="en-GB" dirty="0" smtClean="0"/>
-              <a:t>Public </a:t>
-            </a:r>
-            <a:r>
-              <a:rPr lang="en-GB" dirty="0" smtClean="0"/>
-              <a:t>Communication </a:t>
-            </a:r>
-            <a:r>
-              <a:rPr lang="en-GB" dirty="0" smtClean="0"/>
-              <a:t>Activities</a:t>
-            </a:r>
-            <a:endParaRPr lang="en-GB" dirty="0" smtClean="0"/>
+              <a:t>Public Communication Activities</a:t>
+            </a:r>
           </a:p>
         </p:txBody>
       </p:sp>
@@ -9884,11 +9754,7 @@
           <a:p>
             <a:r>
               <a:rPr lang="en-GB" dirty="0" smtClean="0"/>
-              <a:t>Standardisation </a:t>
-            </a:r>
-            <a:r>
-              <a:rPr lang="en-GB" dirty="0" smtClean="0"/>
-              <a:t>Targets</a:t>
+              <a:t>Standardisation Targets</a:t>
             </a:r>
             <a:br>
               <a:rPr lang="en-GB" dirty="0" smtClean="0"/>
@@ -9928,11 +9794,7 @@
             <a:pPr lvl="1"/>
             <a:r>
               <a:rPr lang="en-GB" dirty="0" smtClean="0"/>
-              <a:t>Transport: TAPS</a:t>
-            </a:r>
-            <a:r>
-              <a:rPr lang="en-GB" dirty="0" smtClean="0"/>
-              <a:t>, QUIC, </a:t>
+              <a:t>Transport: TAPS, QUIC, </a:t>
             </a:r>
             <a:r>
               <a:rPr lang="en-GB" dirty="0" err="1" smtClean="0"/>
@@ -9955,7 +9817,7 @@
             <a:pPr lvl="1"/>
             <a:r>
               <a:rPr lang="en-GB" dirty="0" smtClean="0"/>
-              <a:t>NFV: I2NSF</a:t>
+              <a:t>I2NSF</a:t>
             </a:r>
             <a:r>
               <a:rPr lang="en-GB" dirty="0" smtClean="0"/>
@@ -10006,7 +9868,6 @@
               <a:rPr lang="en-GB" dirty="0" smtClean="0"/>
               <a:t>protocols</a:t>
             </a:r>
-            <a:endParaRPr lang="en-GB" dirty="0" smtClean="0"/>
           </a:p>
           <a:p>
             <a:pPr lvl="1"/>
@@ -10020,13 +9881,8 @@
             <a:pPr lvl="1"/>
             <a:r>
               <a:rPr lang="en-GB" dirty="0" smtClean="0"/>
-              <a:t>NFVRG: VNF deployment. Trust models and network-application </a:t>
-            </a:r>
-            <a:r>
-              <a:rPr lang="en-GB" dirty="0" smtClean="0"/>
-              <a:t>communication</a:t>
-            </a:r>
-            <a:endParaRPr lang="en-GB" dirty="0" smtClean="0"/>
+              <a:t>NFVRG: VNF deployment. Trust models and network-application communication</a:t>
+            </a:r>
           </a:p>
         </p:txBody>
       </p:sp>
@@ -10109,18 +9965,22 @@
           <a:p>
             <a:r>
               <a:rPr lang="en-GB" dirty="0" smtClean="0"/>
-              <a:t>Standardisation </a:t>
-            </a:r>
-            <a:r>
-              <a:rPr lang="en-GB" dirty="0" smtClean="0"/>
-              <a:t>Targets</a:t>
+              <a:t>Standardisation Targets</a:t>
             </a:r>
             <a:br>
               <a:rPr lang="en-GB" dirty="0" smtClean="0"/>
             </a:br>
             <a:r>
               <a:rPr lang="en-GB" dirty="0" smtClean="0"/>
-              <a:t>ETSI, IEEE, GSMA, and 5G</a:t>
+              <a:t>ETSI, </a:t>
+            </a:r>
+            <a:r>
+              <a:rPr lang="en-GB" dirty="0" smtClean="0"/>
+              <a:t>IEEE, </a:t>
+            </a:r>
+            <a:r>
+              <a:rPr lang="en-GB" dirty="0" smtClean="0"/>
+              <a:t>and 5G</a:t>
             </a:r>
             <a:endParaRPr lang="en-GB" dirty="0"/>
           </a:p>
@@ -10139,7 +9999,7 @@
         <p:spPr/>
         <p:txBody>
           <a:bodyPr>
-            <a:normAutofit fontScale="92500" lnSpcReduction="20000"/>
+            <a:normAutofit fontScale="92500" lnSpcReduction="10000"/>
           </a:bodyPr>
           <a:lstStyle/>
           <a:p>
@@ -10212,25 +10072,6 @@
               <a:rPr lang="en-GB" dirty="0" smtClean="0"/>
               <a:t>WG</a:t>
             </a:r>
-          </a:p>
-          <a:p>
-            <a:r>
-              <a:rPr lang="en-GB" b="1" dirty="0" smtClean="0"/>
-              <a:t>GSMA</a:t>
-            </a:r>
-            <a:r>
-              <a:rPr lang="en-GB" dirty="0" smtClean="0"/>
-              <a:t>: </a:t>
-            </a:r>
-            <a:r>
-              <a:rPr lang="en-GB" dirty="0" err="1" smtClean="0"/>
-              <a:t>LoLa</a:t>
-            </a:r>
-            <a:r>
-              <a:rPr lang="en-GB" dirty="0" smtClean="0"/>
-              <a:t> experiment</a:t>
-            </a:r>
-            <a:endParaRPr lang="en-GB" dirty="0"/>
           </a:p>
           <a:p>
             <a:r>
@@ -10269,273 +10110,6 @@
               <a:t>5</a:t>
             </a:fld>
             <a:endParaRPr lang="en-GB" dirty="0" smtClean="0"/>
-          </a:p>
-        </p:txBody>
-      </p:sp>
-      <p:sp>
-        <p:nvSpPr>
-          <p:cNvPr id="6" name="Textfeld 5"/>
-          <p:cNvSpPr txBox="1"/>
-          <p:nvPr/>
-        </p:nvSpPr>
-        <p:spPr>
-          <a:xfrm>
-            <a:off x="5832152" y="7469088"/>
-            <a:ext cx="6681316" cy="656590"/>
-          </a:xfrm>
-          <a:prstGeom prst="rect">
-            <a:avLst/>
-          </a:prstGeom>
-          <a:noFill/>
-          <a:ln w="12700" cap="flat">
-            <a:noFill/>
-            <a:miter lim="400000"/>
-          </a:ln>
-          <a:effectLst/>
-        </p:spPr>
-        <p:style>
-          <a:lnRef idx="0">
-            <a:scrgbClr r="0" g="0" b="0"/>
-          </a:lnRef>
-          <a:fillRef idx="0">
-            <a:scrgbClr r="0" g="0" b="0"/>
-          </a:fillRef>
-          <a:effectRef idx="0">
-            <a:scrgbClr r="0" g="0" b="0"/>
-          </a:effectRef>
-          <a:fontRef idx="none"/>
-        </p:style>
-        <p:txBody>
-          <a:bodyPr rot="0" spcFirstLastPara="1" vertOverflow="overflow" horzOverflow="overflow" vert="horz" wrap="none" lIns="50800" tIns="50800" rIns="50800" bIns="50800" numCol="1" spcCol="38100" rtlCol="0" anchor="ctr">
-            <a:spAutoFit/>
-          </a:bodyPr>
-          <a:lstStyle/>
-          <a:p>
-            <a:pPr marL="0" marR="0" indent="0" algn="l" defTabSz="1295400" rtl="0" fontAlgn="auto" latinLnBrk="1" hangingPunct="0">
-              <a:lnSpc>
-                <a:spcPct val="100000"/>
-              </a:lnSpc>
-              <a:spcBef>
-                <a:spcPts val="0"/>
-              </a:spcBef>
-              <a:spcAft>
-                <a:spcPts val="0"/>
-              </a:spcAft>
-              <a:buClr>
-                <a:srgbClr val="000000"/>
-              </a:buClr>
-              <a:buSzTx/>
-              <a:buFontTx/>
-              <a:buNone/>
-              <a:tabLst/>
-            </a:pPr>
-            <a:r>
-              <a:rPr kumimoji="0" lang="de-DE" sz="3600" b="1" i="0" u="none" strike="noStrike" cap="none" spc="0" normalizeH="0" baseline="0" dirty="0" smtClean="0">
-                <a:ln>
-                  <a:noFill/>
-                </a:ln>
-                <a:solidFill>
-                  <a:srgbClr val="FF0000"/>
-                </a:solidFill>
-                <a:effectLst/>
-                <a:uFill>
-                  <a:solidFill>
-                    <a:srgbClr val="000000"/>
-                  </a:solidFill>
-                </a:uFill>
-                <a:latin typeface="+mn-lt"/>
-                <a:ea typeface="+mn-ea"/>
-                <a:cs typeface="+mn-cs"/>
-                <a:sym typeface="Helvetica Neue"/>
-              </a:rPr>
-              <a:t>GSMA</a:t>
-            </a:r>
-            <a:r>
-              <a:rPr kumimoji="0" lang="de-DE" sz="3600" b="1" i="0" u="none" strike="noStrike" cap="none" spc="0" normalizeH="0" dirty="0" smtClean="0">
-                <a:ln>
-                  <a:noFill/>
-                </a:ln>
-                <a:solidFill>
-                  <a:srgbClr val="FF0000"/>
-                </a:solidFill>
-                <a:effectLst/>
-                <a:uFill>
-                  <a:solidFill>
-                    <a:srgbClr val="000000"/>
-                  </a:solidFill>
-                </a:uFill>
-                <a:latin typeface="+mn-lt"/>
-                <a:ea typeface="+mn-ea"/>
-                <a:cs typeface="+mn-cs"/>
-                <a:sym typeface="Helvetica Neue"/>
-              </a:rPr>
-              <a:t> </a:t>
-            </a:r>
-            <a:r>
-              <a:rPr kumimoji="0" lang="de-DE" sz="3600" b="1" i="0" u="none" strike="noStrike" cap="none" spc="0" normalizeH="0" dirty="0" err="1" smtClean="0">
-                <a:ln>
-                  <a:noFill/>
-                </a:ln>
-                <a:solidFill>
-                  <a:srgbClr val="FF0000"/>
-                </a:solidFill>
-                <a:effectLst/>
-                <a:uFill>
-                  <a:solidFill>
-                    <a:srgbClr val="000000"/>
-                  </a:solidFill>
-                </a:uFill>
-                <a:latin typeface="+mn-lt"/>
-                <a:ea typeface="+mn-ea"/>
-                <a:cs typeface="+mn-cs"/>
-                <a:sym typeface="Helvetica Neue"/>
-              </a:rPr>
-              <a:t>added</a:t>
-            </a:r>
-            <a:r>
-              <a:rPr kumimoji="0" lang="de-DE" sz="3600" b="1" i="0" u="none" strike="noStrike" cap="none" spc="0" normalizeH="0" dirty="0" smtClean="0">
-                <a:ln>
-                  <a:noFill/>
-                </a:ln>
-                <a:solidFill>
-                  <a:srgbClr val="FF0000"/>
-                </a:solidFill>
-                <a:effectLst/>
-                <a:uFill>
-                  <a:solidFill>
-                    <a:srgbClr val="000000"/>
-                  </a:solidFill>
-                </a:uFill>
-                <a:latin typeface="+mn-lt"/>
-                <a:ea typeface="+mn-ea"/>
-                <a:cs typeface="+mn-cs"/>
-                <a:sym typeface="Helvetica Neue"/>
-              </a:rPr>
-              <a:t> </a:t>
-            </a:r>
-            <a:r>
-              <a:rPr kumimoji="0" lang="de-DE" sz="3600" b="1" i="0" u="none" strike="noStrike" cap="none" spc="0" normalizeH="0" baseline="0" dirty="0" smtClean="0">
-                <a:ln>
-                  <a:noFill/>
-                </a:ln>
-                <a:solidFill>
-                  <a:srgbClr val="FF0000"/>
-                </a:solidFill>
-                <a:effectLst/>
-                <a:uFill>
-                  <a:solidFill>
-                    <a:srgbClr val="000000"/>
-                  </a:solidFill>
-                </a:uFill>
-                <a:latin typeface="+mn-lt"/>
-                <a:ea typeface="+mn-ea"/>
-                <a:cs typeface="+mn-cs"/>
-                <a:sym typeface="Helvetica Neue"/>
-              </a:rPr>
-              <a:t>-&gt; </a:t>
-            </a:r>
-            <a:r>
-              <a:rPr kumimoji="0" lang="de-DE" sz="3600" b="1" i="0" u="none" strike="noStrike" cap="none" spc="0" normalizeH="0" baseline="0" dirty="0" err="1" smtClean="0">
-                <a:ln>
-                  <a:noFill/>
-                </a:ln>
-                <a:solidFill>
-                  <a:srgbClr val="FF0000"/>
-                </a:solidFill>
-                <a:effectLst/>
-                <a:uFill>
-                  <a:solidFill>
-                    <a:srgbClr val="000000"/>
-                  </a:solidFill>
-                </a:uFill>
-                <a:latin typeface="+mn-lt"/>
-                <a:ea typeface="+mn-ea"/>
-                <a:cs typeface="+mn-cs"/>
-                <a:sym typeface="Helvetica Neue"/>
-              </a:rPr>
-              <a:t>see</a:t>
-            </a:r>
-            <a:r>
-              <a:rPr kumimoji="0" lang="de-DE" sz="3600" b="1" i="0" u="none" strike="noStrike" cap="none" spc="0" normalizeH="0" baseline="0" dirty="0" smtClean="0">
-                <a:ln>
-                  <a:noFill/>
-                </a:ln>
-                <a:solidFill>
-                  <a:srgbClr val="FF0000"/>
-                </a:solidFill>
-                <a:effectLst/>
-                <a:uFill>
-                  <a:solidFill>
-                    <a:srgbClr val="000000"/>
-                  </a:solidFill>
-                </a:uFill>
-                <a:latin typeface="+mn-lt"/>
-                <a:ea typeface="+mn-ea"/>
-                <a:cs typeface="+mn-cs"/>
-                <a:sym typeface="Helvetica Neue"/>
-              </a:rPr>
-              <a:t> </a:t>
-            </a:r>
-            <a:r>
-              <a:rPr kumimoji="0" lang="de-DE" sz="3600" b="1" i="0" u="none" strike="noStrike" cap="none" spc="0" normalizeH="0" baseline="0" dirty="0" err="1" smtClean="0">
-                <a:ln>
-                  <a:noFill/>
-                </a:ln>
-                <a:solidFill>
-                  <a:srgbClr val="FF0000"/>
-                </a:solidFill>
-                <a:effectLst/>
-                <a:uFill>
-                  <a:solidFill>
-                    <a:srgbClr val="000000"/>
-                  </a:solidFill>
-                </a:uFill>
-                <a:latin typeface="+mn-lt"/>
-                <a:ea typeface="+mn-ea"/>
-                <a:cs typeface="+mn-cs"/>
-                <a:sym typeface="Helvetica Neue"/>
-              </a:rPr>
-              <a:t>webpage</a:t>
-            </a:r>
-            <a:r>
-              <a:rPr kumimoji="0" lang="de-DE" sz="3600" b="1" i="0" u="none" strike="noStrike" cap="none" spc="0" normalizeH="0" baseline="0" dirty="0" smtClean="0">
-                <a:ln>
-                  <a:noFill/>
-                </a:ln>
-                <a:solidFill>
-                  <a:srgbClr val="FF0000"/>
-                </a:solidFill>
-                <a:effectLst/>
-                <a:uFill>
-                  <a:solidFill>
-                    <a:srgbClr val="000000"/>
-                  </a:solidFill>
-                </a:uFill>
-                <a:latin typeface="+mn-lt"/>
-                <a:ea typeface="+mn-ea"/>
-                <a:cs typeface="+mn-cs"/>
-                <a:sym typeface="Helvetica Neue"/>
-              </a:rPr>
-              <a:t>!</a:t>
-            </a:r>
-            <a:endParaRPr kumimoji="0" lang="en-US" sz="3600" b="1" i="0" u="none" strike="noStrike" cap="none" spc="0" normalizeH="0" baseline="0" dirty="0">
-              <a:ln>
-                <a:noFill/>
-              </a:ln>
-              <a:solidFill>
-                <a:srgbClr val="FF0000"/>
-              </a:solidFill>
-              <a:effectLst/>
-              <a:uFill>
-                <a:solidFill>
-                  <a:srgbClr val="000000"/>
-                </a:solidFill>
-              </a:uFill>
-              <a:latin typeface="+mn-lt"/>
-              <a:ea typeface="+mn-ea"/>
-              <a:cs typeface="+mn-cs"/>
-              <a:sym typeface="Helvetica Neue"/>
-            </a:endParaRPr>
           </a:p>
         </p:txBody>
       </p:sp>
@@ -10656,11 +10230,7 @@
             </a:r>
             <a:r>
               <a:rPr lang="en-GB" dirty="0" smtClean="0"/>
-              <a:t>mechanism developed in MAMI for</a:t>
-            </a:r>
-            <a:r>
-              <a:rPr lang="en-GB" dirty="0" smtClean="0"/>
-              <a:t> protocol design in existing IETF working groups, e.g. measurability in QUIC</a:t>
+              <a:t>mechanism developed in MAMI for protocol design in existing IETF working groups, e.g. measurability in QUIC</a:t>
             </a:r>
           </a:p>
           <a:p>
@@ -10710,11 +10280,7 @@
             <a:pPr lvl="1"/>
             <a:r>
               <a:rPr lang="en-GB" dirty="0" smtClean="0"/>
-              <a:t>Individual </a:t>
-            </a:r>
-            <a:r>
-              <a:rPr lang="en-GB" dirty="0" smtClean="0"/>
-              <a:t>submission introducing the PLUS transport-independent </a:t>
+              <a:t>Individual submission introducing the PLUS transport-independent </a:t>
             </a:r>
             <a:r>
               <a:rPr lang="en-GB" dirty="0"/>
@@ -10755,49 +10321,28 @@
           <a:p>
             <a:r>
               <a:rPr lang="en-GB" dirty="0" smtClean="0"/>
-              <a:t>Building </a:t>
-            </a:r>
-            <a:r>
-              <a:rPr lang="en-GB" dirty="0" smtClean="0"/>
-              <a:t>awareness in ETSI</a:t>
+              <a:t>Building awareness in ETSI</a:t>
             </a:r>
           </a:p>
           <a:p>
             <a:pPr lvl="1"/>
             <a:r>
               <a:rPr lang="en-GB" dirty="0" smtClean="0"/>
-              <a:t>Periodic reports to NFV </a:t>
-            </a:r>
-            <a:r>
-              <a:rPr lang="en-GB" dirty="0" smtClean="0"/>
-              <a:t>plenaries</a:t>
-            </a:r>
-            <a:endParaRPr lang="en-GB" dirty="0" smtClean="0"/>
+              <a:t>Periodic reports to NFV plenaries</a:t>
+            </a:r>
           </a:p>
           <a:p>
             <a:pPr lvl="1"/>
             <a:r>
               <a:rPr lang="en-GB" dirty="0" smtClean="0"/>
-              <a:t>Contributions to TC CYBER on the applicability of </a:t>
-            </a:r>
-            <a:r>
-              <a:rPr lang="en-GB" dirty="0" smtClean="0"/>
-              <a:t>MCP:</a:t>
+              <a:t>Contributions to TC CYBER on the applicability of MCP:</a:t>
             </a:r>
           </a:p>
           <a:p>
             <a:pPr lvl="2"/>
             <a:r>
               <a:rPr lang="en-GB" dirty="0" smtClean="0"/>
-              <a:t>They </a:t>
-            </a:r>
-            <a:r>
-              <a:rPr lang="en-GB" dirty="0" smtClean="0"/>
-              <a:t>have adopted the “MCP” name, though purpose is not exactly the </a:t>
-            </a:r>
-            <a:r>
-              <a:rPr lang="en-GB" dirty="0" smtClean="0"/>
-              <a:t>same</a:t>
+              <a:t>They have adopted the “MCP” name, though purpose is not exactly the same</a:t>
             </a:r>
             <a:endParaRPr lang="en-GB" dirty="0"/>
           </a:p>
@@ -10891,7 +10436,6 @@
               <a:rPr lang="en-GB" dirty="0"/>
               <a:t>Documents</a:t>
             </a:r>
-            <a:endParaRPr lang="en-GB" dirty="0"/>
           </a:p>
         </p:txBody>
       </p:sp>
@@ -10925,7 +10469,7 @@
             </a:r>
             <a:r>
               <a:rPr lang="en-GB" dirty="0" err="1" smtClean="0"/>
-              <a:t>kuehlewind</a:t>
+              <a:t>ietf</a:t>
             </a:r>
             <a:r>
               <a:rPr lang="en-GB" dirty="0" smtClean="0"/>
@@ -10939,6 +10483,7 @@
               <a:rPr lang="en-GB" dirty="0" smtClean="0"/>
               <a:t>-manageability</a:t>
             </a:r>
+            <a:endParaRPr lang="en-GB" dirty="0" smtClean="0"/>
           </a:p>
           <a:p>
             <a:pPr lvl="1"/>
@@ -10948,7 +10493,7 @@
             </a:r>
             <a:r>
               <a:rPr lang="en-GB" dirty="0" err="1" smtClean="0"/>
-              <a:t>kuehlewind</a:t>
+              <a:t>ietf</a:t>
             </a:r>
             <a:r>
               <a:rPr lang="en-GB" dirty="0" smtClean="0"/>
@@ -10962,6 +10507,7 @@
               <a:rPr lang="en-GB" dirty="0" smtClean="0"/>
               <a:t>-applicability</a:t>
             </a:r>
+            <a:endParaRPr lang="en-GB" dirty="0" smtClean="0"/>
           </a:p>
           <a:p>
             <a:pPr lvl="1"/>
@@ -11013,6 +10559,46 @@
               <a:t>ecn</a:t>
             </a:r>
             <a:endParaRPr lang="en-GB" dirty="0" smtClean="0"/>
+          </a:p>
+          <a:p>
+            <a:pPr lvl="1"/>
+            <a:r>
+              <a:rPr lang="en-GB" dirty="0">
+                <a:solidFill>
+                  <a:schemeClr val="tx1"/>
+                </a:solidFill>
+              </a:rPr>
+              <a:t>draft-</a:t>
+            </a:r>
+            <a:r>
+              <a:rPr lang="en-GB" dirty="0" err="1">
+                <a:solidFill>
+                  <a:schemeClr val="tx1"/>
+                </a:solidFill>
+              </a:rPr>
+              <a:t>trammell</a:t>
+            </a:r>
+            <a:r>
+              <a:rPr lang="en-GB" dirty="0">
+                <a:solidFill>
+                  <a:schemeClr val="tx1"/>
+                </a:solidFill>
+              </a:rPr>
+              <a:t>-plus-</a:t>
+            </a:r>
+            <a:r>
+              <a:rPr lang="en-GB" dirty="0" err="1">
+                <a:solidFill>
+                  <a:schemeClr val="tx1"/>
+                </a:solidFill>
+              </a:rPr>
+              <a:t>statefulness</a:t>
+            </a:r>
+            <a:endParaRPr lang="en-GB" dirty="0">
+              <a:solidFill>
+                <a:schemeClr val="tx1"/>
+              </a:solidFill>
+            </a:endParaRPr>
           </a:p>
           <a:p>
             <a:pPr lvl="1"/>
@@ -11070,56 +10656,6 @@
               <a:rPr lang="en-GB" dirty="0" smtClean="0">
                 <a:solidFill>
                   <a:schemeClr val="bg1">
-                    <a:lumMod val="50000"/>
-                  </a:schemeClr>
-                </a:solidFill>
-              </a:rPr>
-              <a:t>draft-</a:t>
-            </a:r>
-            <a:r>
-              <a:rPr lang="en-GB" dirty="0" err="1" smtClean="0">
-                <a:solidFill>
-                  <a:schemeClr val="bg1">
-                    <a:lumMod val="50000"/>
-                  </a:schemeClr>
-                </a:solidFill>
-              </a:rPr>
-              <a:t>trammell</a:t>
-            </a:r>
-            <a:r>
-              <a:rPr lang="en-GB" dirty="0" smtClean="0">
-                <a:solidFill>
-                  <a:schemeClr val="bg1">
-                    <a:lumMod val="50000"/>
-                  </a:schemeClr>
-                </a:solidFill>
-              </a:rPr>
-              <a:t>-plus-</a:t>
-            </a:r>
-            <a:r>
-              <a:rPr lang="en-GB" dirty="0" err="1" smtClean="0">
-                <a:solidFill>
-                  <a:schemeClr val="bg1">
-                    <a:lumMod val="50000"/>
-                  </a:schemeClr>
-                </a:solidFill>
-              </a:rPr>
-              <a:t>statefulness</a:t>
-            </a:r>
-            <a:endParaRPr lang="en-GB" dirty="0" smtClean="0">
-              <a:solidFill>
-                <a:schemeClr val="bg1">
-                  <a:lumMod val="50000"/>
-                </a:schemeClr>
-              </a:solidFill>
-            </a:endParaRPr>
-          </a:p>
-          <a:p>
-            <a:pPr lvl="1"/>
-            <a:r>
-              <a:rPr lang="en-GB" dirty="0" smtClean="0">
-                <a:solidFill>
-                  <a:schemeClr val="bg1">
                     <a:lumMod val="65000"/>
                   </a:schemeClr>
                 </a:solidFill>
@@ -11146,6 +10682,13 @@
               </a:rPr>
               <a:t>-plus-spec</a:t>
             </a:r>
+            <a:endParaRPr lang="en-GB" dirty="0" smtClean="0">
+              <a:solidFill>
+                <a:schemeClr val="bg1">
+                  <a:lumMod val="65000"/>
+                </a:schemeClr>
+              </a:solidFill>
+            </a:endParaRPr>
           </a:p>
           <a:p>
             <a:pPr lvl="1"/>
@@ -11470,7 +11013,6 @@
               <a:rPr lang="en-US" dirty="0" smtClean="0"/>
               <a:t>TSVWG and QUIC</a:t>
             </a:r>
-            <a:endParaRPr lang="en-US" dirty="0" smtClean="0"/>
           </a:p>
           <a:p>
             <a:pPr lvl="1"/>
@@ -11486,7 +11028,6 @@
               <a:rPr lang="en-US" dirty="0" smtClean="0"/>
               <a:t>design </a:t>
             </a:r>
-            <a:endParaRPr lang="en-US" dirty="0" smtClean="0"/>
           </a:p>
           <a:p>
             <a:r>
@@ -11518,11 +11059,7 @@
           <a:p>
             <a:r>
               <a:rPr lang="en-GB" dirty="0" smtClean="0"/>
-              <a:t>Building </a:t>
-            </a:r>
-            <a:r>
-              <a:rPr lang="en-GB" dirty="0" smtClean="0"/>
-              <a:t>awareness in ETSI NFV</a:t>
+              <a:t>Building awareness in ETSI NFV</a:t>
             </a:r>
           </a:p>
           <a:p>
@@ -11649,7 +11186,7 @@
         <p:spPr/>
         <p:txBody>
           <a:bodyPr>
-            <a:normAutofit fontScale="85000" lnSpcReduction="20000"/>
+            <a:normAutofit fontScale="92500" lnSpcReduction="20000"/>
           </a:bodyPr>
           <a:lstStyle/>
           <a:p>
@@ -11724,12 +11261,6 @@
             <a:r>
               <a:rPr lang="en-GB" dirty="0" smtClean="0"/>
               <a:t>Including recent discussion in the TLS WG</a:t>
-            </a:r>
-          </a:p>
-          <a:p>
-            <a:r>
-              <a:rPr lang="en-GB" dirty="0" smtClean="0"/>
-              <a:t>IETF related documents</a:t>
             </a:r>
           </a:p>
           <a:p>
